--- a/Presentation.pptx
+++ b/Presentation.pptx
@@ -3,19 +3,20 @@
 <p:presentation xmlns:a="http://schemas.openxmlformats.org/drawingml/2006/main" xmlns:p="http://schemas.openxmlformats.org/presentationml/2006/main" xmlns:r="http://schemas.openxmlformats.org/officeDocument/2006/relationships" xmlns:p14="http://schemas.microsoft.com/office/powerpoint/2010/main" xmlns:p15="http://schemas.microsoft.com/office/powerpoint/2012/main" xmlns:mc="http://schemas.openxmlformats.org/markup-compatibility/2006">
   <p:sldMasterIdLst>
     <p:sldMasterId id="2147483648" r:id="rId2"/>
+    <p:sldMasterId id="2147483661" r:id="rId3"/>
   </p:sldMasterIdLst>
   <p:sldIdLst>
-    <p:sldId id="256" r:id="rId3"/>
-    <p:sldId id="257" r:id="rId4"/>
-    <p:sldId id="258" r:id="rId5"/>
-    <p:sldId id="259" r:id="rId6"/>
-    <p:sldId id="260" r:id="rId7"/>
-    <p:sldId id="261" r:id="rId8"/>
-    <p:sldId id="262" r:id="rId9"/>
-    <p:sldId id="263" r:id="rId10"/>
-    <p:sldId id="264" r:id="rId11"/>
-    <p:sldId id="265" r:id="rId12"/>
-    <p:sldId id="266" r:id="rId13"/>
+    <p:sldId id="256" r:id="rId4"/>
+    <p:sldId id="257" r:id="rId5"/>
+    <p:sldId id="258" r:id="rId6"/>
+    <p:sldId id="259" r:id="rId7"/>
+    <p:sldId id="260" r:id="rId8"/>
+    <p:sldId id="261" r:id="rId9"/>
+    <p:sldId id="262" r:id="rId10"/>
+    <p:sldId id="263" r:id="rId11"/>
+    <p:sldId id="264" r:id="rId12"/>
+    <p:sldId id="265" r:id="rId13"/>
+    <p:sldId id="266" r:id="rId14"/>
   </p:sldIdLst>
   <p:sldSz cx="10080625" cy="7559675"/>
   <p:notesSz cx="7559675" cy="10691812"/>
@@ -63,7 +64,7 @@
       </p:grpSpPr>
       <p:sp>
         <p:nvSpPr>
-          <p:cNvPr id="26" name="PlaceHolder 1"/>
+          <p:cNvPr id="23" name="PlaceHolder 1"/>
           <p:cNvSpPr>
             <a:spLocks noGrp="1"/>
           </p:cNvSpPr>
@@ -74,7 +75,7 @@
         <p:spPr>
           <a:xfrm>
             <a:off x="504000" y="301320"/>
-            <a:ext cx="9071640" cy="1262160"/>
+            <a:ext cx="9071280" cy="1261800"/>
           </a:xfrm>
           <a:prstGeom prst="rect">
             <a:avLst/>
@@ -100,7 +101,7 @@
       </p:sp>
       <p:sp>
         <p:nvSpPr>
-          <p:cNvPr id="27" name="PlaceHolder 2"/>
+          <p:cNvPr id="24" name="PlaceHolder 2"/>
           <p:cNvSpPr>
             <a:spLocks noGrp="1"/>
           </p:cNvSpPr>
@@ -111,7 +112,7 @@
         <p:spPr>
           <a:xfrm>
             <a:off x="504000" y="1769040"/>
-            <a:ext cx="9071640" cy="2091240"/>
+            <a:ext cx="9071280" cy="2090880"/>
           </a:xfrm>
           <a:prstGeom prst="rect">
             <a:avLst/>
@@ -136,7 +137,7 @@
       </p:sp>
       <p:sp>
         <p:nvSpPr>
-          <p:cNvPr id="28" name="PlaceHolder 3"/>
+          <p:cNvPr id="25" name="PlaceHolder 3"/>
           <p:cNvSpPr>
             <a:spLocks noGrp="1"/>
           </p:cNvSpPr>
@@ -146,8 +147,8 @@
         </p:nvSpPr>
         <p:spPr>
           <a:xfrm>
-            <a:off x="504000" y="4059360"/>
-            <a:ext cx="9071640" cy="2091240"/>
+            <a:off x="504000" y="4059000"/>
+            <a:ext cx="9071280" cy="2090880"/>
           </a:xfrm>
           <a:prstGeom prst="rect">
             <a:avLst/>
@@ -194,7 +195,7 @@
       </p:grpSpPr>
       <p:sp>
         <p:nvSpPr>
-          <p:cNvPr id="29" name="PlaceHolder 1"/>
+          <p:cNvPr id="26" name="PlaceHolder 1"/>
           <p:cNvSpPr>
             <a:spLocks noGrp="1"/>
           </p:cNvSpPr>
@@ -205,7 +206,7 @@
         <p:spPr>
           <a:xfrm>
             <a:off x="504000" y="301320"/>
-            <a:ext cx="9071640" cy="1262160"/>
+            <a:ext cx="9071280" cy="1261800"/>
           </a:xfrm>
           <a:prstGeom prst="rect">
             <a:avLst/>
@@ -231,7 +232,7 @@
       </p:sp>
       <p:sp>
         <p:nvSpPr>
-          <p:cNvPr id="30" name="PlaceHolder 2"/>
+          <p:cNvPr id="27" name="PlaceHolder 2"/>
           <p:cNvSpPr>
             <a:spLocks noGrp="1"/>
           </p:cNvSpPr>
@@ -242,7 +243,7 @@
         <p:spPr>
           <a:xfrm>
             <a:off x="504000" y="1769040"/>
-            <a:ext cx="4426920" cy="2091240"/>
+            <a:ext cx="4426560" cy="2090880"/>
           </a:xfrm>
           <a:prstGeom prst="rect">
             <a:avLst/>
@@ -267,7 +268,7 @@
       </p:sp>
       <p:sp>
         <p:nvSpPr>
-          <p:cNvPr id="31" name="PlaceHolder 3"/>
+          <p:cNvPr id="28" name="PlaceHolder 3"/>
           <p:cNvSpPr>
             <a:spLocks noGrp="1"/>
           </p:cNvSpPr>
@@ -277,8 +278,8 @@
         </p:nvSpPr>
         <p:spPr>
           <a:xfrm>
-            <a:off x="5152680" y="1769040"/>
-            <a:ext cx="4426920" cy="2091240"/>
+            <a:off x="5152320" y="1769040"/>
+            <a:ext cx="4426560" cy="2090880"/>
           </a:xfrm>
           <a:prstGeom prst="rect">
             <a:avLst/>
@@ -303,7 +304,7 @@
       </p:sp>
       <p:sp>
         <p:nvSpPr>
-          <p:cNvPr id="32" name="PlaceHolder 4"/>
+          <p:cNvPr id="29" name="PlaceHolder 4"/>
           <p:cNvSpPr>
             <a:spLocks noGrp="1"/>
           </p:cNvSpPr>
@@ -313,8 +314,8 @@
         </p:nvSpPr>
         <p:spPr>
           <a:xfrm>
-            <a:off x="5152680" y="4059360"/>
-            <a:ext cx="4426920" cy="2091240"/>
+            <a:off x="5152320" y="4059000"/>
+            <a:ext cx="4426560" cy="2090880"/>
           </a:xfrm>
           <a:prstGeom prst="rect">
             <a:avLst/>
@@ -339,7 +340,7 @@
       </p:sp>
       <p:sp>
         <p:nvSpPr>
-          <p:cNvPr id="33" name="PlaceHolder 5"/>
+          <p:cNvPr id="30" name="PlaceHolder 5"/>
           <p:cNvSpPr>
             <a:spLocks noGrp="1"/>
           </p:cNvSpPr>
@@ -349,8 +350,8 @@
         </p:nvSpPr>
         <p:spPr>
           <a:xfrm>
-            <a:off x="504000" y="4059360"/>
-            <a:ext cx="4426920" cy="2091240"/>
+            <a:off x="504000" y="4059000"/>
+            <a:ext cx="4426560" cy="2090880"/>
           </a:xfrm>
           <a:prstGeom prst="rect">
             <a:avLst/>
@@ -397,7 +398,7 @@
       </p:grpSpPr>
       <p:sp>
         <p:nvSpPr>
-          <p:cNvPr id="34" name="PlaceHolder 1"/>
+          <p:cNvPr id="31" name="PlaceHolder 1"/>
           <p:cNvSpPr>
             <a:spLocks noGrp="1"/>
           </p:cNvSpPr>
@@ -408,7 +409,7 @@
         <p:spPr>
           <a:xfrm>
             <a:off x="504000" y="301320"/>
-            <a:ext cx="9071640" cy="1262160"/>
+            <a:ext cx="9071280" cy="1261800"/>
           </a:xfrm>
           <a:prstGeom prst="rect">
             <a:avLst/>
@@ -434,7 +435,7 @@
       </p:sp>
       <p:sp>
         <p:nvSpPr>
-          <p:cNvPr id="35" name="PlaceHolder 2"/>
+          <p:cNvPr id="32" name="PlaceHolder 2"/>
           <p:cNvSpPr>
             <a:spLocks noGrp="1"/>
           </p:cNvSpPr>
@@ -445,7 +446,7 @@
         <p:spPr>
           <a:xfrm>
             <a:off x="504000" y="1769040"/>
-            <a:ext cx="9071640" cy="4384440"/>
+            <a:ext cx="9071280" cy="4384080"/>
           </a:xfrm>
           <a:prstGeom prst="rect">
             <a:avLst/>
@@ -470,7 +471,7 @@
       </p:sp>
       <p:sp>
         <p:nvSpPr>
-          <p:cNvPr id="36" name="PlaceHolder 3"/>
+          <p:cNvPr id="33" name="PlaceHolder 3"/>
           <p:cNvSpPr>
             <a:spLocks noGrp="1"/>
           </p:cNvSpPr>
@@ -481,7 +482,7 @@
         <p:spPr>
           <a:xfrm>
             <a:off x="504000" y="1769040"/>
-            <a:ext cx="9071640" cy="4384440"/>
+            <a:ext cx="9071280" cy="4384080"/>
           </a:xfrm>
           <a:prstGeom prst="rect">
             <a:avLst/>
@@ -506,7 +507,7 @@
       </p:sp>
       <p:pic>
         <p:nvPicPr>
-          <p:cNvPr id="37" name="" descr=""/>
+          <p:cNvPr id="34" name="" descr=""/>
           <p:cNvPicPr/>
           <p:nvPr/>
         </p:nvPicPr>
@@ -516,8 +517,8 @@
         </p:blipFill>
         <p:spPr>
           <a:xfrm>
-            <a:off x="2292120" y="1768680"/>
-            <a:ext cx="5495040" cy="4384440"/>
+            <a:off x="2292120" y="1769040"/>
+            <a:ext cx="5494680" cy="4384080"/>
           </a:xfrm>
           <a:prstGeom prst="rect">
             <a:avLst/>
@@ -529,7 +530,7 @@
       </p:pic>
       <p:pic>
         <p:nvPicPr>
-          <p:cNvPr id="38" name="" descr=""/>
+          <p:cNvPr id="35" name="" descr=""/>
           <p:cNvPicPr/>
           <p:nvPr/>
         </p:nvPicPr>
@@ -539,8 +540,8 @@
         </p:blipFill>
         <p:spPr>
           <a:xfrm>
-            <a:off x="2292120" y="1768680"/>
-            <a:ext cx="5495040" cy="4384440"/>
+            <a:off x="2292120" y="1769040"/>
+            <a:ext cx="5494680" cy="4384080"/>
           </a:xfrm>
           <a:prstGeom prst="rect">
             <a:avLst/>
@@ -550,6 +551,635 @@
           </a:ln>
         </p:spPr>
       </p:pic>
+    </p:spTree>
+  </p:cSld>
+</p:sldLayout>
+</file>
+
+<file path=ppt/slideLayouts/slideLayout13.xml><?xml version="1.0" encoding="utf-8"?>
+<p:sldLayout xmlns:a="http://schemas.openxmlformats.org/drawingml/2006/main" xmlns:p="http://schemas.openxmlformats.org/presentationml/2006/main" xmlns:r="http://schemas.openxmlformats.org/officeDocument/2006/relationships" xmlns:p14="http://schemas.microsoft.com/office/powerpoint/2010/main" xmlns:p15="http://schemas.microsoft.com/office/powerpoint/2012/main" xmlns:mc="http://schemas.openxmlformats.org/markup-compatibility/2006" type="blank" preserve="1">
+  <p:cSld name="Blank Slide">
+    <p:spTree>
+      <p:nvGrpSpPr>
+        <p:cNvPr id="1" name=""/>
+        <p:cNvGrpSpPr/>
+        <p:nvPr/>
+      </p:nvGrpSpPr>
+      <p:grpSpPr>
+        <a:xfrm>
+          <a:off x="0" y="0"/>
+          <a:ext cx="0" cy="0"/>
+          <a:chOff x="0" y="0"/>
+          <a:chExt cx="0" cy="0"/>
+        </a:xfrm>
+      </p:grpSpPr>
+    </p:spTree>
+  </p:cSld>
+</p:sldLayout>
+</file>
+
+<file path=ppt/slideLayouts/slideLayout14.xml><?xml version="1.0" encoding="utf-8"?>
+<p:sldLayout xmlns:a="http://schemas.openxmlformats.org/drawingml/2006/main" xmlns:p="http://schemas.openxmlformats.org/presentationml/2006/main" xmlns:r="http://schemas.openxmlformats.org/officeDocument/2006/relationships" xmlns:p14="http://schemas.microsoft.com/office/powerpoint/2010/main" xmlns:p15="http://schemas.microsoft.com/office/powerpoint/2012/main" xmlns:mc="http://schemas.openxmlformats.org/markup-compatibility/2006" type="tx" preserve="1">
+  <p:cSld name="Title Slide">
+    <p:spTree>
+      <p:nvGrpSpPr>
+        <p:cNvPr id="1" name=""/>
+        <p:cNvGrpSpPr/>
+        <p:nvPr/>
+      </p:nvGrpSpPr>
+      <p:grpSpPr>
+        <a:xfrm>
+          <a:off x="0" y="0"/>
+          <a:ext cx="0" cy="0"/>
+          <a:chOff x="0" y="0"/>
+          <a:chExt cx="0" cy="0"/>
+        </a:xfrm>
+      </p:grpSpPr>
+      <p:sp>
+        <p:nvSpPr>
+          <p:cNvPr id="38" name="PlaceHolder 1"/>
+          <p:cNvSpPr>
+            <a:spLocks noGrp="1"/>
+          </p:cNvSpPr>
+          <p:nvPr>
+            <p:ph type="title"/>
+          </p:nvPr>
+        </p:nvSpPr>
+        <p:spPr>
+          <a:xfrm>
+            <a:off x="504000" y="301320"/>
+            <a:ext cx="9071280" cy="1261800"/>
+          </a:xfrm>
+          <a:prstGeom prst="rect">
+            <a:avLst/>
+          </a:prstGeom>
+        </p:spPr>
+        <p:txBody>
+          <a:bodyPr lIns="0" rIns="0" tIns="0" bIns="0" anchor="ctr"/>
+          <a:p>
+            <a:pPr algn="ctr"/>
+            <a:endParaRPr b="0" lang="hu-HU" sz="4400" spc="-1" strike="noStrike">
+              <a:solidFill>
+                <a:srgbClr val="000000"/>
+              </a:solidFill>
+              <a:uFill>
+                <a:solidFill>
+                  <a:srgbClr val="ffffff"/>
+                </a:solidFill>
+              </a:uFill>
+              <a:latin typeface="Arial"/>
+            </a:endParaRPr>
+          </a:p>
+        </p:txBody>
+      </p:sp>
+      <p:sp>
+        <p:nvSpPr>
+          <p:cNvPr id="39" name="PlaceHolder 2"/>
+          <p:cNvSpPr>
+            <a:spLocks noGrp="1"/>
+          </p:cNvSpPr>
+          <p:nvPr>
+            <p:ph type="subTitle"/>
+          </p:nvPr>
+        </p:nvSpPr>
+        <p:spPr>
+          <a:xfrm>
+            <a:off x="504000" y="1769040"/>
+            <a:ext cx="9071280" cy="4384080"/>
+          </a:xfrm>
+          <a:prstGeom prst="rect">
+            <a:avLst/>
+          </a:prstGeom>
+        </p:spPr>
+        <p:txBody>
+          <a:bodyPr lIns="0" rIns="0" tIns="0" bIns="0" anchor="ctr"/>
+          <a:p>
+            <a:pPr algn="ctr"/>
+            <a:endParaRPr b="0" lang="hu-HU" sz="3200" spc="-1" strike="noStrike">
+              <a:solidFill>
+                <a:srgbClr val="000000"/>
+              </a:solidFill>
+              <a:uFill>
+                <a:solidFill>
+                  <a:srgbClr val="ffffff"/>
+                </a:solidFill>
+              </a:uFill>
+              <a:latin typeface="Arial"/>
+            </a:endParaRPr>
+          </a:p>
+        </p:txBody>
+      </p:sp>
+    </p:spTree>
+  </p:cSld>
+</p:sldLayout>
+</file>
+
+<file path=ppt/slideLayouts/slideLayout15.xml><?xml version="1.0" encoding="utf-8"?>
+<p:sldLayout xmlns:a="http://schemas.openxmlformats.org/drawingml/2006/main" xmlns:p="http://schemas.openxmlformats.org/presentationml/2006/main" xmlns:r="http://schemas.openxmlformats.org/officeDocument/2006/relationships" xmlns:p14="http://schemas.microsoft.com/office/powerpoint/2010/main" xmlns:p15="http://schemas.microsoft.com/office/powerpoint/2012/main" xmlns:mc="http://schemas.openxmlformats.org/markup-compatibility/2006" type="obj" preserve="1">
+  <p:cSld name="Title, Content">
+    <p:spTree>
+      <p:nvGrpSpPr>
+        <p:cNvPr id="1" name=""/>
+        <p:cNvGrpSpPr/>
+        <p:nvPr/>
+      </p:nvGrpSpPr>
+      <p:grpSpPr>
+        <a:xfrm>
+          <a:off x="0" y="0"/>
+          <a:ext cx="0" cy="0"/>
+          <a:chOff x="0" y="0"/>
+          <a:chExt cx="0" cy="0"/>
+        </a:xfrm>
+      </p:grpSpPr>
+      <p:sp>
+        <p:nvSpPr>
+          <p:cNvPr id="40" name="PlaceHolder 1"/>
+          <p:cNvSpPr>
+            <a:spLocks noGrp="1"/>
+          </p:cNvSpPr>
+          <p:nvPr>
+            <p:ph type="title"/>
+          </p:nvPr>
+        </p:nvSpPr>
+        <p:spPr>
+          <a:xfrm>
+            <a:off x="504000" y="301320"/>
+            <a:ext cx="9071280" cy="1261800"/>
+          </a:xfrm>
+          <a:prstGeom prst="rect">
+            <a:avLst/>
+          </a:prstGeom>
+        </p:spPr>
+        <p:txBody>
+          <a:bodyPr lIns="0" rIns="0" tIns="0" bIns="0" anchor="ctr"/>
+          <a:p>
+            <a:pPr algn="ctr"/>
+            <a:endParaRPr b="0" lang="hu-HU" sz="4400" spc="-1" strike="noStrike">
+              <a:solidFill>
+                <a:srgbClr val="000000"/>
+              </a:solidFill>
+              <a:uFill>
+                <a:solidFill>
+                  <a:srgbClr val="ffffff"/>
+                </a:solidFill>
+              </a:uFill>
+              <a:latin typeface="Arial"/>
+            </a:endParaRPr>
+          </a:p>
+        </p:txBody>
+      </p:sp>
+      <p:sp>
+        <p:nvSpPr>
+          <p:cNvPr id="41" name="PlaceHolder 2"/>
+          <p:cNvSpPr>
+            <a:spLocks noGrp="1"/>
+          </p:cNvSpPr>
+          <p:nvPr>
+            <p:ph type="body"/>
+          </p:nvPr>
+        </p:nvSpPr>
+        <p:spPr>
+          <a:xfrm>
+            <a:off x="504000" y="1769040"/>
+            <a:ext cx="9071280" cy="4384080"/>
+          </a:xfrm>
+          <a:prstGeom prst="rect">
+            <a:avLst/>
+          </a:prstGeom>
+        </p:spPr>
+        <p:txBody>
+          <a:bodyPr lIns="0" rIns="0" tIns="0" bIns="0"/>
+          <a:p>
+            <a:endParaRPr b="0" lang="hu-HU" sz="3200" spc="-1" strike="noStrike">
+              <a:solidFill>
+                <a:srgbClr val="000000"/>
+              </a:solidFill>
+              <a:uFill>
+                <a:solidFill>
+                  <a:srgbClr val="ffffff"/>
+                </a:solidFill>
+              </a:uFill>
+              <a:latin typeface="Arial"/>
+            </a:endParaRPr>
+          </a:p>
+        </p:txBody>
+      </p:sp>
+    </p:spTree>
+  </p:cSld>
+</p:sldLayout>
+</file>
+
+<file path=ppt/slideLayouts/slideLayout16.xml><?xml version="1.0" encoding="utf-8"?>
+<p:sldLayout xmlns:a="http://schemas.openxmlformats.org/drawingml/2006/main" xmlns:p="http://schemas.openxmlformats.org/presentationml/2006/main" xmlns:r="http://schemas.openxmlformats.org/officeDocument/2006/relationships" xmlns:p14="http://schemas.microsoft.com/office/powerpoint/2010/main" xmlns:p15="http://schemas.microsoft.com/office/powerpoint/2012/main" xmlns:mc="http://schemas.openxmlformats.org/markup-compatibility/2006" type="twoObj" preserve="1">
+  <p:cSld name="Title, 2 Content">
+    <p:spTree>
+      <p:nvGrpSpPr>
+        <p:cNvPr id="1" name=""/>
+        <p:cNvGrpSpPr/>
+        <p:nvPr/>
+      </p:nvGrpSpPr>
+      <p:grpSpPr>
+        <a:xfrm>
+          <a:off x="0" y="0"/>
+          <a:ext cx="0" cy="0"/>
+          <a:chOff x="0" y="0"/>
+          <a:chExt cx="0" cy="0"/>
+        </a:xfrm>
+      </p:grpSpPr>
+      <p:sp>
+        <p:nvSpPr>
+          <p:cNvPr id="42" name="PlaceHolder 1"/>
+          <p:cNvSpPr>
+            <a:spLocks noGrp="1"/>
+          </p:cNvSpPr>
+          <p:nvPr>
+            <p:ph type="title"/>
+          </p:nvPr>
+        </p:nvSpPr>
+        <p:spPr>
+          <a:xfrm>
+            <a:off x="504000" y="301320"/>
+            <a:ext cx="9071280" cy="1261800"/>
+          </a:xfrm>
+          <a:prstGeom prst="rect">
+            <a:avLst/>
+          </a:prstGeom>
+        </p:spPr>
+        <p:txBody>
+          <a:bodyPr lIns="0" rIns="0" tIns="0" bIns="0" anchor="ctr"/>
+          <a:p>
+            <a:pPr algn="ctr"/>
+            <a:endParaRPr b="0" lang="hu-HU" sz="4400" spc="-1" strike="noStrike">
+              <a:solidFill>
+                <a:srgbClr val="000000"/>
+              </a:solidFill>
+              <a:uFill>
+                <a:solidFill>
+                  <a:srgbClr val="ffffff"/>
+                </a:solidFill>
+              </a:uFill>
+              <a:latin typeface="Arial"/>
+            </a:endParaRPr>
+          </a:p>
+        </p:txBody>
+      </p:sp>
+      <p:sp>
+        <p:nvSpPr>
+          <p:cNvPr id="43" name="PlaceHolder 2"/>
+          <p:cNvSpPr>
+            <a:spLocks noGrp="1"/>
+          </p:cNvSpPr>
+          <p:nvPr>
+            <p:ph type="body"/>
+          </p:nvPr>
+        </p:nvSpPr>
+        <p:spPr>
+          <a:xfrm>
+            <a:off x="504000" y="1769040"/>
+            <a:ext cx="4426560" cy="4384080"/>
+          </a:xfrm>
+          <a:prstGeom prst="rect">
+            <a:avLst/>
+          </a:prstGeom>
+        </p:spPr>
+        <p:txBody>
+          <a:bodyPr lIns="0" rIns="0" tIns="0" bIns="0"/>
+          <a:p>
+            <a:endParaRPr b="0" lang="hu-HU" sz="3200" spc="-1" strike="noStrike">
+              <a:solidFill>
+                <a:srgbClr val="000000"/>
+              </a:solidFill>
+              <a:uFill>
+                <a:solidFill>
+                  <a:srgbClr val="ffffff"/>
+                </a:solidFill>
+              </a:uFill>
+              <a:latin typeface="Arial"/>
+            </a:endParaRPr>
+          </a:p>
+        </p:txBody>
+      </p:sp>
+      <p:sp>
+        <p:nvSpPr>
+          <p:cNvPr id="44" name="PlaceHolder 3"/>
+          <p:cNvSpPr>
+            <a:spLocks noGrp="1"/>
+          </p:cNvSpPr>
+          <p:nvPr>
+            <p:ph type="body"/>
+          </p:nvPr>
+        </p:nvSpPr>
+        <p:spPr>
+          <a:xfrm>
+            <a:off x="5152320" y="1769040"/>
+            <a:ext cx="4426560" cy="4384080"/>
+          </a:xfrm>
+          <a:prstGeom prst="rect">
+            <a:avLst/>
+          </a:prstGeom>
+        </p:spPr>
+        <p:txBody>
+          <a:bodyPr lIns="0" rIns="0" tIns="0" bIns="0"/>
+          <a:p>
+            <a:endParaRPr b="0" lang="hu-HU" sz="3200" spc="-1" strike="noStrike">
+              <a:solidFill>
+                <a:srgbClr val="000000"/>
+              </a:solidFill>
+              <a:uFill>
+                <a:solidFill>
+                  <a:srgbClr val="ffffff"/>
+                </a:solidFill>
+              </a:uFill>
+              <a:latin typeface="Arial"/>
+            </a:endParaRPr>
+          </a:p>
+        </p:txBody>
+      </p:sp>
+    </p:spTree>
+  </p:cSld>
+</p:sldLayout>
+</file>
+
+<file path=ppt/slideLayouts/slideLayout17.xml><?xml version="1.0" encoding="utf-8"?>
+<p:sldLayout xmlns:a="http://schemas.openxmlformats.org/drawingml/2006/main" xmlns:p="http://schemas.openxmlformats.org/presentationml/2006/main" xmlns:r="http://schemas.openxmlformats.org/officeDocument/2006/relationships" xmlns:p14="http://schemas.microsoft.com/office/powerpoint/2010/main" xmlns:p15="http://schemas.microsoft.com/office/powerpoint/2012/main" xmlns:mc="http://schemas.openxmlformats.org/markup-compatibility/2006" type="titleOnly" preserve="1">
+  <p:cSld name="Title Only">
+    <p:spTree>
+      <p:nvGrpSpPr>
+        <p:cNvPr id="1" name=""/>
+        <p:cNvGrpSpPr/>
+        <p:nvPr/>
+      </p:nvGrpSpPr>
+      <p:grpSpPr>
+        <a:xfrm>
+          <a:off x="0" y="0"/>
+          <a:ext cx="0" cy="0"/>
+          <a:chOff x="0" y="0"/>
+          <a:chExt cx="0" cy="0"/>
+        </a:xfrm>
+      </p:grpSpPr>
+      <p:sp>
+        <p:nvSpPr>
+          <p:cNvPr id="45" name="PlaceHolder 1"/>
+          <p:cNvSpPr>
+            <a:spLocks noGrp="1"/>
+          </p:cNvSpPr>
+          <p:nvPr>
+            <p:ph type="title"/>
+          </p:nvPr>
+        </p:nvSpPr>
+        <p:spPr>
+          <a:xfrm>
+            <a:off x="504000" y="301320"/>
+            <a:ext cx="9071280" cy="1261800"/>
+          </a:xfrm>
+          <a:prstGeom prst="rect">
+            <a:avLst/>
+          </a:prstGeom>
+        </p:spPr>
+        <p:txBody>
+          <a:bodyPr lIns="0" rIns="0" tIns="0" bIns="0" anchor="ctr"/>
+          <a:p>
+            <a:pPr algn="ctr"/>
+            <a:endParaRPr b="0" lang="hu-HU" sz="4400" spc="-1" strike="noStrike">
+              <a:solidFill>
+                <a:srgbClr val="000000"/>
+              </a:solidFill>
+              <a:uFill>
+                <a:solidFill>
+                  <a:srgbClr val="ffffff"/>
+                </a:solidFill>
+              </a:uFill>
+              <a:latin typeface="Arial"/>
+            </a:endParaRPr>
+          </a:p>
+        </p:txBody>
+      </p:sp>
+    </p:spTree>
+  </p:cSld>
+</p:sldLayout>
+</file>
+
+<file path=ppt/slideLayouts/slideLayout18.xml><?xml version="1.0" encoding="utf-8"?>
+<p:sldLayout xmlns:a="http://schemas.openxmlformats.org/drawingml/2006/main" xmlns:p="http://schemas.openxmlformats.org/presentationml/2006/main" xmlns:r="http://schemas.openxmlformats.org/officeDocument/2006/relationships" xmlns:p14="http://schemas.microsoft.com/office/powerpoint/2010/main" xmlns:p15="http://schemas.microsoft.com/office/powerpoint/2012/main" xmlns:mc="http://schemas.openxmlformats.org/markup-compatibility/2006" type="objOnly" preserve="1">
+  <p:cSld name="Centered Text">
+    <p:spTree>
+      <p:nvGrpSpPr>
+        <p:cNvPr id="1" name=""/>
+        <p:cNvGrpSpPr/>
+        <p:nvPr/>
+      </p:nvGrpSpPr>
+      <p:grpSpPr>
+        <a:xfrm>
+          <a:off x="0" y="0"/>
+          <a:ext cx="0" cy="0"/>
+          <a:chOff x="0" y="0"/>
+          <a:chExt cx="0" cy="0"/>
+        </a:xfrm>
+      </p:grpSpPr>
+      <p:sp>
+        <p:nvSpPr>
+          <p:cNvPr id="46" name="PlaceHolder 1"/>
+          <p:cNvSpPr>
+            <a:spLocks noGrp="1"/>
+          </p:cNvSpPr>
+          <p:nvPr>
+            <p:ph type="subTitle"/>
+          </p:nvPr>
+        </p:nvSpPr>
+        <p:spPr>
+          <a:xfrm>
+            <a:off x="504000" y="301320"/>
+            <a:ext cx="9071280" cy="5850360"/>
+          </a:xfrm>
+          <a:prstGeom prst="rect">
+            <a:avLst/>
+          </a:prstGeom>
+        </p:spPr>
+        <p:txBody>
+          <a:bodyPr lIns="0" rIns="0" tIns="0" bIns="0" anchor="ctr"/>
+          <a:p>
+            <a:pPr algn="ctr"/>
+            <a:endParaRPr b="0" lang="hu-HU" sz="3200" spc="-1" strike="noStrike">
+              <a:solidFill>
+                <a:srgbClr val="000000"/>
+              </a:solidFill>
+              <a:uFill>
+                <a:solidFill>
+                  <a:srgbClr val="ffffff"/>
+                </a:solidFill>
+              </a:uFill>
+              <a:latin typeface="Arial"/>
+            </a:endParaRPr>
+          </a:p>
+        </p:txBody>
+      </p:sp>
+    </p:spTree>
+  </p:cSld>
+</p:sldLayout>
+</file>
+
+<file path=ppt/slideLayouts/slideLayout19.xml><?xml version="1.0" encoding="utf-8"?>
+<p:sldLayout xmlns:a="http://schemas.openxmlformats.org/drawingml/2006/main" xmlns:p="http://schemas.openxmlformats.org/presentationml/2006/main" xmlns:r="http://schemas.openxmlformats.org/officeDocument/2006/relationships" xmlns:p14="http://schemas.microsoft.com/office/powerpoint/2010/main" xmlns:p15="http://schemas.microsoft.com/office/powerpoint/2012/main" xmlns:mc="http://schemas.openxmlformats.org/markup-compatibility/2006" type="twoObjAndObj" preserve="1">
+  <p:cSld name="Title, 2 Content and Content">
+    <p:spTree>
+      <p:nvGrpSpPr>
+        <p:cNvPr id="1" name=""/>
+        <p:cNvGrpSpPr/>
+        <p:nvPr/>
+      </p:nvGrpSpPr>
+      <p:grpSpPr>
+        <a:xfrm>
+          <a:off x="0" y="0"/>
+          <a:ext cx="0" cy="0"/>
+          <a:chOff x="0" y="0"/>
+          <a:chExt cx="0" cy="0"/>
+        </a:xfrm>
+      </p:grpSpPr>
+      <p:sp>
+        <p:nvSpPr>
+          <p:cNvPr id="47" name="PlaceHolder 1"/>
+          <p:cNvSpPr>
+            <a:spLocks noGrp="1"/>
+          </p:cNvSpPr>
+          <p:nvPr>
+            <p:ph type="title"/>
+          </p:nvPr>
+        </p:nvSpPr>
+        <p:spPr>
+          <a:xfrm>
+            <a:off x="504000" y="301320"/>
+            <a:ext cx="9071280" cy="1261800"/>
+          </a:xfrm>
+          <a:prstGeom prst="rect">
+            <a:avLst/>
+          </a:prstGeom>
+        </p:spPr>
+        <p:txBody>
+          <a:bodyPr lIns="0" rIns="0" tIns="0" bIns="0" anchor="ctr"/>
+          <a:p>
+            <a:pPr algn="ctr"/>
+            <a:endParaRPr b="0" lang="hu-HU" sz="4400" spc="-1" strike="noStrike">
+              <a:solidFill>
+                <a:srgbClr val="000000"/>
+              </a:solidFill>
+              <a:uFill>
+                <a:solidFill>
+                  <a:srgbClr val="ffffff"/>
+                </a:solidFill>
+              </a:uFill>
+              <a:latin typeface="Arial"/>
+            </a:endParaRPr>
+          </a:p>
+        </p:txBody>
+      </p:sp>
+      <p:sp>
+        <p:nvSpPr>
+          <p:cNvPr id="48" name="PlaceHolder 2"/>
+          <p:cNvSpPr>
+            <a:spLocks noGrp="1"/>
+          </p:cNvSpPr>
+          <p:nvPr>
+            <p:ph type="body"/>
+          </p:nvPr>
+        </p:nvSpPr>
+        <p:spPr>
+          <a:xfrm>
+            <a:off x="504000" y="1769040"/>
+            <a:ext cx="4426560" cy="2090880"/>
+          </a:xfrm>
+          <a:prstGeom prst="rect">
+            <a:avLst/>
+          </a:prstGeom>
+        </p:spPr>
+        <p:txBody>
+          <a:bodyPr lIns="0" rIns="0" tIns="0" bIns="0"/>
+          <a:p>
+            <a:endParaRPr b="0" lang="hu-HU" sz="3200" spc="-1" strike="noStrike">
+              <a:solidFill>
+                <a:srgbClr val="000000"/>
+              </a:solidFill>
+              <a:uFill>
+                <a:solidFill>
+                  <a:srgbClr val="ffffff"/>
+                </a:solidFill>
+              </a:uFill>
+              <a:latin typeface="Arial"/>
+            </a:endParaRPr>
+          </a:p>
+        </p:txBody>
+      </p:sp>
+      <p:sp>
+        <p:nvSpPr>
+          <p:cNvPr id="49" name="PlaceHolder 3"/>
+          <p:cNvSpPr>
+            <a:spLocks noGrp="1"/>
+          </p:cNvSpPr>
+          <p:nvPr>
+            <p:ph type="body"/>
+          </p:nvPr>
+        </p:nvSpPr>
+        <p:spPr>
+          <a:xfrm>
+            <a:off x="504000" y="4059000"/>
+            <a:ext cx="4426560" cy="2090880"/>
+          </a:xfrm>
+          <a:prstGeom prst="rect">
+            <a:avLst/>
+          </a:prstGeom>
+        </p:spPr>
+        <p:txBody>
+          <a:bodyPr lIns="0" rIns="0" tIns="0" bIns="0"/>
+          <a:p>
+            <a:endParaRPr b="0" lang="hu-HU" sz="3200" spc="-1" strike="noStrike">
+              <a:solidFill>
+                <a:srgbClr val="000000"/>
+              </a:solidFill>
+              <a:uFill>
+                <a:solidFill>
+                  <a:srgbClr val="ffffff"/>
+                </a:solidFill>
+              </a:uFill>
+              <a:latin typeface="Arial"/>
+            </a:endParaRPr>
+          </a:p>
+        </p:txBody>
+      </p:sp>
+      <p:sp>
+        <p:nvSpPr>
+          <p:cNvPr id="50" name="PlaceHolder 4"/>
+          <p:cNvSpPr>
+            <a:spLocks noGrp="1"/>
+          </p:cNvSpPr>
+          <p:nvPr>
+            <p:ph type="body"/>
+          </p:nvPr>
+        </p:nvSpPr>
+        <p:spPr>
+          <a:xfrm>
+            <a:off x="5152320" y="1769040"/>
+            <a:ext cx="4426560" cy="4384080"/>
+          </a:xfrm>
+          <a:prstGeom prst="rect">
+            <a:avLst/>
+          </a:prstGeom>
+        </p:spPr>
+        <p:txBody>
+          <a:bodyPr lIns="0" rIns="0" tIns="0" bIns="0"/>
+          <a:p>
+            <a:endParaRPr b="0" lang="hu-HU" sz="3200" spc="-1" strike="noStrike">
+              <a:solidFill>
+                <a:srgbClr val="000000"/>
+              </a:solidFill>
+              <a:uFill>
+                <a:solidFill>
+                  <a:srgbClr val="ffffff"/>
+                </a:solidFill>
+              </a:uFill>
+              <a:latin typeface="Arial"/>
+            </a:endParaRPr>
+          </a:p>
+        </p:txBody>
+      </p:sp>
     </p:spTree>
   </p:cSld>
 </p:sldLayout>
@@ -574,7 +1204,7 @@
       </p:grpSpPr>
       <p:sp>
         <p:nvSpPr>
-          <p:cNvPr id="5" name="PlaceHolder 1"/>
+          <p:cNvPr id="2" name="PlaceHolder 1"/>
           <p:cNvSpPr>
             <a:spLocks noGrp="1"/>
           </p:cNvSpPr>
@@ -585,7 +1215,7 @@
         <p:spPr>
           <a:xfrm>
             <a:off x="504000" y="301320"/>
-            <a:ext cx="9071640" cy="1262160"/>
+            <a:ext cx="9071280" cy="1261800"/>
           </a:xfrm>
           <a:prstGeom prst="rect">
             <a:avLst/>
@@ -611,7 +1241,7 @@
       </p:sp>
       <p:sp>
         <p:nvSpPr>
-          <p:cNvPr id="6" name="PlaceHolder 2"/>
+          <p:cNvPr id="3" name="PlaceHolder 2"/>
           <p:cNvSpPr>
             <a:spLocks noGrp="1"/>
           </p:cNvSpPr>
@@ -622,7 +1252,7 @@
         <p:spPr>
           <a:xfrm>
             <a:off x="504000" y="1769040"/>
-            <a:ext cx="9071640" cy="4384440"/>
+            <a:ext cx="9071280" cy="4384080"/>
           </a:xfrm>
           <a:prstGeom prst="rect">
             <a:avLst/>
@@ -646,6 +1276,851 @@
           </a:p>
         </p:txBody>
       </p:sp>
+    </p:spTree>
+  </p:cSld>
+</p:sldLayout>
+</file>
+
+<file path=ppt/slideLayouts/slideLayout20.xml><?xml version="1.0" encoding="utf-8"?>
+<p:sldLayout xmlns:a="http://schemas.openxmlformats.org/drawingml/2006/main" xmlns:p="http://schemas.openxmlformats.org/presentationml/2006/main" xmlns:r="http://schemas.openxmlformats.org/officeDocument/2006/relationships" xmlns:p14="http://schemas.microsoft.com/office/powerpoint/2010/main" xmlns:p15="http://schemas.microsoft.com/office/powerpoint/2012/main" xmlns:mc="http://schemas.openxmlformats.org/markup-compatibility/2006" type="objAndTwoObj" preserve="1">
+  <p:cSld name="Title Content and 2 Content">
+    <p:spTree>
+      <p:nvGrpSpPr>
+        <p:cNvPr id="1" name=""/>
+        <p:cNvGrpSpPr/>
+        <p:nvPr/>
+      </p:nvGrpSpPr>
+      <p:grpSpPr>
+        <a:xfrm>
+          <a:off x="0" y="0"/>
+          <a:ext cx="0" cy="0"/>
+          <a:chOff x="0" y="0"/>
+          <a:chExt cx="0" cy="0"/>
+        </a:xfrm>
+      </p:grpSpPr>
+      <p:sp>
+        <p:nvSpPr>
+          <p:cNvPr id="51" name="PlaceHolder 1"/>
+          <p:cNvSpPr>
+            <a:spLocks noGrp="1"/>
+          </p:cNvSpPr>
+          <p:nvPr>
+            <p:ph type="title"/>
+          </p:nvPr>
+        </p:nvSpPr>
+        <p:spPr>
+          <a:xfrm>
+            <a:off x="504000" y="301320"/>
+            <a:ext cx="9071280" cy="1261800"/>
+          </a:xfrm>
+          <a:prstGeom prst="rect">
+            <a:avLst/>
+          </a:prstGeom>
+        </p:spPr>
+        <p:txBody>
+          <a:bodyPr lIns="0" rIns="0" tIns="0" bIns="0" anchor="ctr"/>
+          <a:p>
+            <a:pPr algn="ctr"/>
+            <a:endParaRPr b="0" lang="hu-HU" sz="4400" spc="-1" strike="noStrike">
+              <a:solidFill>
+                <a:srgbClr val="000000"/>
+              </a:solidFill>
+              <a:uFill>
+                <a:solidFill>
+                  <a:srgbClr val="ffffff"/>
+                </a:solidFill>
+              </a:uFill>
+              <a:latin typeface="Arial"/>
+            </a:endParaRPr>
+          </a:p>
+        </p:txBody>
+      </p:sp>
+      <p:sp>
+        <p:nvSpPr>
+          <p:cNvPr id="52" name="PlaceHolder 2"/>
+          <p:cNvSpPr>
+            <a:spLocks noGrp="1"/>
+          </p:cNvSpPr>
+          <p:nvPr>
+            <p:ph type="body"/>
+          </p:nvPr>
+        </p:nvSpPr>
+        <p:spPr>
+          <a:xfrm>
+            <a:off x="504000" y="1769040"/>
+            <a:ext cx="4426560" cy="4384080"/>
+          </a:xfrm>
+          <a:prstGeom prst="rect">
+            <a:avLst/>
+          </a:prstGeom>
+        </p:spPr>
+        <p:txBody>
+          <a:bodyPr lIns="0" rIns="0" tIns="0" bIns="0"/>
+          <a:p>
+            <a:endParaRPr b="0" lang="hu-HU" sz="3200" spc="-1" strike="noStrike">
+              <a:solidFill>
+                <a:srgbClr val="000000"/>
+              </a:solidFill>
+              <a:uFill>
+                <a:solidFill>
+                  <a:srgbClr val="ffffff"/>
+                </a:solidFill>
+              </a:uFill>
+              <a:latin typeface="Arial"/>
+            </a:endParaRPr>
+          </a:p>
+        </p:txBody>
+      </p:sp>
+      <p:sp>
+        <p:nvSpPr>
+          <p:cNvPr id="53" name="PlaceHolder 3"/>
+          <p:cNvSpPr>
+            <a:spLocks noGrp="1"/>
+          </p:cNvSpPr>
+          <p:nvPr>
+            <p:ph type="body"/>
+          </p:nvPr>
+        </p:nvSpPr>
+        <p:spPr>
+          <a:xfrm>
+            <a:off x="5152320" y="1769040"/>
+            <a:ext cx="4426560" cy="2090880"/>
+          </a:xfrm>
+          <a:prstGeom prst="rect">
+            <a:avLst/>
+          </a:prstGeom>
+        </p:spPr>
+        <p:txBody>
+          <a:bodyPr lIns="0" rIns="0" tIns="0" bIns="0"/>
+          <a:p>
+            <a:endParaRPr b="0" lang="hu-HU" sz="3200" spc="-1" strike="noStrike">
+              <a:solidFill>
+                <a:srgbClr val="000000"/>
+              </a:solidFill>
+              <a:uFill>
+                <a:solidFill>
+                  <a:srgbClr val="ffffff"/>
+                </a:solidFill>
+              </a:uFill>
+              <a:latin typeface="Arial"/>
+            </a:endParaRPr>
+          </a:p>
+        </p:txBody>
+      </p:sp>
+      <p:sp>
+        <p:nvSpPr>
+          <p:cNvPr id="54" name="PlaceHolder 4"/>
+          <p:cNvSpPr>
+            <a:spLocks noGrp="1"/>
+          </p:cNvSpPr>
+          <p:nvPr>
+            <p:ph type="body"/>
+          </p:nvPr>
+        </p:nvSpPr>
+        <p:spPr>
+          <a:xfrm>
+            <a:off x="5152320" y="4059000"/>
+            <a:ext cx="4426560" cy="2090880"/>
+          </a:xfrm>
+          <a:prstGeom prst="rect">
+            <a:avLst/>
+          </a:prstGeom>
+        </p:spPr>
+        <p:txBody>
+          <a:bodyPr lIns="0" rIns="0" tIns="0" bIns="0"/>
+          <a:p>
+            <a:endParaRPr b="0" lang="hu-HU" sz="3200" spc="-1" strike="noStrike">
+              <a:solidFill>
+                <a:srgbClr val="000000"/>
+              </a:solidFill>
+              <a:uFill>
+                <a:solidFill>
+                  <a:srgbClr val="ffffff"/>
+                </a:solidFill>
+              </a:uFill>
+              <a:latin typeface="Arial"/>
+            </a:endParaRPr>
+          </a:p>
+        </p:txBody>
+      </p:sp>
+    </p:spTree>
+  </p:cSld>
+</p:sldLayout>
+</file>
+
+<file path=ppt/slideLayouts/slideLayout21.xml><?xml version="1.0" encoding="utf-8"?>
+<p:sldLayout xmlns:a="http://schemas.openxmlformats.org/drawingml/2006/main" xmlns:p="http://schemas.openxmlformats.org/presentationml/2006/main" xmlns:r="http://schemas.openxmlformats.org/officeDocument/2006/relationships" xmlns:p14="http://schemas.microsoft.com/office/powerpoint/2010/main" xmlns:p15="http://schemas.microsoft.com/office/powerpoint/2012/main" xmlns:mc="http://schemas.openxmlformats.org/markup-compatibility/2006" type="twoObjOverTx" preserve="1">
+  <p:cSld name="Title, 2 Content over Content">
+    <p:spTree>
+      <p:nvGrpSpPr>
+        <p:cNvPr id="1" name=""/>
+        <p:cNvGrpSpPr/>
+        <p:nvPr/>
+      </p:nvGrpSpPr>
+      <p:grpSpPr>
+        <a:xfrm>
+          <a:off x="0" y="0"/>
+          <a:ext cx="0" cy="0"/>
+          <a:chOff x="0" y="0"/>
+          <a:chExt cx="0" cy="0"/>
+        </a:xfrm>
+      </p:grpSpPr>
+      <p:sp>
+        <p:nvSpPr>
+          <p:cNvPr id="55" name="PlaceHolder 1"/>
+          <p:cNvSpPr>
+            <a:spLocks noGrp="1"/>
+          </p:cNvSpPr>
+          <p:nvPr>
+            <p:ph type="title"/>
+          </p:nvPr>
+        </p:nvSpPr>
+        <p:spPr>
+          <a:xfrm>
+            <a:off x="504000" y="301320"/>
+            <a:ext cx="9071280" cy="1261800"/>
+          </a:xfrm>
+          <a:prstGeom prst="rect">
+            <a:avLst/>
+          </a:prstGeom>
+        </p:spPr>
+        <p:txBody>
+          <a:bodyPr lIns="0" rIns="0" tIns="0" bIns="0" anchor="ctr"/>
+          <a:p>
+            <a:pPr algn="ctr"/>
+            <a:endParaRPr b="0" lang="hu-HU" sz="4400" spc="-1" strike="noStrike">
+              <a:solidFill>
+                <a:srgbClr val="000000"/>
+              </a:solidFill>
+              <a:uFill>
+                <a:solidFill>
+                  <a:srgbClr val="ffffff"/>
+                </a:solidFill>
+              </a:uFill>
+              <a:latin typeface="Arial"/>
+            </a:endParaRPr>
+          </a:p>
+        </p:txBody>
+      </p:sp>
+      <p:sp>
+        <p:nvSpPr>
+          <p:cNvPr id="56" name="PlaceHolder 2"/>
+          <p:cNvSpPr>
+            <a:spLocks noGrp="1"/>
+          </p:cNvSpPr>
+          <p:nvPr>
+            <p:ph type="body"/>
+          </p:nvPr>
+        </p:nvSpPr>
+        <p:spPr>
+          <a:xfrm>
+            <a:off x="504000" y="1769040"/>
+            <a:ext cx="4426560" cy="2090880"/>
+          </a:xfrm>
+          <a:prstGeom prst="rect">
+            <a:avLst/>
+          </a:prstGeom>
+        </p:spPr>
+        <p:txBody>
+          <a:bodyPr lIns="0" rIns="0" tIns="0" bIns="0"/>
+          <a:p>
+            <a:endParaRPr b="0" lang="hu-HU" sz="3200" spc="-1" strike="noStrike">
+              <a:solidFill>
+                <a:srgbClr val="000000"/>
+              </a:solidFill>
+              <a:uFill>
+                <a:solidFill>
+                  <a:srgbClr val="ffffff"/>
+                </a:solidFill>
+              </a:uFill>
+              <a:latin typeface="Arial"/>
+            </a:endParaRPr>
+          </a:p>
+        </p:txBody>
+      </p:sp>
+      <p:sp>
+        <p:nvSpPr>
+          <p:cNvPr id="57" name="PlaceHolder 3"/>
+          <p:cNvSpPr>
+            <a:spLocks noGrp="1"/>
+          </p:cNvSpPr>
+          <p:nvPr>
+            <p:ph type="body"/>
+          </p:nvPr>
+        </p:nvSpPr>
+        <p:spPr>
+          <a:xfrm>
+            <a:off x="5152320" y="1769040"/>
+            <a:ext cx="4426560" cy="2090880"/>
+          </a:xfrm>
+          <a:prstGeom prst="rect">
+            <a:avLst/>
+          </a:prstGeom>
+        </p:spPr>
+        <p:txBody>
+          <a:bodyPr lIns="0" rIns="0" tIns="0" bIns="0"/>
+          <a:p>
+            <a:endParaRPr b="0" lang="hu-HU" sz="3200" spc="-1" strike="noStrike">
+              <a:solidFill>
+                <a:srgbClr val="000000"/>
+              </a:solidFill>
+              <a:uFill>
+                <a:solidFill>
+                  <a:srgbClr val="ffffff"/>
+                </a:solidFill>
+              </a:uFill>
+              <a:latin typeface="Arial"/>
+            </a:endParaRPr>
+          </a:p>
+        </p:txBody>
+      </p:sp>
+      <p:sp>
+        <p:nvSpPr>
+          <p:cNvPr id="58" name="PlaceHolder 4"/>
+          <p:cNvSpPr>
+            <a:spLocks noGrp="1"/>
+          </p:cNvSpPr>
+          <p:nvPr>
+            <p:ph type="body"/>
+          </p:nvPr>
+        </p:nvSpPr>
+        <p:spPr>
+          <a:xfrm>
+            <a:off x="504000" y="4059000"/>
+            <a:ext cx="9071280" cy="2090880"/>
+          </a:xfrm>
+          <a:prstGeom prst="rect">
+            <a:avLst/>
+          </a:prstGeom>
+        </p:spPr>
+        <p:txBody>
+          <a:bodyPr lIns="0" rIns="0" tIns="0" bIns="0"/>
+          <a:p>
+            <a:endParaRPr b="0" lang="hu-HU" sz="3200" spc="-1" strike="noStrike">
+              <a:solidFill>
+                <a:srgbClr val="000000"/>
+              </a:solidFill>
+              <a:uFill>
+                <a:solidFill>
+                  <a:srgbClr val="ffffff"/>
+                </a:solidFill>
+              </a:uFill>
+              <a:latin typeface="Arial"/>
+            </a:endParaRPr>
+          </a:p>
+        </p:txBody>
+      </p:sp>
+    </p:spTree>
+  </p:cSld>
+</p:sldLayout>
+</file>
+
+<file path=ppt/slideLayouts/slideLayout22.xml><?xml version="1.0" encoding="utf-8"?>
+<p:sldLayout xmlns:a="http://schemas.openxmlformats.org/drawingml/2006/main" xmlns:p="http://schemas.openxmlformats.org/presentationml/2006/main" xmlns:r="http://schemas.openxmlformats.org/officeDocument/2006/relationships" xmlns:p14="http://schemas.microsoft.com/office/powerpoint/2010/main" xmlns:p15="http://schemas.microsoft.com/office/powerpoint/2012/main" xmlns:mc="http://schemas.openxmlformats.org/markup-compatibility/2006" type="objOverTx" preserve="1">
+  <p:cSld name="Title, Content over Content">
+    <p:spTree>
+      <p:nvGrpSpPr>
+        <p:cNvPr id="1" name=""/>
+        <p:cNvGrpSpPr/>
+        <p:nvPr/>
+      </p:nvGrpSpPr>
+      <p:grpSpPr>
+        <a:xfrm>
+          <a:off x="0" y="0"/>
+          <a:ext cx="0" cy="0"/>
+          <a:chOff x="0" y="0"/>
+          <a:chExt cx="0" cy="0"/>
+        </a:xfrm>
+      </p:grpSpPr>
+      <p:sp>
+        <p:nvSpPr>
+          <p:cNvPr id="59" name="PlaceHolder 1"/>
+          <p:cNvSpPr>
+            <a:spLocks noGrp="1"/>
+          </p:cNvSpPr>
+          <p:nvPr>
+            <p:ph type="title"/>
+          </p:nvPr>
+        </p:nvSpPr>
+        <p:spPr>
+          <a:xfrm>
+            <a:off x="504000" y="301320"/>
+            <a:ext cx="9071280" cy="1261800"/>
+          </a:xfrm>
+          <a:prstGeom prst="rect">
+            <a:avLst/>
+          </a:prstGeom>
+        </p:spPr>
+        <p:txBody>
+          <a:bodyPr lIns="0" rIns="0" tIns="0" bIns="0" anchor="ctr"/>
+          <a:p>
+            <a:pPr algn="ctr"/>
+            <a:endParaRPr b="0" lang="hu-HU" sz="4400" spc="-1" strike="noStrike">
+              <a:solidFill>
+                <a:srgbClr val="000000"/>
+              </a:solidFill>
+              <a:uFill>
+                <a:solidFill>
+                  <a:srgbClr val="ffffff"/>
+                </a:solidFill>
+              </a:uFill>
+              <a:latin typeface="Arial"/>
+            </a:endParaRPr>
+          </a:p>
+        </p:txBody>
+      </p:sp>
+      <p:sp>
+        <p:nvSpPr>
+          <p:cNvPr id="60" name="PlaceHolder 2"/>
+          <p:cNvSpPr>
+            <a:spLocks noGrp="1"/>
+          </p:cNvSpPr>
+          <p:nvPr>
+            <p:ph type="body"/>
+          </p:nvPr>
+        </p:nvSpPr>
+        <p:spPr>
+          <a:xfrm>
+            <a:off x="504000" y="1769040"/>
+            <a:ext cx="9071280" cy="2090880"/>
+          </a:xfrm>
+          <a:prstGeom prst="rect">
+            <a:avLst/>
+          </a:prstGeom>
+        </p:spPr>
+        <p:txBody>
+          <a:bodyPr lIns="0" rIns="0" tIns="0" bIns="0"/>
+          <a:p>
+            <a:endParaRPr b="0" lang="hu-HU" sz="3200" spc="-1" strike="noStrike">
+              <a:solidFill>
+                <a:srgbClr val="000000"/>
+              </a:solidFill>
+              <a:uFill>
+                <a:solidFill>
+                  <a:srgbClr val="ffffff"/>
+                </a:solidFill>
+              </a:uFill>
+              <a:latin typeface="Arial"/>
+            </a:endParaRPr>
+          </a:p>
+        </p:txBody>
+      </p:sp>
+      <p:sp>
+        <p:nvSpPr>
+          <p:cNvPr id="61" name="PlaceHolder 3"/>
+          <p:cNvSpPr>
+            <a:spLocks noGrp="1"/>
+          </p:cNvSpPr>
+          <p:nvPr>
+            <p:ph type="body"/>
+          </p:nvPr>
+        </p:nvSpPr>
+        <p:spPr>
+          <a:xfrm>
+            <a:off x="504000" y="4059000"/>
+            <a:ext cx="9071280" cy="2090880"/>
+          </a:xfrm>
+          <a:prstGeom prst="rect">
+            <a:avLst/>
+          </a:prstGeom>
+        </p:spPr>
+        <p:txBody>
+          <a:bodyPr lIns="0" rIns="0" tIns="0" bIns="0"/>
+          <a:p>
+            <a:endParaRPr b="0" lang="hu-HU" sz="3200" spc="-1" strike="noStrike">
+              <a:solidFill>
+                <a:srgbClr val="000000"/>
+              </a:solidFill>
+              <a:uFill>
+                <a:solidFill>
+                  <a:srgbClr val="ffffff"/>
+                </a:solidFill>
+              </a:uFill>
+              <a:latin typeface="Arial"/>
+            </a:endParaRPr>
+          </a:p>
+        </p:txBody>
+      </p:sp>
+    </p:spTree>
+  </p:cSld>
+</p:sldLayout>
+</file>
+
+<file path=ppt/slideLayouts/slideLayout23.xml><?xml version="1.0" encoding="utf-8"?>
+<p:sldLayout xmlns:a="http://schemas.openxmlformats.org/drawingml/2006/main" xmlns:p="http://schemas.openxmlformats.org/presentationml/2006/main" xmlns:r="http://schemas.openxmlformats.org/officeDocument/2006/relationships" xmlns:p14="http://schemas.microsoft.com/office/powerpoint/2010/main" xmlns:p15="http://schemas.microsoft.com/office/powerpoint/2012/main" xmlns:mc="http://schemas.openxmlformats.org/markup-compatibility/2006" type="fourObj" preserve="1">
+  <p:cSld name="Title, 4 Content">
+    <p:spTree>
+      <p:nvGrpSpPr>
+        <p:cNvPr id="1" name=""/>
+        <p:cNvGrpSpPr/>
+        <p:nvPr/>
+      </p:nvGrpSpPr>
+      <p:grpSpPr>
+        <a:xfrm>
+          <a:off x="0" y="0"/>
+          <a:ext cx="0" cy="0"/>
+          <a:chOff x="0" y="0"/>
+          <a:chExt cx="0" cy="0"/>
+        </a:xfrm>
+      </p:grpSpPr>
+      <p:sp>
+        <p:nvSpPr>
+          <p:cNvPr id="62" name="PlaceHolder 1"/>
+          <p:cNvSpPr>
+            <a:spLocks noGrp="1"/>
+          </p:cNvSpPr>
+          <p:nvPr>
+            <p:ph type="title"/>
+          </p:nvPr>
+        </p:nvSpPr>
+        <p:spPr>
+          <a:xfrm>
+            <a:off x="504000" y="301320"/>
+            <a:ext cx="9071280" cy="1261800"/>
+          </a:xfrm>
+          <a:prstGeom prst="rect">
+            <a:avLst/>
+          </a:prstGeom>
+        </p:spPr>
+        <p:txBody>
+          <a:bodyPr lIns="0" rIns="0" tIns="0" bIns="0" anchor="ctr"/>
+          <a:p>
+            <a:pPr algn="ctr"/>
+            <a:endParaRPr b="0" lang="hu-HU" sz="4400" spc="-1" strike="noStrike">
+              <a:solidFill>
+                <a:srgbClr val="000000"/>
+              </a:solidFill>
+              <a:uFill>
+                <a:solidFill>
+                  <a:srgbClr val="ffffff"/>
+                </a:solidFill>
+              </a:uFill>
+              <a:latin typeface="Arial"/>
+            </a:endParaRPr>
+          </a:p>
+        </p:txBody>
+      </p:sp>
+      <p:sp>
+        <p:nvSpPr>
+          <p:cNvPr id="63" name="PlaceHolder 2"/>
+          <p:cNvSpPr>
+            <a:spLocks noGrp="1"/>
+          </p:cNvSpPr>
+          <p:nvPr>
+            <p:ph type="body"/>
+          </p:nvPr>
+        </p:nvSpPr>
+        <p:spPr>
+          <a:xfrm>
+            <a:off x="504000" y="1769040"/>
+            <a:ext cx="4426560" cy="2090880"/>
+          </a:xfrm>
+          <a:prstGeom prst="rect">
+            <a:avLst/>
+          </a:prstGeom>
+        </p:spPr>
+        <p:txBody>
+          <a:bodyPr lIns="0" rIns="0" tIns="0" bIns="0"/>
+          <a:p>
+            <a:endParaRPr b="0" lang="hu-HU" sz="3200" spc="-1" strike="noStrike">
+              <a:solidFill>
+                <a:srgbClr val="000000"/>
+              </a:solidFill>
+              <a:uFill>
+                <a:solidFill>
+                  <a:srgbClr val="ffffff"/>
+                </a:solidFill>
+              </a:uFill>
+              <a:latin typeface="Arial"/>
+            </a:endParaRPr>
+          </a:p>
+        </p:txBody>
+      </p:sp>
+      <p:sp>
+        <p:nvSpPr>
+          <p:cNvPr id="64" name="PlaceHolder 3"/>
+          <p:cNvSpPr>
+            <a:spLocks noGrp="1"/>
+          </p:cNvSpPr>
+          <p:nvPr>
+            <p:ph type="body"/>
+          </p:nvPr>
+        </p:nvSpPr>
+        <p:spPr>
+          <a:xfrm>
+            <a:off x="5152320" y="1769040"/>
+            <a:ext cx="4426560" cy="2090880"/>
+          </a:xfrm>
+          <a:prstGeom prst="rect">
+            <a:avLst/>
+          </a:prstGeom>
+        </p:spPr>
+        <p:txBody>
+          <a:bodyPr lIns="0" rIns="0" tIns="0" bIns="0"/>
+          <a:p>
+            <a:endParaRPr b="0" lang="hu-HU" sz="3200" spc="-1" strike="noStrike">
+              <a:solidFill>
+                <a:srgbClr val="000000"/>
+              </a:solidFill>
+              <a:uFill>
+                <a:solidFill>
+                  <a:srgbClr val="ffffff"/>
+                </a:solidFill>
+              </a:uFill>
+              <a:latin typeface="Arial"/>
+            </a:endParaRPr>
+          </a:p>
+        </p:txBody>
+      </p:sp>
+      <p:sp>
+        <p:nvSpPr>
+          <p:cNvPr id="65" name="PlaceHolder 4"/>
+          <p:cNvSpPr>
+            <a:spLocks noGrp="1"/>
+          </p:cNvSpPr>
+          <p:nvPr>
+            <p:ph type="body"/>
+          </p:nvPr>
+        </p:nvSpPr>
+        <p:spPr>
+          <a:xfrm>
+            <a:off x="5152320" y="4059000"/>
+            <a:ext cx="4426560" cy="2090880"/>
+          </a:xfrm>
+          <a:prstGeom prst="rect">
+            <a:avLst/>
+          </a:prstGeom>
+        </p:spPr>
+        <p:txBody>
+          <a:bodyPr lIns="0" rIns="0" tIns="0" bIns="0"/>
+          <a:p>
+            <a:endParaRPr b="0" lang="hu-HU" sz="3200" spc="-1" strike="noStrike">
+              <a:solidFill>
+                <a:srgbClr val="000000"/>
+              </a:solidFill>
+              <a:uFill>
+                <a:solidFill>
+                  <a:srgbClr val="ffffff"/>
+                </a:solidFill>
+              </a:uFill>
+              <a:latin typeface="Arial"/>
+            </a:endParaRPr>
+          </a:p>
+        </p:txBody>
+      </p:sp>
+      <p:sp>
+        <p:nvSpPr>
+          <p:cNvPr id="66" name="PlaceHolder 5"/>
+          <p:cNvSpPr>
+            <a:spLocks noGrp="1"/>
+          </p:cNvSpPr>
+          <p:nvPr>
+            <p:ph type="body"/>
+          </p:nvPr>
+        </p:nvSpPr>
+        <p:spPr>
+          <a:xfrm>
+            <a:off x="504000" y="4059000"/>
+            <a:ext cx="4426560" cy="2090880"/>
+          </a:xfrm>
+          <a:prstGeom prst="rect">
+            <a:avLst/>
+          </a:prstGeom>
+        </p:spPr>
+        <p:txBody>
+          <a:bodyPr lIns="0" rIns="0" tIns="0" bIns="0"/>
+          <a:p>
+            <a:endParaRPr b="0" lang="hu-HU" sz="3200" spc="-1" strike="noStrike">
+              <a:solidFill>
+                <a:srgbClr val="000000"/>
+              </a:solidFill>
+              <a:uFill>
+                <a:solidFill>
+                  <a:srgbClr val="ffffff"/>
+                </a:solidFill>
+              </a:uFill>
+              <a:latin typeface="Arial"/>
+            </a:endParaRPr>
+          </a:p>
+        </p:txBody>
+      </p:sp>
+    </p:spTree>
+  </p:cSld>
+</p:sldLayout>
+</file>
+
+<file path=ppt/slideLayouts/slideLayout24.xml><?xml version="1.0" encoding="utf-8"?>
+<p:sldLayout xmlns:a="http://schemas.openxmlformats.org/drawingml/2006/main" xmlns:p="http://schemas.openxmlformats.org/presentationml/2006/main" xmlns:r="http://schemas.openxmlformats.org/officeDocument/2006/relationships" xmlns:p14="http://schemas.microsoft.com/office/powerpoint/2010/main" xmlns:p15="http://schemas.microsoft.com/office/powerpoint/2012/main" xmlns:mc="http://schemas.openxmlformats.org/markup-compatibility/2006" type="blank" preserve="1">
+  <p:cSld name="Title, 6 Content">
+    <p:spTree>
+      <p:nvGrpSpPr>
+        <p:cNvPr id="1" name=""/>
+        <p:cNvGrpSpPr/>
+        <p:nvPr/>
+      </p:nvGrpSpPr>
+      <p:grpSpPr>
+        <a:xfrm>
+          <a:off x="0" y="0"/>
+          <a:ext cx="0" cy="0"/>
+          <a:chOff x="0" y="0"/>
+          <a:chExt cx="0" cy="0"/>
+        </a:xfrm>
+      </p:grpSpPr>
+      <p:sp>
+        <p:nvSpPr>
+          <p:cNvPr id="67" name="PlaceHolder 1"/>
+          <p:cNvSpPr>
+            <a:spLocks noGrp="1"/>
+          </p:cNvSpPr>
+          <p:nvPr>
+            <p:ph type="title"/>
+          </p:nvPr>
+        </p:nvSpPr>
+        <p:spPr>
+          <a:xfrm>
+            <a:off x="504000" y="301320"/>
+            <a:ext cx="9071280" cy="1261800"/>
+          </a:xfrm>
+          <a:prstGeom prst="rect">
+            <a:avLst/>
+          </a:prstGeom>
+        </p:spPr>
+        <p:txBody>
+          <a:bodyPr lIns="0" rIns="0" tIns="0" bIns="0" anchor="ctr"/>
+          <a:p>
+            <a:pPr algn="ctr"/>
+            <a:endParaRPr b="0" lang="hu-HU" sz="4400" spc="-1" strike="noStrike">
+              <a:solidFill>
+                <a:srgbClr val="000000"/>
+              </a:solidFill>
+              <a:uFill>
+                <a:solidFill>
+                  <a:srgbClr val="ffffff"/>
+                </a:solidFill>
+              </a:uFill>
+              <a:latin typeface="Arial"/>
+            </a:endParaRPr>
+          </a:p>
+        </p:txBody>
+      </p:sp>
+      <p:sp>
+        <p:nvSpPr>
+          <p:cNvPr id="68" name="PlaceHolder 2"/>
+          <p:cNvSpPr>
+            <a:spLocks noGrp="1"/>
+          </p:cNvSpPr>
+          <p:nvPr>
+            <p:ph type="body"/>
+          </p:nvPr>
+        </p:nvSpPr>
+        <p:spPr>
+          <a:xfrm>
+            <a:off x="504000" y="1769040"/>
+            <a:ext cx="9071280" cy="4384080"/>
+          </a:xfrm>
+          <a:prstGeom prst="rect">
+            <a:avLst/>
+          </a:prstGeom>
+        </p:spPr>
+        <p:txBody>
+          <a:bodyPr lIns="0" rIns="0" tIns="0" bIns="0"/>
+          <a:p>
+            <a:endParaRPr b="0" lang="hu-HU" sz="3200" spc="-1" strike="noStrike">
+              <a:solidFill>
+                <a:srgbClr val="000000"/>
+              </a:solidFill>
+              <a:uFill>
+                <a:solidFill>
+                  <a:srgbClr val="ffffff"/>
+                </a:solidFill>
+              </a:uFill>
+              <a:latin typeface="Arial"/>
+            </a:endParaRPr>
+          </a:p>
+        </p:txBody>
+      </p:sp>
+      <p:sp>
+        <p:nvSpPr>
+          <p:cNvPr id="69" name="PlaceHolder 3"/>
+          <p:cNvSpPr>
+            <a:spLocks noGrp="1"/>
+          </p:cNvSpPr>
+          <p:nvPr>
+            <p:ph type="body"/>
+          </p:nvPr>
+        </p:nvSpPr>
+        <p:spPr>
+          <a:xfrm>
+            <a:off x="504000" y="1769040"/>
+            <a:ext cx="9071280" cy="4384080"/>
+          </a:xfrm>
+          <a:prstGeom prst="rect">
+            <a:avLst/>
+          </a:prstGeom>
+        </p:spPr>
+        <p:txBody>
+          <a:bodyPr lIns="0" rIns="0" tIns="0" bIns="0"/>
+          <a:p>
+            <a:endParaRPr b="0" lang="hu-HU" sz="3200" spc="-1" strike="noStrike">
+              <a:solidFill>
+                <a:srgbClr val="000000"/>
+              </a:solidFill>
+              <a:uFill>
+                <a:solidFill>
+                  <a:srgbClr val="ffffff"/>
+                </a:solidFill>
+              </a:uFill>
+              <a:latin typeface="Arial"/>
+            </a:endParaRPr>
+          </a:p>
+        </p:txBody>
+      </p:sp>
+      <p:pic>
+        <p:nvPicPr>
+          <p:cNvPr id="70" name="" descr=""/>
+          <p:cNvPicPr/>
+          <p:nvPr/>
+        </p:nvPicPr>
+        <p:blipFill>
+          <a:blip r:embed="rId2"/>
+          <a:stretch/>
+        </p:blipFill>
+        <p:spPr>
+          <a:xfrm>
+            <a:off x="2292120" y="1769040"/>
+            <a:ext cx="5494680" cy="4384080"/>
+          </a:xfrm>
+          <a:prstGeom prst="rect">
+            <a:avLst/>
+          </a:prstGeom>
+          <a:ln>
+            <a:noFill/>
+          </a:ln>
+        </p:spPr>
+      </p:pic>
+      <p:pic>
+        <p:nvPicPr>
+          <p:cNvPr id="71" name="" descr=""/>
+          <p:cNvPicPr/>
+          <p:nvPr/>
+        </p:nvPicPr>
+        <p:blipFill>
+          <a:blip r:embed="rId3"/>
+          <a:stretch/>
+        </p:blipFill>
+        <p:spPr>
+          <a:xfrm>
+            <a:off x="2292120" y="1769040"/>
+            <a:ext cx="5494680" cy="4384080"/>
+          </a:xfrm>
+          <a:prstGeom prst="rect">
+            <a:avLst/>
+          </a:prstGeom>
+          <a:ln>
+            <a:noFill/>
+          </a:ln>
+        </p:spPr>
+      </p:pic>
     </p:spTree>
   </p:cSld>
 </p:sldLayout>
@@ -670,7 +2145,7 @@
       </p:grpSpPr>
       <p:sp>
         <p:nvSpPr>
-          <p:cNvPr id="7" name="PlaceHolder 1"/>
+          <p:cNvPr id="4" name="PlaceHolder 1"/>
           <p:cNvSpPr>
             <a:spLocks noGrp="1"/>
           </p:cNvSpPr>
@@ -681,7 +2156,7 @@
         <p:spPr>
           <a:xfrm>
             <a:off x="504000" y="301320"/>
-            <a:ext cx="9071640" cy="1262160"/>
+            <a:ext cx="9071280" cy="1261800"/>
           </a:xfrm>
           <a:prstGeom prst="rect">
             <a:avLst/>
@@ -707,7 +2182,7 @@
       </p:sp>
       <p:sp>
         <p:nvSpPr>
-          <p:cNvPr id="8" name="PlaceHolder 2"/>
+          <p:cNvPr id="5" name="PlaceHolder 2"/>
           <p:cNvSpPr>
             <a:spLocks noGrp="1"/>
           </p:cNvSpPr>
@@ -718,7 +2193,7 @@
         <p:spPr>
           <a:xfrm>
             <a:off x="504000" y="1769040"/>
-            <a:ext cx="9071640" cy="4384440"/>
+            <a:ext cx="9071280" cy="4384080"/>
           </a:xfrm>
           <a:prstGeom prst="rect">
             <a:avLst/>
@@ -765,7 +2240,7 @@
       </p:grpSpPr>
       <p:sp>
         <p:nvSpPr>
-          <p:cNvPr id="9" name="PlaceHolder 1"/>
+          <p:cNvPr id="6" name="PlaceHolder 1"/>
           <p:cNvSpPr>
             <a:spLocks noGrp="1"/>
           </p:cNvSpPr>
@@ -776,7 +2251,7 @@
         <p:spPr>
           <a:xfrm>
             <a:off x="504000" y="301320"/>
-            <a:ext cx="9071640" cy="1262160"/>
+            <a:ext cx="9071280" cy="1261800"/>
           </a:xfrm>
           <a:prstGeom prst="rect">
             <a:avLst/>
@@ -802,7 +2277,7 @@
       </p:sp>
       <p:sp>
         <p:nvSpPr>
-          <p:cNvPr id="10" name="PlaceHolder 2"/>
+          <p:cNvPr id="7" name="PlaceHolder 2"/>
           <p:cNvSpPr>
             <a:spLocks noGrp="1"/>
           </p:cNvSpPr>
@@ -813,7 +2288,7 @@
         <p:spPr>
           <a:xfrm>
             <a:off x="504000" y="1769040"/>
-            <a:ext cx="4426920" cy="4384440"/>
+            <a:ext cx="4426560" cy="4384080"/>
           </a:xfrm>
           <a:prstGeom prst="rect">
             <a:avLst/>
@@ -838,7 +2313,7 @@
       </p:sp>
       <p:sp>
         <p:nvSpPr>
-          <p:cNvPr id="11" name="PlaceHolder 3"/>
+          <p:cNvPr id="8" name="PlaceHolder 3"/>
           <p:cNvSpPr>
             <a:spLocks noGrp="1"/>
           </p:cNvSpPr>
@@ -848,8 +2323,8 @@
         </p:nvSpPr>
         <p:spPr>
           <a:xfrm>
-            <a:off x="5152680" y="1769040"/>
-            <a:ext cx="4426920" cy="4384440"/>
+            <a:off x="5152320" y="1769040"/>
+            <a:ext cx="4426560" cy="4384080"/>
           </a:xfrm>
           <a:prstGeom prst="rect">
             <a:avLst/>
@@ -896,7 +2371,7 @@
       </p:grpSpPr>
       <p:sp>
         <p:nvSpPr>
-          <p:cNvPr id="12" name="PlaceHolder 1"/>
+          <p:cNvPr id="9" name="PlaceHolder 1"/>
           <p:cNvSpPr>
             <a:spLocks noGrp="1"/>
           </p:cNvSpPr>
@@ -907,7 +2382,7 @@
         <p:spPr>
           <a:xfrm>
             <a:off x="504000" y="301320"/>
-            <a:ext cx="9071640" cy="1262160"/>
+            <a:ext cx="9071280" cy="1261800"/>
           </a:xfrm>
           <a:prstGeom prst="rect">
             <a:avLst/>
@@ -955,7 +2430,7 @@
       </p:grpSpPr>
       <p:sp>
         <p:nvSpPr>
-          <p:cNvPr id="13" name="PlaceHolder 1"/>
+          <p:cNvPr id="10" name="PlaceHolder 1"/>
           <p:cNvSpPr>
             <a:spLocks noGrp="1"/>
           </p:cNvSpPr>
@@ -966,7 +2441,7 @@
         <p:spPr>
           <a:xfrm>
             <a:off x="504000" y="301320"/>
-            <a:ext cx="9071640" cy="5851800"/>
+            <a:ext cx="9071280" cy="5850360"/>
           </a:xfrm>
           <a:prstGeom prst="rect">
             <a:avLst/>
@@ -1014,7 +2489,7 @@
       </p:grpSpPr>
       <p:sp>
         <p:nvSpPr>
-          <p:cNvPr id="14" name="PlaceHolder 1"/>
+          <p:cNvPr id="11" name="PlaceHolder 1"/>
           <p:cNvSpPr>
             <a:spLocks noGrp="1"/>
           </p:cNvSpPr>
@@ -1025,7 +2500,7 @@
         <p:spPr>
           <a:xfrm>
             <a:off x="504000" y="301320"/>
-            <a:ext cx="9071640" cy="1262160"/>
+            <a:ext cx="9071280" cy="1261800"/>
           </a:xfrm>
           <a:prstGeom prst="rect">
             <a:avLst/>
@@ -1051,7 +2526,7 @@
       </p:sp>
       <p:sp>
         <p:nvSpPr>
-          <p:cNvPr id="15" name="PlaceHolder 2"/>
+          <p:cNvPr id="12" name="PlaceHolder 2"/>
           <p:cNvSpPr>
             <a:spLocks noGrp="1"/>
           </p:cNvSpPr>
@@ -1062,7 +2537,7 @@
         <p:spPr>
           <a:xfrm>
             <a:off x="504000" y="1769040"/>
-            <a:ext cx="4426920" cy="2091240"/>
+            <a:ext cx="4426560" cy="2090880"/>
           </a:xfrm>
           <a:prstGeom prst="rect">
             <a:avLst/>
@@ -1087,7 +2562,7 @@
       </p:sp>
       <p:sp>
         <p:nvSpPr>
-          <p:cNvPr id="16" name="PlaceHolder 3"/>
+          <p:cNvPr id="13" name="PlaceHolder 3"/>
           <p:cNvSpPr>
             <a:spLocks noGrp="1"/>
           </p:cNvSpPr>
@@ -1097,8 +2572,8 @@
         </p:nvSpPr>
         <p:spPr>
           <a:xfrm>
-            <a:off x="504000" y="4059360"/>
-            <a:ext cx="4426920" cy="2091240"/>
+            <a:off x="504000" y="4059000"/>
+            <a:ext cx="4426560" cy="2090880"/>
           </a:xfrm>
           <a:prstGeom prst="rect">
             <a:avLst/>
@@ -1123,7 +2598,7 @@
       </p:sp>
       <p:sp>
         <p:nvSpPr>
-          <p:cNvPr id="17" name="PlaceHolder 4"/>
+          <p:cNvPr id="14" name="PlaceHolder 4"/>
           <p:cNvSpPr>
             <a:spLocks noGrp="1"/>
           </p:cNvSpPr>
@@ -1133,8 +2608,8 @@
         </p:nvSpPr>
         <p:spPr>
           <a:xfrm>
-            <a:off x="5152680" y="1769040"/>
-            <a:ext cx="4426920" cy="4384440"/>
+            <a:off x="5152320" y="1769040"/>
+            <a:ext cx="4426560" cy="4384080"/>
           </a:xfrm>
           <a:prstGeom prst="rect">
             <a:avLst/>
@@ -1181,7 +2656,7 @@
       </p:grpSpPr>
       <p:sp>
         <p:nvSpPr>
-          <p:cNvPr id="18" name="PlaceHolder 1"/>
+          <p:cNvPr id="15" name="PlaceHolder 1"/>
           <p:cNvSpPr>
             <a:spLocks noGrp="1"/>
           </p:cNvSpPr>
@@ -1192,7 +2667,7 @@
         <p:spPr>
           <a:xfrm>
             <a:off x="504000" y="301320"/>
-            <a:ext cx="9071640" cy="1262160"/>
+            <a:ext cx="9071280" cy="1261800"/>
           </a:xfrm>
           <a:prstGeom prst="rect">
             <a:avLst/>
@@ -1218,7 +2693,7 @@
       </p:sp>
       <p:sp>
         <p:nvSpPr>
-          <p:cNvPr id="19" name="PlaceHolder 2"/>
+          <p:cNvPr id="16" name="PlaceHolder 2"/>
           <p:cNvSpPr>
             <a:spLocks noGrp="1"/>
           </p:cNvSpPr>
@@ -1229,7 +2704,7 @@
         <p:spPr>
           <a:xfrm>
             <a:off x="504000" y="1769040"/>
-            <a:ext cx="4426920" cy="4384440"/>
+            <a:ext cx="4426560" cy="4384080"/>
           </a:xfrm>
           <a:prstGeom prst="rect">
             <a:avLst/>
@@ -1254,7 +2729,7 @@
       </p:sp>
       <p:sp>
         <p:nvSpPr>
-          <p:cNvPr id="20" name="PlaceHolder 3"/>
+          <p:cNvPr id="17" name="PlaceHolder 3"/>
           <p:cNvSpPr>
             <a:spLocks noGrp="1"/>
           </p:cNvSpPr>
@@ -1264,8 +2739,8 @@
         </p:nvSpPr>
         <p:spPr>
           <a:xfrm>
-            <a:off x="5152680" y="1769040"/>
-            <a:ext cx="4426920" cy="2091240"/>
+            <a:off x="5152320" y="1769040"/>
+            <a:ext cx="4426560" cy="2090880"/>
           </a:xfrm>
           <a:prstGeom prst="rect">
             <a:avLst/>
@@ -1290,7 +2765,7 @@
       </p:sp>
       <p:sp>
         <p:nvSpPr>
-          <p:cNvPr id="21" name="PlaceHolder 4"/>
+          <p:cNvPr id="18" name="PlaceHolder 4"/>
           <p:cNvSpPr>
             <a:spLocks noGrp="1"/>
           </p:cNvSpPr>
@@ -1300,8 +2775,8 @@
         </p:nvSpPr>
         <p:spPr>
           <a:xfrm>
-            <a:off x="5152680" y="4059360"/>
-            <a:ext cx="4426920" cy="2091240"/>
+            <a:off x="5152320" y="4059000"/>
+            <a:ext cx="4426560" cy="2090880"/>
           </a:xfrm>
           <a:prstGeom prst="rect">
             <a:avLst/>
@@ -1348,7 +2823,7 @@
       </p:grpSpPr>
       <p:sp>
         <p:nvSpPr>
-          <p:cNvPr id="22" name="PlaceHolder 1"/>
+          <p:cNvPr id="19" name="PlaceHolder 1"/>
           <p:cNvSpPr>
             <a:spLocks noGrp="1"/>
           </p:cNvSpPr>
@@ -1359,7 +2834,7 @@
         <p:spPr>
           <a:xfrm>
             <a:off x="504000" y="301320"/>
-            <a:ext cx="9071640" cy="1262160"/>
+            <a:ext cx="9071280" cy="1261800"/>
           </a:xfrm>
           <a:prstGeom prst="rect">
             <a:avLst/>
@@ -1385,7 +2860,7 @@
       </p:sp>
       <p:sp>
         <p:nvSpPr>
-          <p:cNvPr id="23" name="PlaceHolder 2"/>
+          <p:cNvPr id="20" name="PlaceHolder 2"/>
           <p:cNvSpPr>
             <a:spLocks noGrp="1"/>
           </p:cNvSpPr>
@@ -1396,7 +2871,7 @@
         <p:spPr>
           <a:xfrm>
             <a:off x="504000" y="1769040"/>
-            <a:ext cx="4426920" cy="2091240"/>
+            <a:ext cx="4426560" cy="2090880"/>
           </a:xfrm>
           <a:prstGeom prst="rect">
             <a:avLst/>
@@ -1421,7 +2896,7 @@
       </p:sp>
       <p:sp>
         <p:nvSpPr>
-          <p:cNvPr id="24" name="PlaceHolder 3"/>
+          <p:cNvPr id="21" name="PlaceHolder 3"/>
           <p:cNvSpPr>
             <a:spLocks noGrp="1"/>
           </p:cNvSpPr>
@@ -1431,8 +2906,8 @@
         </p:nvSpPr>
         <p:spPr>
           <a:xfrm>
-            <a:off x="5152680" y="1769040"/>
-            <a:ext cx="4426920" cy="2091240"/>
+            <a:off x="5152320" y="1769040"/>
+            <a:ext cx="4426560" cy="2090880"/>
           </a:xfrm>
           <a:prstGeom prst="rect">
             <a:avLst/>
@@ -1457,7 +2932,7 @@
       </p:sp>
       <p:sp>
         <p:nvSpPr>
-          <p:cNvPr id="25" name="PlaceHolder 4"/>
+          <p:cNvPr id="22" name="PlaceHolder 4"/>
           <p:cNvSpPr>
             <a:spLocks noGrp="1"/>
           </p:cNvSpPr>
@@ -1467,8 +2942,8 @@
         </p:nvSpPr>
         <p:spPr>
           <a:xfrm>
-            <a:off x="504000" y="4059360"/>
-            <a:ext cx="9071640" cy="2091240"/>
+            <a:off x="504000" y="4059000"/>
+            <a:ext cx="9071280" cy="2090880"/>
           </a:xfrm>
           <a:prstGeom prst="rect">
             <a:avLst/>
@@ -1526,7 +3001,7 @@
         <p:spPr>
           <a:xfrm>
             <a:off x="504000" y="301320"/>
-            <a:ext cx="9071640" cy="1262160"/>
+            <a:ext cx="9071280" cy="1261800"/>
           </a:xfrm>
           <a:prstGeom prst="rect">
             <a:avLst/>
@@ -1536,20 +3011,6 @@
           <a:bodyPr lIns="0" rIns="0" tIns="0" bIns="0" anchor="ctr"/>
           <a:p>
             <a:pPr algn="ctr"/>
-            <a:r>
-              <a:rPr b="0" lang="hu-HU" sz="4400" spc="-1" strike="noStrike">
-                <a:solidFill>
-                  <a:srgbClr val="000000"/>
-                </a:solidFill>
-                <a:uFill>
-                  <a:solidFill>
-                    <a:srgbClr val="ffffff"/>
-                  </a:solidFill>
-                </a:uFill>
-                <a:latin typeface="Arial"/>
-              </a:rPr>
-              <a:t>Click to edit the title text format</a:t>
-            </a:r>
             <a:endParaRPr b="0" lang="hu-HU" sz="4400" spc="-1" strike="noStrike">
               <a:solidFill>
                 <a:srgbClr val="000000"/>
@@ -1576,8 +3037,8 @@
         </p:nvSpPr>
         <p:spPr>
           <a:xfrm>
-            <a:off x="504000" y="1769040"/>
-            <a:ext cx="9071640" cy="4384440"/>
+            <a:off x="504000" y="1768680"/>
+            <a:ext cx="9072000" cy="4384080"/>
           </a:xfrm>
           <a:prstGeom prst="rect">
             <a:avLst/>
@@ -1828,158 +3289,6 @@
                 </a:solidFill>
               </a:uFill>
               <a:latin typeface="Arial"/>
-            </a:endParaRPr>
-          </a:p>
-        </p:txBody>
-      </p:sp>
-      <p:sp>
-        <p:nvSpPr>
-          <p:cNvPr id="2" name="PlaceHolder 3"/>
-          <p:cNvSpPr>
-            <a:spLocks noGrp="1"/>
-          </p:cNvSpPr>
-          <p:nvPr>
-            <p:ph type="dt"/>
-          </p:nvPr>
-        </p:nvSpPr>
-        <p:spPr>
-          <a:xfrm>
-            <a:off x="504000" y="6887160"/>
-            <a:ext cx="2348280" cy="521280"/>
-          </a:xfrm>
-          <a:prstGeom prst="rect">
-            <a:avLst/>
-          </a:prstGeom>
-        </p:spPr>
-        <p:txBody>
-          <a:bodyPr lIns="0" rIns="0" tIns="0" bIns="0"/>
-          <a:p>
-            <a:r>
-              <a:rPr b="0" lang="hu-HU" sz="1400" spc="-1" strike="noStrike">
-                <a:solidFill>
-                  <a:srgbClr val="000000"/>
-                </a:solidFill>
-                <a:uFill>
-                  <a:solidFill>
-                    <a:srgbClr val="ffffff"/>
-                  </a:solidFill>
-                </a:uFill>
-                <a:latin typeface="Times New Roman"/>
-              </a:rPr>
-              <a:t>&lt;date/time&gt;</a:t>
-            </a:r>
-            <a:endParaRPr b="0" lang="hu-HU" sz="1400" spc="-1" strike="noStrike">
-              <a:solidFill>
-                <a:srgbClr val="000000"/>
-              </a:solidFill>
-              <a:uFill>
-                <a:solidFill>
-                  <a:srgbClr val="ffffff"/>
-                </a:solidFill>
-              </a:uFill>
-              <a:latin typeface="Times New Roman"/>
-            </a:endParaRPr>
-          </a:p>
-        </p:txBody>
-      </p:sp>
-      <p:sp>
-        <p:nvSpPr>
-          <p:cNvPr id="3" name="PlaceHolder 4"/>
-          <p:cNvSpPr>
-            <a:spLocks noGrp="1"/>
-          </p:cNvSpPr>
-          <p:nvPr>
-            <p:ph type="ftr"/>
-          </p:nvPr>
-        </p:nvSpPr>
-        <p:spPr>
-          <a:xfrm>
-            <a:off x="3447360" y="6887160"/>
-            <a:ext cx="3195000" cy="521280"/>
-          </a:xfrm>
-          <a:prstGeom prst="rect">
-            <a:avLst/>
-          </a:prstGeom>
-        </p:spPr>
-        <p:txBody>
-          <a:bodyPr lIns="0" rIns="0" tIns="0" bIns="0"/>
-          <a:p>
-            <a:pPr algn="ctr"/>
-            <a:r>
-              <a:rPr b="0" lang="hu-HU" sz="1400" spc="-1" strike="noStrike">
-                <a:solidFill>
-                  <a:srgbClr val="000000"/>
-                </a:solidFill>
-                <a:uFill>
-                  <a:solidFill>
-                    <a:srgbClr val="ffffff"/>
-                  </a:solidFill>
-                </a:uFill>
-                <a:latin typeface="Times New Roman"/>
-              </a:rPr>
-              <a:t>&lt;footer&gt;</a:t>
-            </a:r>
-            <a:endParaRPr b="0" lang="hu-HU" sz="1400" spc="-1" strike="noStrike">
-              <a:solidFill>
-                <a:srgbClr val="000000"/>
-              </a:solidFill>
-              <a:uFill>
-                <a:solidFill>
-                  <a:srgbClr val="ffffff"/>
-                </a:solidFill>
-              </a:uFill>
-              <a:latin typeface="Times New Roman"/>
-            </a:endParaRPr>
-          </a:p>
-        </p:txBody>
-      </p:sp>
-      <p:sp>
-        <p:nvSpPr>
-          <p:cNvPr id="4" name="PlaceHolder 5"/>
-          <p:cNvSpPr>
-            <a:spLocks noGrp="1"/>
-          </p:cNvSpPr>
-          <p:nvPr>
-            <p:ph type="sldNum"/>
-          </p:nvPr>
-        </p:nvSpPr>
-        <p:spPr>
-          <a:xfrm>
-            <a:off x="7227360" y="6887160"/>
-            <a:ext cx="2348280" cy="521280"/>
-          </a:xfrm>
-          <a:prstGeom prst="rect">
-            <a:avLst/>
-          </a:prstGeom>
-        </p:spPr>
-        <p:txBody>
-          <a:bodyPr lIns="0" rIns="0" tIns="0" bIns="0"/>
-          <a:p>
-            <a:pPr algn="r"/>
-            <a:fld id="{EC108BC1-F0E2-48D1-81C9-EE44FB516600}" type="slidenum">
-              <a:rPr b="0" lang="hu-HU" sz="1400" spc="-1" strike="noStrike">
-                <a:solidFill>
-                  <a:srgbClr val="000000"/>
-                </a:solidFill>
-                <a:uFill>
-                  <a:solidFill>
-                    <a:srgbClr val="ffffff"/>
-                  </a:solidFill>
-                </a:uFill>
-                <a:latin typeface="Times New Roman"/>
-              </a:rPr>
-              <a:t>&lt;number&gt;</a:t>
-            </a:fld>
-            <a:endParaRPr b="0" lang="hu-HU" sz="1400" spc="-1" strike="noStrike">
-              <a:solidFill>
-                <a:srgbClr val="000000"/>
-              </a:solidFill>
-              <a:uFill>
-                <a:solidFill>
-                  <a:srgbClr val="ffffff"/>
-                </a:solidFill>
-              </a:uFill>
-              <a:latin typeface="Times New Roman"/>
             </a:endParaRPr>
           </a:p>
         </p:txBody>
@@ -2000,6 +3309,348 @@
     <p:sldLayoutId id="2147483658" r:id="rId11"/>
     <p:sldLayoutId id="2147483659" r:id="rId12"/>
     <p:sldLayoutId id="2147483660" r:id="rId13"/>
+  </p:sldLayoutIdLst>
+</p:sldMaster>
+</file>
+
+<file path=ppt/slideMasters/slideMaster2.xml><?xml version="1.0" encoding="utf-8"?>
+<p:sldMaster xmlns:a="http://schemas.openxmlformats.org/drawingml/2006/main" xmlns:p="http://schemas.openxmlformats.org/presentationml/2006/main" xmlns:r="http://schemas.openxmlformats.org/officeDocument/2006/relationships" xmlns:p14="http://schemas.microsoft.com/office/powerpoint/2010/main" xmlns:p15="http://schemas.microsoft.com/office/powerpoint/2012/main" xmlns:mc="http://schemas.openxmlformats.org/markup-compatibility/2006">
+  <p:cSld>
+    <p:spTree>
+      <p:nvGrpSpPr>
+        <p:cNvPr id="1" name=""/>
+        <p:cNvGrpSpPr/>
+        <p:nvPr/>
+      </p:nvGrpSpPr>
+      <p:grpSpPr>
+        <a:xfrm>
+          <a:off x="0" y="0"/>
+          <a:ext cx="0" cy="0"/>
+          <a:chOff x="0" y="0"/>
+          <a:chExt cx="0" cy="0"/>
+        </a:xfrm>
+      </p:grpSpPr>
+      <p:sp>
+        <p:nvSpPr>
+          <p:cNvPr id="36" name="PlaceHolder 1"/>
+          <p:cNvSpPr>
+            <a:spLocks noGrp="1"/>
+          </p:cNvSpPr>
+          <p:nvPr>
+            <p:ph type="title"/>
+          </p:nvPr>
+        </p:nvSpPr>
+        <p:spPr>
+          <a:xfrm>
+            <a:off x="504000" y="301320"/>
+            <a:ext cx="9071280" cy="1261800"/>
+          </a:xfrm>
+          <a:prstGeom prst="rect">
+            <a:avLst/>
+          </a:prstGeom>
+        </p:spPr>
+        <p:txBody>
+          <a:bodyPr lIns="0" rIns="0" tIns="0" bIns="0" anchor="ctr"/>
+          <a:p>
+            <a:pPr algn="ctr"/>
+            <a:endParaRPr b="0" lang="hu-HU" sz="4400" spc="-1" strike="noStrike">
+              <a:solidFill>
+                <a:srgbClr val="000000"/>
+              </a:solidFill>
+              <a:uFill>
+                <a:solidFill>
+                  <a:srgbClr val="ffffff"/>
+                </a:solidFill>
+              </a:uFill>
+              <a:latin typeface="Arial"/>
+            </a:endParaRPr>
+          </a:p>
+        </p:txBody>
+      </p:sp>
+      <p:sp>
+        <p:nvSpPr>
+          <p:cNvPr id="37" name="PlaceHolder 2"/>
+          <p:cNvSpPr>
+            <a:spLocks noGrp="1"/>
+          </p:cNvSpPr>
+          <p:nvPr>
+            <p:ph type="body"/>
+          </p:nvPr>
+        </p:nvSpPr>
+        <p:spPr>
+          <a:xfrm>
+            <a:off x="504000" y="1769040"/>
+            <a:ext cx="9071280" cy="4384080"/>
+          </a:xfrm>
+          <a:prstGeom prst="rect">
+            <a:avLst/>
+          </a:prstGeom>
+        </p:spPr>
+        <p:txBody>
+          <a:bodyPr lIns="0" rIns="0" tIns="0" bIns="0"/>
+          <a:p>
+            <a:pPr marL="432000" indent="-324000">
+              <a:buClr>
+                <a:srgbClr val="000000"/>
+              </a:buClr>
+              <a:buSzPct val="45000"/>
+              <a:buFont typeface="Wingdings" charset="2"/>
+              <a:buChar char=""/>
+            </a:pPr>
+            <a:r>
+              <a:rPr b="0" lang="hu-HU" sz="1800" spc="-1" strike="noStrike">
+                <a:solidFill>
+                  <a:srgbClr val="000000"/>
+                </a:solidFill>
+                <a:uFill>
+                  <a:solidFill>
+                    <a:srgbClr val="ffffff"/>
+                  </a:solidFill>
+                </a:uFill>
+                <a:latin typeface="Arial"/>
+              </a:rPr>
+              <a:t>Click to edit the outline text format</a:t>
+            </a:r>
+            <a:endParaRPr b="0" lang="hu-HU" sz="1800" spc="-1" strike="noStrike">
+              <a:solidFill>
+                <a:srgbClr val="000000"/>
+              </a:solidFill>
+              <a:uFill>
+                <a:solidFill>
+                  <a:srgbClr val="ffffff"/>
+                </a:solidFill>
+              </a:uFill>
+              <a:latin typeface="Arial"/>
+            </a:endParaRPr>
+          </a:p>
+          <a:p>
+            <a:pPr lvl="1" marL="864000" indent="-324000">
+              <a:buClr>
+                <a:srgbClr val="000000"/>
+              </a:buClr>
+              <a:buSzPct val="75000"/>
+              <a:buFont typeface="Symbol" charset="2"/>
+              <a:buChar char=""/>
+            </a:pPr>
+            <a:r>
+              <a:rPr b="0" lang="hu-HU" sz="1800" spc="-1" strike="noStrike">
+                <a:solidFill>
+                  <a:srgbClr val="000000"/>
+                </a:solidFill>
+                <a:uFill>
+                  <a:solidFill>
+                    <a:srgbClr val="ffffff"/>
+                  </a:solidFill>
+                </a:uFill>
+                <a:latin typeface="Arial"/>
+              </a:rPr>
+              <a:t>Second Outline Level</a:t>
+            </a:r>
+            <a:endParaRPr b="0" lang="hu-HU" sz="1800" spc="-1" strike="noStrike">
+              <a:solidFill>
+                <a:srgbClr val="000000"/>
+              </a:solidFill>
+              <a:uFill>
+                <a:solidFill>
+                  <a:srgbClr val="ffffff"/>
+                </a:solidFill>
+              </a:uFill>
+              <a:latin typeface="Arial"/>
+            </a:endParaRPr>
+          </a:p>
+          <a:p>
+            <a:pPr lvl="2" marL="1296000" indent="-288000">
+              <a:buClr>
+                <a:srgbClr val="000000"/>
+              </a:buClr>
+              <a:buSzPct val="45000"/>
+              <a:buFont typeface="Wingdings" charset="2"/>
+              <a:buChar char=""/>
+            </a:pPr>
+            <a:r>
+              <a:rPr b="0" lang="hu-HU" sz="1800" spc="-1" strike="noStrike">
+                <a:solidFill>
+                  <a:srgbClr val="000000"/>
+                </a:solidFill>
+                <a:uFill>
+                  <a:solidFill>
+                    <a:srgbClr val="ffffff"/>
+                  </a:solidFill>
+                </a:uFill>
+                <a:latin typeface="Arial"/>
+              </a:rPr>
+              <a:t>Third Outline Level</a:t>
+            </a:r>
+            <a:endParaRPr b="0" lang="hu-HU" sz="1800" spc="-1" strike="noStrike">
+              <a:solidFill>
+                <a:srgbClr val="000000"/>
+              </a:solidFill>
+              <a:uFill>
+                <a:solidFill>
+                  <a:srgbClr val="ffffff"/>
+                </a:solidFill>
+              </a:uFill>
+              <a:latin typeface="Arial"/>
+            </a:endParaRPr>
+          </a:p>
+          <a:p>
+            <a:pPr lvl="3" marL="1728000" indent="-216000">
+              <a:buClr>
+                <a:srgbClr val="000000"/>
+              </a:buClr>
+              <a:buSzPct val="75000"/>
+              <a:buFont typeface="Symbol" charset="2"/>
+              <a:buChar char=""/>
+            </a:pPr>
+            <a:r>
+              <a:rPr b="0" lang="hu-HU" sz="1800" spc="-1" strike="noStrike">
+                <a:solidFill>
+                  <a:srgbClr val="000000"/>
+                </a:solidFill>
+                <a:uFill>
+                  <a:solidFill>
+                    <a:srgbClr val="ffffff"/>
+                  </a:solidFill>
+                </a:uFill>
+                <a:latin typeface="Arial"/>
+              </a:rPr>
+              <a:t>Fourth Outline Level</a:t>
+            </a:r>
+            <a:endParaRPr b="0" lang="hu-HU" sz="1800" spc="-1" strike="noStrike">
+              <a:solidFill>
+                <a:srgbClr val="000000"/>
+              </a:solidFill>
+              <a:uFill>
+                <a:solidFill>
+                  <a:srgbClr val="ffffff"/>
+                </a:solidFill>
+              </a:uFill>
+              <a:latin typeface="Arial"/>
+            </a:endParaRPr>
+          </a:p>
+          <a:p>
+            <a:pPr lvl="4" marL="2160000" indent="-216000">
+              <a:buClr>
+                <a:srgbClr val="000000"/>
+              </a:buClr>
+              <a:buSzPct val="45000"/>
+              <a:buFont typeface="Wingdings" charset="2"/>
+              <a:buChar char=""/>
+            </a:pPr>
+            <a:r>
+              <a:rPr b="0" lang="hu-HU" sz="1800" spc="-1" strike="noStrike">
+                <a:solidFill>
+                  <a:srgbClr val="000000"/>
+                </a:solidFill>
+                <a:uFill>
+                  <a:solidFill>
+                    <a:srgbClr val="ffffff"/>
+                  </a:solidFill>
+                </a:uFill>
+                <a:latin typeface="Arial"/>
+              </a:rPr>
+              <a:t>Fifth Outline Level</a:t>
+            </a:r>
+            <a:endParaRPr b="0" lang="hu-HU" sz="1800" spc="-1" strike="noStrike">
+              <a:solidFill>
+                <a:srgbClr val="000000"/>
+              </a:solidFill>
+              <a:uFill>
+                <a:solidFill>
+                  <a:srgbClr val="ffffff"/>
+                </a:solidFill>
+              </a:uFill>
+              <a:latin typeface="Arial"/>
+            </a:endParaRPr>
+          </a:p>
+          <a:p>
+            <a:pPr lvl="5" marL="2592000" indent="-216000">
+              <a:buClr>
+                <a:srgbClr val="000000"/>
+              </a:buClr>
+              <a:buSzPct val="45000"/>
+              <a:buFont typeface="Wingdings" charset="2"/>
+              <a:buChar char=""/>
+            </a:pPr>
+            <a:r>
+              <a:rPr b="0" lang="hu-HU" sz="1800" spc="-1" strike="noStrike">
+                <a:solidFill>
+                  <a:srgbClr val="000000"/>
+                </a:solidFill>
+                <a:uFill>
+                  <a:solidFill>
+                    <a:srgbClr val="ffffff"/>
+                  </a:solidFill>
+                </a:uFill>
+                <a:latin typeface="Arial"/>
+              </a:rPr>
+              <a:t>Sixth Outline Level</a:t>
+            </a:r>
+            <a:endParaRPr b="0" lang="hu-HU" sz="1800" spc="-1" strike="noStrike">
+              <a:solidFill>
+                <a:srgbClr val="000000"/>
+              </a:solidFill>
+              <a:uFill>
+                <a:solidFill>
+                  <a:srgbClr val="ffffff"/>
+                </a:solidFill>
+              </a:uFill>
+              <a:latin typeface="Arial"/>
+            </a:endParaRPr>
+          </a:p>
+          <a:p>
+            <a:pPr lvl="6" marL="3024000" indent="-216000">
+              <a:buClr>
+                <a:srgbClr val="000000"/>
+              </a:buClr>
+              <a:buSzPct val="45000"/>
+              <a:buFont typeface="Wingdings" charset="2"/>
+              <a:buChar char=""/>
+            </a:pPr>
+            <a:r>
+              <a:rPr b="0" lang="hu-HU" sz="1800" spc="-1" strike="noStrike">
+                <a:solidFill>
+                  <a:srgbClr val="000000"/>
+                </a:solidFill>
+                <a:uFill>
+                  <a:solidFill>
+                    <a:srgbClr val="ffffff"/>
+                  </a:solidFill>
+                </a:uFill>
+                <a:latin typeface="Arial"/>
+              </a:rPr>
+              <a:t>Seventh Outline Level</a:t>
+            </a:r>
+            <a:endParaRPr b="0" lang="hu-HU" sz="1800" spc="-1" strike="noStrike">
+              <a:solidFill>
+                <a:srgbClr val="000000"/>
+              </a:solidFill>
+              <a:uFill>
+                <a:solidFill>
+                  <a:srgbClr val="ffffff"/>
+                </a:solidFill>
+              </a:uFill>
+              <a:latin typeface="Arial"/>
+            </a:endParaRPr>
+          </a:p>
+        </p:txBody>
+      </p:sp>
+    </p:spTree>
+  </p:cSld>
+  <p:clrMap bg1="lt1" bg2="lt2" tx1="dk1" tx2="dk2" accent1="accent1" accent2="accent2" accent3="accent3" accent4="accent4" accent5="accent5" accent6="accent6" hlink="hlink" folHlink="folHlink"/>
+  <p:sldLayoutIdLst>
+    <p:sldLayoutId id="2147483662" r:id="rId2"/>
+    <p:sldLayoutId id="2147483663" r:id="rId3"/>
+    <p:sldLayoutId id="2147483664" r:id="rId4"/>
+    <p:sldLayoutId id="2147483665" r:id="rId5"/>
+    <p:sldLayoutId id="2147483666" r:id="rId6"/>
+    <p:sldLayoutId id="2147483667" r:id="rId7"/>
+    <p:sldLayoutId id="2147483668" r:id="rId8"/>
+    <p:sldLayoutId id="2147483669" r:id="rId9"/>
+    <p:sldLayoutId id="2147483670" r:id="rId10"/>
+    <p:sldLayoutId id="2147483671" r:id="rId11"/>
+    <p:sldLayoutId id="2147483672" r:id="rId12"/>
+    <p:sldLayoutId id="2147483673" r:id="rId13"/>
   </p:sldLayoutIdLst>
 </p:sldMaster>
 </file>
@@ -2023,14 +3674,14 @@
       </p:grpSpPr>
       <p:sp>
         <p:nvSpPr>
-          <p:cNvPr id="39" name="TextShape 1"/>
-          <p:cNvSpPr txBox="1"/>
+          <p:cNvPr id="72" name="CustomShape 1"/>
+          <p:cNvSpPr/>
           <p:nvPr/>
         </p:nvSpPr>
         <p:spPr>
           <a:xfrm>
             <a:off x="504000" y="432000"/>
-            <a:ext cx="9071640" cy="1875240"/>
+            <a:ext cx="9071280" cy="1874880"/>
           </a:xfrm>
           <a:prstGeom prst="rect">
             <a:avLst/>
@@ -2040,10 +3691,20 @@
             <a:noFill/>
           </a:ln>
         </p:spPr>
+        <p:style>
+          <a:lnRef idx="0"/>
+          <a:fillRef idx="0"/>
+          <a:effectRef idx="0"/>
+          <a:fontRef idx="minor"/>
+        </p:style>
         <p:txBody>
           <a:bodyPr lIns="0" rIns="0" tIns="0" bIns="0" anchor="ctr"/>
           <a:p>
-            <a:pPr algn="ctr"/>
+            <a:pPr algn="ctr">
+              <a:lnSpc>
+                <a:spcPct val="100000"/>
+              </a:lnSpc>
+            </a:pPr>
             <a:r>
               <a:rPr b="0" lang="hu-HU" sz="4400" spc="-1" strike="noStrike">
                 <a:solidFill>
@@ -2058,30 +3719,30 @@
               </a:rPr>
               <a:t>Dátumválasztó komponens készítése natív JavaScript alkalmazásokhoz</a:t>
             </a:r>
-            <a:endParaRPr b="0" lang="hu-HU" sz="4400" spc="-1" strike="noStrike">
-              <a:solidFill>
-                <a:srgbClr val="000000"/>
-              </a:solidFill>
-              <a:uFill>
-                <a:solidFill>
-                  <a:srgbClr val="ffffff"/>
-                </a:solidFill>
-              </a:uFill>
-              <a:latin typeface="Arial"/>
-            </a:endParaRPr>
-          </a:p>
-        </p:txBody>
-      </p:sp>
-      <p:sp>
-        <p:nvSpPr>
-          <p:cNvPr id="40" name="TextShape 2"/>
-          <p:cNvSpPr txBox="1"/>
+            <a:endParaRPr b="0" lang="hu-HU" sz="1800" spc="-1" strike="noStrike">
+              <a:solidFill>
+                <a:srgbClr val="000000"/>
+              </a:solidFill>
+              <a:uFill>
+                <a:solidFill>
+                  <a:srgbClr val="ffffff"/>
+                </a:solidFill>
+              </a:uFill>
+              <a:latin typeface="Arial"/>
+            </a:endParaRPr>
+          </a:p>
+        </p:txBody>
+      </p:sp>
+      <p:sp>
+        <p:nvSpPr>
+          <p:cNvPr id="73" name="CustomShape 2"/>
+          <p:cNvSpPr/>
           <p:nvPr/>
         </p:nvSpPr>
         <p:spPr>
           <a:xfrm>
             <a:off x="504360" y="2664000"/>
-            <a:ext cx="9071640" cy="3489480"/>
+            <a:ext cx="9071280" cy="3489120"/>
           </a:xfrm>
           <a:prstGeom prst="rect">
             <a:avLst/>
@@ -2091,36 +3752,14 @@
             <a:noFill/>
           </a:ln>
         </p:spPr>
+        <p:style>
+          <a:lnRef idx="0"/>
+          <a:fillRef idx="0"/>
+          <a:effectRef idx="0"/>
+          <a:fontRef idx="minor"/>
+        </p:style>
         <p:txBody>
           <a:bodyPr lIns="0" rIns="0" tIns="0" bIns="0" anchor="ctr"/>
-          <a:p>
-            <a:pPr algn="ctr"/>
-            <a:r>
-              <a:rPr b="0" lang="hu-HU" sz="3200" spc="-1" strike="noStrike">
-                <a:solidFill>
-                  <a:srgbClr val="000000"/>
-                </a:solidFill>
-                <a:uFill>
-                  <a:solidFill>
-                    <a:srgbClr val="ffffff"/>
-                  </a:solidFill>
-                </a:uFill>
-                <a:latin typeface="Arial"/>
-              </a:rPr>
-              <a:t>Msc Önálló laboratórium 2.</a:t>
-            </a:r>
-            <a:endParaRPr b="0" lang="hu-HU" sz="3200" spc="-1" strike="noStrike">
-              <a:solidFill>
-                <a:srgbClr val="000000"/>
-              </a:solidFill>
-              <a:uFill>
-                <a:solidFill>
-                  <a:srgbClr val="ffffff"/>
-                </a:solidFill>
-              </a:uFill>
-              <a:latin typeface="Arial"/>
-            </a:endParaRPr>
-          </a:p>
           <a:p>
             <a:pPr algn="ctr">
               <a:lnSpc>
@@ -2128,20 +3767,20 @@
               </a:lnSpc>
             </a:pPr>
             <a:r>
-              <a:rPr b="0" lang="hu-HU" sz="2400" spc="194" strike="noStrike" cap="all">
-                <a:solidFill>
-                  <a:srgbClr val="344068"/>
-                </a:solidFill>
-                <a:uFill>
-                  <a:solidFill>
-                    <a:srgbClr val="ffffff"/>
-                  </a:solidFill>
-                </a:uFill>
-                <a:latin typeface="Calibri Light"/>
-              </a:rPr>
-              <a:t>Reisinger Ádám István</a:t>
-            </a:r>
-            <a:endParaRPr b="0" lang="hu-HU" sz="3200" spc="-1" strike="noStrike">
+              <a:rPr b="0" lang="hu-HU" sz="3200" spc="-1" strike="noStrike">
+                <a:solidFill>
+                  <a:srgbClr val="000000"/>
+                </a:solidFill>
+                <a:uFill>
+                  <a:solidFill>
+                    <a:srgbClr val="ffffff"/>
+                  </a:solidFill>
+                </a:uFill>
+                <a:latin typeface="Arial"/>
+              </a:rPr>
+              <a:t>Msc Önálló laboratórium 2.</a:t>
+            </a:r>
+            <a:endParaRPr b="0" lang="hu-HU" sz="1800" spc="-1" strike="noStrike">
               <a:solidFill>
                 <a:srgbClr val="000000"/>
               </a:solidFill>
@@ -2160,7 +3799,7 @@
               </a:lnSpc>
             </a:pPr>
             <a:r>
-              <a:rPr b="0" lang="hu-HU" sz="2400" spc="194" strike="noStrike" cap="all">
+              <a:rPr b="0" lang="hu-HU" sz="2400" spc="191" strike="noStrike" cap="all">
                 <a:solidFill>
                   <a:srgbClr val="344068"/>
                 </a:solidFill>
@@ -2171,9 +3810,41 @@
                 </a:uFill>
                 <a:latin typeface="Calibri Light"/>
               </a:rPr>
+              <a:t>Reisinger Ádám István</a:t>
+            </a:r>
+            <a:endParaRPr b="0" lang="hu-HU" sz="1800" spc="-1" strike="noStrike">
+              <a:solidFill>
+                <a:srgbClr val="000000"/>
+              </a:solidFill>
+              <a:uFill>
+                <a:solidFill>
+                  <a:srgbClr val="ffffff"/>
+                </a:solidFill>
+              </a:uFill>
+              <a:latin typeface="Arial"/>
+            </a:endParaRPr>
+          </a:p>
+          <a:p>
+            <a:pPr algn="ctr">
+              <a:lnSpc>
+                <a:spcPct val="100000"/>
+              </a:lnSpc>
+            </a:pPr>
+            <a:r>
+              <a:rPr b="0" lang="hu-HU" sz="2400" spc="191" strike="noStrike" cap="all">
+                <a:solidFill>
+                  <a:srgbClr val="344068"/>
+                </a:solidFill>
+                <a:uFill>
+                  <a:solidFill>
+                    <a:srgbClr val="ffffff"/>
+                  </a:solidFill>
+                </a:uFill>
+                <a:latin typeface="Calibri Light"/>
+              </a:rPr>
               <a:t>Konzulens: Szabó Gábor</a:t>
             </a:r>
-            <a:endParaRPr b="0" lang="hu-HU" sz="3200" spc="-1" strike="noStrike">
+            <a:endParaRPr b="0" lang="hu-HU" sz="1800" spc="-1" strike="noStrike">
               <a:solidFill>
                 <a:srgbClr val="000000"/>
               </a:solidFill>
@@ -2238,14 +3909,14 @@
       </p:grpSpPr>
       <p:sp>
         <p:nvSpPr>
-          <p:cNvPr id="58" name="TextShape 1"/>
-          <p:cNvSpPr txBox="1"/>
+          <p:cNvPr id="91" name="CustomShape 1"/>
+          <p:cNvSpPr/>
           <p:nvPr/>
         </p:nvSpPr>
         <p:spPr>
           <a:xfrm>
             <a:off x="504000" y="301320"/>
-            <a:ext cx="9071640" cy="1262160"/>
+            <a:ext cx="9071280" cy="1261800"/>
           </a:xfrm>
           <a:prstGeom prst="rect">
             <a:avLst/>
@@ -2255,10 +3926,20 @@
             <a:noFill/>
           </a:ln>
         </p:spPr>
+        <p:style>
+          <a:lnRef idx="0"/>
+          <a:fillRef idx="0"/>
+          <a:effectRef idx="0"/>
+          <a:fontRef idx="minor"/>
+        </p:style>
         <p:txBody>
           <a:bodyPr lIns="0" rIns="0" tIns="0" bIns="0" anchor="ctr"/>
           <a:p>
-            <a:pPr algn="ctr"/>
+            <a:pPr algn="ctr">
+              <a:lnSpc>
+                <a:spcPct val="100000"/>
+              </a:lnSpc>
+            </a:pPr>
             <a:r>
               <a:rPr b="0" lang="hu-HU" sz="4400" spc="-1" strike="noStrike">
                 <a:solidFill>
@@ -2273,30 +3954,30 @@
               </a:rPr>
               <a:t>Integráció</a:t>
             </a:r>
-            <a:endParaRPr b="0" lang="hu-HU" sz="4400" spc="-1" strike="noStrike">
-              <a:solidFill>
-                <a:srgbClr val="000000"/>
-              </a:solidFill>
-              <a:uFill>
-                <a:solidFill>
-                  <a:srgbClr val="ffffff"/>
-                </a:solidFill>
-              </a:uFill>
-              <a:latin typeface="Arial"/>
-            </a:endParaRPr>
-          </a:p>
-        </p:txBody>
-      </p:sp>
-      <p:sp>
-        <p:nvSpPr>
-          <p:cNvPr id="59" name="TextShape 2"/>
-          <p:cNvSpPr txBox="1"/>
+            <a:endParaRPr b="0" lang="hu-HU" sz="1800" spc="-1" strike="noStrike">
+              <a:solidFill>
+                <a:srgbClr val="000000"/>
+              </a:solidFill>
+              <a:uFill>
+                <a:solidFill>
+                  <a:srgbClr val="ffffff"/>
+                </a:solidFill>
+              </a:uFill>
+              <a:latin typeface="Arial"/>
+            </a:endParaRPr>
+          </a:p>
+        </p:txBody>
+      </p:sp>
+      <p:sp>
+        <p:nvSpPr>
+          <p:cNvPr id="92" name="CustomShape 2"/>
+          <p:cNvSpPr/>
           <p:nvPr/>
         </p:nvSpPr>
         <p:spPr>
           <a:xfrm>
             <a:off x="504000" y="1769040"/>
-            <a:ext cx="9071640" cy="4384440"/>
+            <a:ext cx="9071280" cy="4384080"/>
           </a:xfrm>
           <a:prstGeom prst="rect">
             <a:avLst/>
@@ -2306,10 +3987,19 @@
             <a:noFill/>
           </a:ln>
         </p:spPr>
+        <p:style>
+          <a:lnRef idx="0"/>
+          <a:fillRef idx="0"/>
+          <a:effectRef idx="0"/>
+          <a:fontRef idx="minor"/>
+        </p:style>
         <p:txBody>
           <a:bodyPr lIns="0" rIns="0" tIns="0" bIns="0"/>
           <a:p>
-            <a:pPr marL="432000" indent="-324000">
+            <a:pPr marL="432000" indent="-323640">
+              <a:lnSpc>
+                <a:spcPct val="100000"/>
+              </a:lnSpc>
               <a:buClr>
                 <a:srgbClr val="000000"/>
               </a:buClr>
@@ -2331,25 +4021,28 @@
               </a:rPr>
               <a:t>jQuery</a:t>
             </a:r>
-            <a:endParaRPr b="0" lang="hu-HU" sz="3200" spc="-1" strike="noStrike">
-              <a:solidFill>
-                <a:srgbClr val="000000"/>
-              </a:solidFill>
-              <a:uFill>
-                <a:solidFill>
-                  <a:srgbClr val="ffffff"/>
-                </a:solidFill>
-              </a:uFill>
-              <a:latin typeface="Arial"/>
-            </a:endParaRPr>
-          </a:p>
-          <a:p>
-            <a:pPr lvl="1" marL="864000" indent="-324000">
+            <a:endParaRPr b="0" lang="hu-HU" sz="1800" spc="-1" strike="noStrike">
+              <a:solidFill>
+                <a:srgbClr val="000000"/>
+              </a:solidFill>
+              <a:uFill>
+                <a:solidFill>
+                  <a:srgbClr val="ffffff"/>
+                </a:solidFill>
+              </a:uFill>
+              <a:latin typeface="Arial"/>
+            </a:endParaRPr>
+          </a:p>
+          <a:p>
+            <a:pPr lvl="1" marL="864000" indent="-323640">
+              <a:lnSpc>
+                <a:spcPct val="100000"/>
+              </a:lnSpc>
               <a:buClr>
                 <a:srgbClr val="000000"/>
               </a:buClr>
               <a:buSzPct val="75000"/>
-              <a:buFont typeface="Symbol" charset="2"/>
+              <a:buFont typeface="Symbol"/>
               <a:buChar char=""/>
             </a:pPr>
             <a:r>
@@ -2366,25 +4059,28 @@
               </a:rPr>
               <a:t>dateSlider metódus a jQuery selectoron</a:t>
             </a:r>
-            <a:endParaRPr b="0" lang="hu-HU" sz="2800" spc="-1" strike="noStrike">
-              <a:solidFill>
-                <a:srgbClr val="000000"/>
-              </a:solidFill>
-              <a:uFill>
-                <a:solidFill>
-                  <a:srgbClr val="ffffff"/>
-                </a:solidFill>
-              </a:uFill>
-              <a:latin typeface="Arial"/>
-            </a:endParaRPr>
-          </a:p>
-          <a:p>
-            <a:pPr lvl="1" marL="864000" indent="-324000">
+            <a:endParaRPr b="0" lang="hu-HU" sz="1800" spc="-1" strike="noStrike">
+              <a:solidFill>
+                <a:srgbClr val="000000"/>
+              </a:solidFill>
+              <a:uFill>
+                <a:solidFill>
+                  <a:srgbClr val="ffffff"/>
+                </a:solidFill>
+              </a:uFill>
+              <a:latin typeface="Arial"/>
+            </a:endParaRPr>
+          </a:p>
+          <a:p>
+            <a:pPr lvl="1" marL="864000" indent="-323640">
+              <a:lnSpc>
+                <a:spcPct val="100000"/>
+              </a:lnSpc>
               <a:buClr>
                 <a:srgbClr val="000000"/>
               </a:buClr>
               <a:buSzPct val="75000"/>
-              <a:buFont typeface="Symbol" charset="2"/>
+              <a:buFont typeface="Symbol"/>
               <a:buChar char=""/>
             </a:pPr>
             <a:r>
@@ -2401,20 +4097,23 @@
               </a:rPr>
               <a:t>data() használat</a:t>
             </a:r>
-            <a:endParaRPr b="0" lang="hu-HU" sz="2800" spc="-1" strike="noStrike">
-              <a:solidFill>
-                <a:srgbClr val="000000"/>
-              </a:solidFill>
-              <a:uFill>
-                <a:solidFill>
-                  <a:srgbClr val="ffffff"/>
-                </a:solidFill>
-              </a:uFill>
-              <a:latin typeface="Arial"/>
-            </a:endParaRPr>
-          </a:p>
-          <a:p>
-            <a:pPr marL="432000" indent="-324000">
+            <a:endParaRPr b="0" lang="hu-HU" sz="1800" spc="-1" strike="noStrike">
+              <a:solidFill>
+                <a:srgbClr val="000000"/>
+              </a:solidFill>
+              <a:uFill>
+                <a:solidFill>
+                  <a:srgbClr val="ffffff"/>
+                </a:solidFill>
+              </a:uFill>
+              <a:latin typeface="Arial"/>
+            </a:endParaRPr>
+          </a:p>
+          <a:p>
+            <a:pPr marL="432000" indent="-323640">
+              <a:lnSpc>
+                <a:spcPct val="100000"/>
+              </a:lnSpc>
               <a:buClr>
                 <a:srgbClr val="000000"/>
               </a:buClr>
@@ -2436,25 +4135,28 @@
               </a:rPr>
               <a:t>Angular</a:t>
             </a:r>
-            <a:endParaRPr b="0" lang="hu-HU" sz="3200" spc="-1" strike="noStrike">
-              <a:solidFill>
-                <a:srgbClr val="000000"/>
-              </a:solidFill>
-              <a:uFill>
-                <a:solidFill>
-                  <a:srgbClr val="ffffff"/>
-                </a:solidFill>
-              </a:uFill>
-              <a:latin typeface="Arial"/>
-            </a:endParaRPr>
-          </a:p>
-          <a:p>
-            <a:pPr lvl="1" marL="864000" indent="-324000">
+            <a:endParaRPr b="0" lang="hu-HU" sz="1800" spc="-1" strike="noStrike">
+              <a:solidFill>
+                <a:srgbClr val="000000"/>
+              </a:solidFill>
+              <a:uFill>
+                <a:solidFill>
+                  <a:srgbClr val="ffffff"/>
+                </a:solidFill>
+              </a:uFill>
+              <a:latin typeface="Arial"/>
+            </a:endParaRPr>
+          </a:p>
+          <a:p>
+            <a:pPr lvl="1" marL="864000" indent="-323640">
+              <a:lnSpc>
+                <a:spcPct val="100000"/>
+              </a:lnSpc>
               <a:buClr>
                 <a:srgbClr val="000000"/>
               </a:buClr>
               <a:buSzPct val="75000"/>
-              <a:buFont typeface="Symbol" charset="2"/>
+              <a:buFont typeface="Symbol"/>
               <a:buChar char=""/>
             </a:pPr>
             <a:r>
@@ -2471,25 +4173,28 @@
               </a:rPr>
               <a:t>Provider az alaértelmezett beállítások kezeléséhez</a:t>
             </a:r>
-            <a:endParaRPr b="0" lang="hu-HU" sz="2800" spc="-1" strike="noStrike">
-              <a:solidFill>
-                <a:srgbClr val="000000"/>
-              </a:solidFill>
-              <a:uFill>
-                <a:solidFill>
-                  <a:srgbClr val="ffffff"/>
-                </a:solidFill>
-              </a:uFill>
-              <a:latin typeface="Arial"/>
-            </a:endParaRPr>
-          </a:p>
-          <a:p>
-            <a:pPr lvl="1" marL="864000" indent="-324000">
+            <a:endParaRPr b="0" lang="hu-HU" sz="1800" spc="-1" strike="noStrike">
+              <a:solidFill>
+                <a:srgbClr val="000000"/>
+              </a:solidFill>
+              <a:uFill>
+                <a:solidFill>
+                  <a:srgbClr val="ffffff"/>
+                </a:solidFill>
+              </a:uFill>
+              <a:latin typeface="Arial"/>
+            </a:endParaRPr>
+          </a:p>
+          <a:p>
+            <a:pPr lvl="1" marL="864000" indent="-323640">
+              <a:lnSpc>
+                <a:spcPct val="100000"/>
+              </a:lnSpc>
               <a:buClr>
                 <a:srgbClr val="000000"/>
               </a:buClr>
               <a:buSzPct val="75000"/>
-              <a:buFont typeface="Symbol" charset="2"/>
+              <a:buFont typeface="Symbol"/>
               <a:buChar char=""/>
             </a:pPr>
             <a:r>
@@ -2506,20 +4211,23 @@
               </a:rPr>
               <a:t>Direktíva a komponens példányosítására</a:t>
             </a:r>
-            <a:endParaRPr b="0" lang="hu-HU" sz="2800" spc="-1" strike="noStrike">
-              <a:solidFill>
-                <a:srgbClr val="000000"/>
-              </a:solidFill>
-              <a:uFill>
-                <a:solidFill>
-                  <a:srgbClr val="ffffff"/>
-                </a:solidFill>
-              </a:uFill>
-              <a:latin typeface="Arial"/>
-            </a:endParaRPr>
-          </a:p>
-          <a:p>
-            <a:pPr lvl="2" marL="1296000" indent="-288000">
+            <a:endParaRPr b="0" lang="hu-HU" sz="1800" spc="-1" strike="noStrike">
+              <a:solidFill>
+                <a:srgbClr val="000000"/>
+              </a:solidFill>
+              <a:uFill>
+                <a:solidFill>
+                  <a:srgbClr val="ffffff"/>
+                </a:solidFill>
+              </a:uFill>
+              <a:latin typeface="Arial"/>
+            </a:endParaRPr>
+          </a:p>
+          <a:p>
+            <a:pPr lvl="2" marL="1296000" indent="-287640">
+              <a:lnSpc>
+                <a:spcPct val="100000"/>
+              </a:lnSpc>
               <a:buClr>
                 <a:srgbClr val="000000"/>
               </a:buClr>
@@ -2541,25 +4249,28 @@
               </a:rPr>
               <a:t>NgModel: adatkötés</a:t>
             </a:r>
-            <a:endParaRPr b="0" lang="hu-HU" sz="2400" spc="-1" strike="noStrike">
-              <a:solidFill>
-                <a:srgbClr val="000000"/>
-              </a:solidFill>
-              <a:uFill>
-                <a:solidFill>
-                  <a:srgbClr val="ffffff"/>
-                </a:solidFill>
-              </a:uFill>
-              <a:latin typeface="Arial"/>
-            </a:endParaRPr>
-          </a:p>
-          <a:p>
-            <a:pPr lvl="3" marL="1728000" indent="-216000">
+            <a:endParaRPr b="0" lang="hu-HU" sz="1800" spc="-1" strike="noStrike">
+              <a:solidFill>
+                <a:srgbClr val="000000"/>
+              </a:solidFill>
+              <a:uFill>
+                <a:solidFill>
+                  <a:srgbClr val="ffffff"/>
+                </a:solidFill>
+              </a:uFill>
+              <a:latin typeface="Arial"/>
+            </a:endParaRPr>
+          </a:p>
+          <a:p>
+            <a:pPr lvl="3" marL="1728000" indent="-215640">
+              <a:lnSpc>
+                <a:spcPct val="100000"/>
+              </a:lnSpc>
               <a:buClr>
                 <a:srgbClr val="000000"/>
               </a:buClr>
               <a:buSzPct val="75000"/>
-              <a:buFont typeface="Symbol" charset="2"/>
+              <a:buFont typeface="Symbol"/>
               <a:buChar char=""/>
             </a:pPr>
             <a:r>
@@ -2576,25 +4287,28 @@
               </a:rPr>
               <a:t>Validáció összekötése az angularossal</a:t>
             </a:r>
-            <a:endParaRPr b="0" lang="hu-HU" sz="2000" spc="-1" strike="noStrike">
-              <a:solidFill>
-                <a:srgbClr val="000000"/>
-              </a:solidFill>
-              <a:uFill>
-                <a:solidFill>
-                  <a:srgbClr val="ffffff"/>
-                </a:solidFill>
-              </a:uFill>
-              <a:latin typeface="Arial"/>
-            </a:endParaRPr>
-          </a:p>
-          <a:p>
-            <a:pPr lvl="3" marL="1728000" indent="-216000">
+            <a:endParaRPr b="0" lang="hu-HU" sz="1800" spc="-1" strike="noStrike">
+              <a:solidFill>
+                <a:srgbClr val="000000"/>
+              </a:solidFill>
+              <a:uFill>
+                <a:solidFill>
+                  <a:srgbClr val="ffffff"/>
+                </a:solidFill>
+              </a:uFill>
+              <a:latin typeface="Arial"/>
+            </a:endParaRPr>
+          </a:p>
+          <a:p>
+            <a:pPr lvl="3" marL="1728000" indent="-215640">
+              <a:lnSpc>
+                <a:spcPct val="100000"/>
+              </a:lnSpc>
               <a:buClr>
                 <a:srgbClr val="000000"/>
               </a:buClr>
               <a:buSzPct val="75000"/>
-              <a:buFont typeface="Symbol" charset="2"/>
+              <a:buFont typeface="Symbol"/>
               <a:buChar char=""/>
             </a:pPr>
             <a:r>
@@ -2611,20 +4325,23 @@
               </a:rPr>
               <a:t>Formbeli használatra</a:t>
             </a:r>
-            <a:endParaRPr b="0" lang="hu-HU" sz="2000" spc="-1" strike="noStrike">
-              <a:solidFill>
-                <a:srgbClr val="000000"/>
-              </a:solidFill>
-              <a:uFill>
-                <a:solidFill>
-                  <a:srgbClr val="ffffff"/>
-                </a:solidFill>
-              </a:uFill>
-              <a:latin typeface="Arial"/>
-            </a:endParaRPr>
-          </a:p>
-          <a:p>
-            <a:pPr lvl="2" marL="1296000" indent="-288000">
+            <a:endParaRPr b="0" lang="hu-HU" sz="1800" spc="-1" strike="noStrike">
+              <a:solidFill>
+                <a:srgbClr val="000000"/>
+              </a:solidFill>
+              <a:uFill>
+                <a:solidFill>
+                  <a:srgbClr val="ffffff"/>
+                </a:solidFill>
+              </a:uFill>
+              <a:latin typeface="Arial"/>
+            </a:endParaRPr>
+          </a:p>
+          <a:p>
+            <a:pPr lvl="2" marL="1296000" indent="-287640">
+              <a:lnSpc>
+                <a:spcPct val="100000"/>
+              </a:lnSpc>
               <a:buClr>
                 <a:srgbClr val="000000"/>
               </a:buClr>
@@ -2646,7 +4363,7 @@
               </a:rPr>
               <a:t>Figyel a változtatásokra, frissíti a DateSlider példányt</a:t>
             </a:r>
-            <a:endParaRPr b="0" lang="hu-HU" sz="2400" spc="-1" strike="noStrike">
+            <a:endParaRPr b="0" lang="hu-HU" sz="1800" spc="-1" strike="noStrike">
               <a:solidFill>
                 <a:srgbClr val="000000"/>
               </a:solidFill>
@@ -2711,14 +4428,14 @@
       </p:grpSpPr>
       <p:sp>
         <p:nvSpPr>
-          <p:cNvPr id="60" name="TextShape 1"/>
-          <p:cNvSpPr txBox="1"/>
+          <p:cNvPr id="93" name="CustomShape 1"/>
+          <p:cNvSpPr/>
           <p:nvPr/>
         </p:nvSpPr>
         <p:spPr>
           <a:xfrm>
             <a:off x="504360" y="3148920"/>
-            <a:ext cx="9071640" cy="1262160"/>
+            <a:ext cx="9071280" cy="1261800"/>
           </a:xfrm>
           <a:prstGeom prst="rect">
             <a:avLst/>
@@ -2728,10 +4445,20 @@
             <a:noFill/>
           </a:ln>
         </p:spPr>
+        <p:style>
+          <a:lnRef idx="0"/>
+          <a:fillRef idx="0"/>
+          <a:effectRef idx="0"/>
+          <a:fontRef idx="minor"/>
+        </p:style>
         <p:txBody>
           <a:bodyPr lIns="0" rIns="0" tIns="0" bIns="0" anchor="ctr"/>
           <a:p>
-            <a:pPr algn="ctr"/>
+            <a:pPr algn="ctr">
+              <a:lnSpc>
+                <a:spcPct val="100000"/>
+              </a:lnSpc>
+            </a:pPr>
             <a:r>
               <a:rPr b="0" lang="hu-HU" sz="4400" spc="-1" strike="noStrike">
                 <a:solidFill>
@@ -2746,7 +4473,7 @@
               </a:rPr>
               <a:t>Köszönöm a figyelmet!</a:t>
             </a:r>
-            <a:endParaRPr b="0" lang="hu-HU" sz="4400" spc="-1" strike="noStrike">
+            <a:endParaRPr b="0" lang="hu-HU" sz="1800" spc="-1" strike="noStrike">
               <a:solidFill>
                 <a:srgbClr val="000000"/>
               </a:solidFill>
@@ -2811,14 +4538,14 @@
       </p:grpSpPr>
       <p:sp>
         <p:nvSpPr>
-          <p:cNvPr id="41" name="TextShape 1"/>
-          <p:cNvSpPr txBox="1"/>
+          <p:cNvPr id="74" name="CustomShape 1"/>
+          <p:cNvSpPr/>
           <p:nvPr/>
         </p:nvSpPr>
         <p:spPr>
           <a:xfrm>
             <a:off x="504000" y="301320"/>
-            <a:ext cx="9071640" cy="1262160"/>
+            <a:ext cx="9071280" cy="1261800"/>
           </a:xfrm>
           <a:prstGeom prst="rect">
             <a:avLst/>
@@ -2828,10 +4555,20 @@
             <a:noFill/>
           </a:ln>
         </p:spPr>
+        <p:style>
+          <a:lnRef idx="0"/>
+          <a:fillRef idx="0"/>
+          <a:effectRef idx="0"/>
+          <a:fontRef idx="minor"/>
+        </p:style>
         <p:txBody>
           <a:bodyPr lIns="0" rIns="0" tIns="0" bIns="0" anchor="ctr"/>
           <a:p>
-            <a:pPr algn="ctr"/>
+            <a:pPr algn="ctr">
+              <a:lnSpc>
+                <a:spcPct val="100000"/>
+              </a:lnSpc>
+            </a:pPr>
             <a:r>
               <a:rPr b="0" lang="hu-HU" sz="4400" spc="-1" strike="noStrike">
                 <a:solidFill>
@@ -2846,30 +4583,30 @@
               </a:rPr>
               <a:t>Feladat</a:t>
             </a:r>
-            <a:endParaRPr b="0" lang="hu-HU" sz="4400" spc="-1" strike="noStrike">
-              <a:solidFill>
-                <a:srgbClr val="000000"/>
-              </a:solidFill>
-              <a:uFill>
-                <a:solidFill>
-                  <a:srgbClr val="ffffff"/>
-                </a:solidFill>
-              </a:uFill>
-              <a:latin typeface="Arial"/>
-            </a:endParaRPr>
-          </a:p>
-        </p:txBody>
-      </p:sp>
-      <p:sp>
-        <p:nvSpPr>
-          <p:cNvPr id="42" name="TextShape 2"/>
-          <p:cNvSpPr txBox="1"/>
+            <a:endParaRPr b="0" lang="hu-HU" sz="1800" spc="-1" strike="noStrike">
+              <a:solidFill>
+                <a:srgbClr val="000000"/>
+              </a:solidFill>
+              <a:uFill>
+                <a:solidFill>
+                  <a:srgbClr val="ffffff"/>
+                </a:solidFill>
+              </a:uFill>
+              <a:latin typeface="Arial"/>
+            </a:endParaRPr>
+          </a:p>
+        </p:txBody>
+      </p:sp>
+      <p:sp>
+        <p:nvSpPr>
+          <p:cNvPr id="75" name="CustomShape 2"/>
+          <p:cNvSpPr/>
           <p:nvPr/>
         </p:nvSpPr>
         <p:spPr>
           <a:xfrm>
             <a:off x="504000" y="1769040"/>
-            <a:ext cx="9071640" cy="4384440"/>
+            <a:ext cx="9071280" cy="4384080"/>
           </a:xfrm>
           <a:prstGeom prst="rect">
             <a:avLst/>
@@ -2879,10 +4616,19 @@
             <a:noFill/>
           </a:ln>
         </p:spPr>
+        <p:style>
+          <a:lnRef idx="0"/>
+          <a:fillRef idx="0"/>
+          <a:effectRef idx="0"/>
+          <a:fontRef idx="minor"/>
+        </p:style>
         <p:txBody>
           <a:bodyPr lIns="0" rIns="0" tIns="0" bIns="0"/>
           <a:p>
-            <a:pPr marL="432000" indent="-324000">
+            <a:pPr marL="432000" indent="-323640">
+              <a:lnSpc>
+                <a:spcPct val="100000"/>
+              </a:lnSpc>
               <a:buClr>
                 <a:srgbClr val="000000"/>
               </a:buClr>
@@ -2904,20 +4650,23 @@
               </a:rPr>
               <a:t>Dátum és idő kiválasztása</a:t>
             </a:r>
-            <a:endParaRPr b="0" lang="hu-HU" sz="3200" spc="-1" strike="noStrike">
-              <a:solidFill>
-                <a:srgbClr val="000000"/>
-              </a:solidFill>
-              <a:uFill>
-                <a:solidFill>
-                  <a:srgbClr val="ffffff"/>
-                </a:solidFill>
-              </a:uFill>
-              <a:latin typeface="Arial"/>
-            </a:endParaRPr>
-          </a:p>
-          <a:p>
-            <a:pPr marL="432000" indent="-324000">
+            <a:endParaRPr b="0" lang="hu-HU" sz="1800" spc="-1" strike="noStrike">
+              <a:solidFill>
+                <a:srgbClr val="000000"/>
+              </a:solidFill>
+              <a:uFill>
+                <a:solidFill>
+                  <a:srgbClr val="ffffff"/>
+                </a:solidFill>
+              </a:uFill>
+              <a:latin typeface="Arial"/>
+            </a:endParaRPr>
+          </a:p>
+          <a:p>
+            <a:pPr marL="432000" indent="-323640">
+              <a:lnSpc>
+                <a:spcPct val="100000"/>
+              </a:lnSpc>
               <a:buClr>
                 <a:srgbClr val="000000"/>
               </a:buClr>
@@ -2939,20 +4688,23 @@
               </a:rPr>
               <a:t>Intervallum kiválasztása</a:t>
             </a:r>
-            <a:endParaRPr b="0" lang="hu-HU" sz="3200" spc="-1" strike="noStrike">
-              <a:solidFill>
-                <a:srgbClr val="000000"/>
-              </a:solidFill>
-              <a:uFill>
-                <a:solidFill>
-                  <a:srgbClr val="ffffff"/>
-                </a:solidFill>
-              </a:uFill>
-              <a:latin typeface="Arial"/>
-            </a:endParaRPr>
-          </a:p>
-          <a:p>
-            <a:pPr marL="432000" indent="-324000">
+            <a:endParaRPr b="0" lang="hu-HU" sz="1800" spc="-1" strike="noStrike">
+              <a:solidFill>
+                <a:srgbClr val="000000"/>
+              </a:solidFill>
+              <a:uFill>
+                <a:solidFill>
+                  <a:srgbClr val="ffffff"/>
+                </a:solidFill>
+              </a:uFill>
+              <a:latin typeface="Arial"/>
+            </a:endParaRPr>
+          </a:p>
+          <a:p>
+            <a:pPr marL="432000" indent="-323640">
+              <a:lnSpc>
+                <a:spcPct val="100000"/>
+              </a:lnSpc>
               <a:buClr>
                 <a:srgbClr val="000000"/>
               </a:buClr>
@@ -2974,20 +4726,23 @@
               </a:rPr>
               <a:t> </a:t>
             </a:r>
-            <a:endParaRPr b="0" lang="hu-HU" sz="3200" spc="-1" strike="noStrike">
-              <a:solidFill>
-                <a:srgbClr val="000000"/>
-              </a:solidFill>
-              <a:uFill>
-                <a:solidFill>
-                  <a:srgbClr val="ffffff"/>
-                </a:solidFill>
-              </a:uFill>
-              <a:latin typeface="Arial"/>
-            </a:endParaRPr>
-          </a:p>
-          <a:p>
-            <a:pPr marL="432000" indent="-324000">
+            <a:endParaRPr b="0" lang="hu-HU" sz="1800" spc="-1" strike="noStrike">
+              <a:solidFill>
+                <a:srgbClr val="000000"/>
+              </a:solidFill>
+              <a:uFill>
+                <a:solidFill>
+                  <a:srgbClr val="ffffff"/>
+                </a:solidFill>
+              </a:uFill>
+              <a:latin typeface="Arial"/>
+            </a:endParaRPr>
+          </a:p>
+          <a:p>
+            <a:pPr marL="432000" indent="-323640">
+              <a:lnSpc>
+                <a:spcPct val="100000"/>
+              </a:lnSpc>
               <a:buClr>
                 <a:srgbClr val="000000"/>
               </a:buClr>
@@ -3009,20 +4764,23 @@
               </a:rPr>
               <a:t>Natív JavaScript (TypeScript)</a:t>
             </a:r>
-            <a:endParaRPr b="0" lang="hu-HU" sz="3200" spc="-1" strike="noStrike">
-              <a:solidFill>
-                <a:srgbClr val="000000"/>
-              </a:solidFill>
-              <a:uFill>
-                <a:solidFill>
-                  <a:srgbClr val="ffffff"/>
-                </a:solidFill>
-              </a:uFill>
-              <a:latin typeface="Arial"/>
-            </a:endParaRPr>
-          </a:p>
-          <a:p>
-            <a:pPr marL="432000" indent="-324000">
+            <a:endParaRPr b="0" lang="hu-HU" sz="1800" spc="-1" strike="noStrike">
+              <a:solidFill>
+                <a:srgbClr val="000000"/>
+              </a:solidFill>
+              <a:uFill>
+                <a:solidFill>
+                  <a:srgbClr val="ffffff"/>
+                </a:solidFill>
+              </a:uFill>
+              <a:latin typeface="Arial"/>
+            </a:endParaRPr>
+          </a:p>
+          <a:p>
+            <a:pPr marL="432000" indent="-323640">
+              <a:lnSpc>
+                <a:spcPct val="100000"/>
+              </a:lnSpc>
               <a:buClr>
                 <a:srgbClr val="000000"/>
               </a:buClr>
@@ -3044,20 +4802,23 @@
               </a:rPr>
               <a:t>Külső fügőség nélkül</a:t>
             </a:r>
-            <a:endParaRPr b="0" lang="hu-HU" sz="3200" spc="-1" strike="noStrike">
-              <a:solidFill>
-                <a:srgbClr val="000000"/>
-              </a:solidFill>
-              <a:uFill>
-                <a:solidFill>
-                  <a:srgbClr val="ffffff"/>
-                </a:solidFill>
-              </a:uFill>
-              <a:latin typeface="Arial"/>
-            </a:endParaRPr>
-          </a:p>
-          <a:p>
-            <a:pPr marL="432000" indent="-324000">
+            <a:endParaRPr b="0" lang="hu-HU" sz="1800" spc="-1" strike="noStrike">
+              <a:solidFill>
+                <a:srgbClr val="000000"/>
+              </a:solidFill>
+              <a:uFill>
+                <a:solidFill>
+                  <a:srgbClr val="ffffff"/>
+                </a:solidFill>
+              </a:uFill>
+              <a:latin typeface="Arial"/>
+            </a:endParaRPr>
+          </a:p>
+          <a:p>
+            <a:pPr marL="432000" indent="-323640">
+              <a:lnSpc>
+                <a:spcPct val="100000"/>
+              </a:lnSpc>
               <a:buClr>
                 <a:srgbClr val="000000"/>
               </a:buClr>
@@ -3079,7 +4840,7 @@
               </a:rPr>
               <a:t>Integráció keretrendszerekbe</a:t>
             </a:r>
-            <a:endParaRPr b="0" lang="hu-HU" sz="3200" spc="-1" strike="noStrike">
+            <a:endParaRPr b="0" lang="hu-HU" sz="1800" spc="-1" strike="noStrike">
               <a:solidFill>
                 <a:srgbClr val="000000"/>
               </a:solidFill>
@@ -3095,7 +4856,7 @@
       </p:sp>
       <p:pic>
         <p:nvPicPr>
-          <p:cNvPr id="43" name="" descr=""/>
+          <p:cNvPr id="76" name="" descr=""/>
           <p:cNvPicPr/>
           <p:nvPr/>
         </p:nvPicPr>
@@ -3105,8 +4866,8 @@
         </p:blipFill>
         <p:spPr>
           <a:xfrm>
-            <a:off x="5039280" y="2808000"/>
-            <a:ext cx="4464720" cy="792000"/>
+            <a:off x="4679640" y="5256360"/>
+            <a:ext cx="4464360" cy="791640"/>
           </a:xfrm>
           <a:prstGeom prst="rect">
             <a:avLst/>
@@ -3167,14 +4928,14 @@
       </p:grpSpPr>
       <p:sp>
         <p:nvSpPr>
-          <p:cNvPr id="44" name="TextShape 1"/>
-          <p:cNvSpPr txBox="1"/>
+          <p:cNvPr id="77" name="CustomShape 1"/>
+          <p:cNvSpPr/>
           <p:nvPr/>
         </p:nvSpPr>
         <p:spPr>
           <a:xfrm>
             <a:off x="504000" y="301320"/>
-            <a:ext cx="9071640" cy="1262160"/>
+            <a:ext cx="9071280" cy="1261800"/>
           </a:xfrm>
           <a:prstGeom prst="rect">
             <a:avLst/>
@@ -3184,10 +4945,20 @@
             <a:noFill/>
           </a:ln>
         </p:spPr>
+        <p:style>
+          <a:lnRef idx="0"/>
+          <a:fillRef idx="0"/>
+          <a:effectRef idx="0"/>
+          <a:fontRef idx="minor"/>
+        </p:style>
         <p:txBody>
           <a:bodyPr lIns="0" rIns="0" tIns="0" bIns="0" anchor="ctr"/>
           <a:p>
-            <a:pPr algn="ctr"/>
+            <a:pPr algn="ctr">
+              <a:lnSpc>
+                <a:spcPct val="100000"/>
+              </a:lnSpc>
+            </a:pPr>
             <a:r>
               <a:rPr b="0" lang="hu-HU" sz="4400" spc="-1" strike="noStrike">
                 <a:solidFill>
@@ -3202,30 +4973,30 @@
               </a:rPr>
               <a:t>Tesztelés</a:t>
             </a:r>
-            <a:endParaRPr b="0" lang="hu-HU" sz="4400" spc="-1" strike="noStrike">
-              <a:solidFill>
-                <a:srgbClr val="000000"/>
-              </a:solidFill>
-              <a:uFill>
-                <a:solidFill>
-                  <a:srgbClr val="ffffff"/>
-                </a:solidFill>
-              </a:uFill>
-              <a:latin typeface="Arial"/>
-            </a:endParaRPr>
-          </a:p>
-        </p:txBody>
-      </p:sp>
-      <p:sp>
-        <p:nvSpPr>
-          <p:cNvPr id="45" name="TextShape 2"/>
-          <p:cNvSpPr txBox="1"/>
+            <a:endParaRPr b="0" lang="hu-HU" sz="1800" spc="-1" strike="noStrike">
+              <a:solidFill>
+                <a:srgbClr val="000000"/>
+              </a:solidFill>
+              <a:uFill>
+                <a:solidFill>
+                  <a:srgbClr val="ffffff"/>
+                </a:solidFill>
+              </a:uFill>
+              <a:latin typeface="Arial"/>
+            </a:endParaRPr>
+          </a:p>
+        </p:txBody>
+      </p:sp>
+      <p:sp>
+        <p:nvSpPr>
+          <p:cNvPr id="78" name="CustomShape 2"/>
+          <p:cNvSpPr/>
           <p:nvPr/>
         </p:nvSpPr>
         <p:spPr>
           <a:xfrm>
             <a:off x="504000" y="1769040"/>
-            <a:ext cx="9071640" cy="4384440"/>
+            <a:ext cx="9071280" cy="4384080"/>
           </a:xfrm>
           <a:prstGeom prst="rect">
             <a:avLst/>
@@ -3235,10 +5006,19 @@
             <a:noFill/>
           </a:ln>
         </p:spPr>
+        <p:style>
+          <a:lnRef idx="0"/>
+          <a:fillRef idx="0"/>
+          <a:effectRef idx="0"/>
+          <a:fontRef idx="minor"/>
+        </p:style>
         <p:txBody>
           <a:bodyPr lIns="0" rIns="0" tIns="0" bIns="0"/>
           <a:p>
-            <a:pPr marL="432000" indent="-324000">
+            <a:pPr marL="432000" indent="-323640">
+              <a:lnSpc>
+                <a:spcPct val="100000"/>
+              </a:lnSpc>
               <a:buClr>
                 <a:srgbClr val="000000"/>
               </a:buClr>
@@ -3260,20 +5040,23 @@
               </a:rPr>
               <a:t>TDD alapokon</a:t>
             </a:r>
-            <a:endParaRPr b="0" lang="hu-HU" sz="3200" spc="-1" strike="noStrike">
-              <a:solidFill>
-                <a:srgbClr val="000000"/>
-              </a:solidFill>
-              <a:uFill>
-                <a:solidFill>
-                  <a:srgbClr val="ffffff"/>
-                </a:solidFill>
-              </a:uFill>
-              <a:latin typeface="Arial"/>
-            </a:endParaRPr>
-          </a:p>
-          <a:p>
-            <a:pPr marL="432000" indent="-324000">
+            <a:endParaRPr b="0" lang="hu-HU" sz="1800" spc="-1" strike="noStrike">
+              <a:solidFill>
+                <a:srgbClr val="000000"/>
+              </a:solidFill>
+              <a:uFill>
+                <a:solidFill>
+                  <a:srgbClr val="ffffff"/>
+                </a:solidFill>
+              </a:uFill>
+              <a:latin typeface="Arial"/>
+            </a:endParaRPr>
+          </a:p>
+          <a:p>
+            <a:pPr marL="432000" indent="-323640">
+              <a:lnSpc>
+                <a:spcPct val="100000"/>
+              </a:lnSpc>
               <a:buClr>
                 <a:srgbClr val="000000"/>
               </a:buClr>
@@ -3295,25 +5078,28 @@
               </a:rPr>
               <a:t>Unit és integrációs tesztek</a:t>
             </a:r>
-            <a:endParaRPr b="0" lang="hu-HU" sz="3200" spc="-1" strike="noStrike">
-              <a:solidFill>
-                <a:srgbClr val="000000"/>
-              </a:solidFill>
-              <a:uFill>
-                <a:solidFill>
-                  <a:srgbClr val="ffffff"/>
-                </a:solidFill>
-              </a:uFill>
-              <a:latin typeface="Arial"/>
-            </a:endParaRPr>
-          </a:p>
-          <a:p>
-            <a:pPr lvl="1" marL="864000" indent="-324000">
+            <a:endParaRPr b="0" lang="hu-HU" sz="1800" spc="-1" strike="noStrike">
+              <a:solidFill>
+                <a:srgbClr val="000000"/>
+              </a:solidFill>
+              <a:uFill>
+                <a:solidFill>
+                  <a:srgbClr val="ffffff"/>
+                </a:solidFill>
+              </a:uFill>
+              <a:latin typeface="Arial"/>
+            </a:endParaRPr>
+          </a:p>
+          <a:p>
+            <a:pPr lvl="1" marL="864000" indent="-323640">
+              <a:lnSpc>
+                <a:spcPct val="100000"/>
+              </a:lnSpc>
               <a:buClr>
                 <a:srgbClr val="000000"/>
               </a:buClr>
               <a:buSzPct val="75000"/>
-              <a:buFont typeface="Symbol" charset="2"/>
+              <a:buFont typeface="Symbol"/>
               <a:buChar char=""/>
             </a:pPr>
             <a:r>
@@ -3330,25 +5116,28 @@
               </a:rPr>
               <a:t>Parserek</a:t>
             </a:r>
-            <a:endParaRPr b="0" lang="hu-HU" sz="2800" spc="-1" strike="noStrike">
-              <a:solidFill>
-                <a:srgbClr val="000000"/>
-              </a:solidFill>
-              <a:uFill>
-                <a:solidFill>
-                  <a:srgbClr val="ffffff"/>
-                </a:solidFill>
-              </a:uFill>
-              <a:latin typeface="Arial"/>
-            </a:endParaRPr>
-          </a:p>
-          <a:p>
-            <a:pPr lvl="1" marL="864000" indent="-324000">
+            <a:endParaRPr b="0" lang="hu-HU" sz="1800" spc="-1" strike="noStrike">
+              <a:solidFill>
+                <a:srgbClr val="000000"/>
+              </a:solidFill>
+              <a:uFill>
+                <a:solidFill>
+                  <a:srgbClr val="ffffff"/>
+                </a:solidFill>
+              </a:uFill>
+              <a:latin typeface="Arial"/>
+            </a:endParaRPr>
+          </a:p>
+          <a:p>
+            <a:pPr lvl="1" marL="864000" indent="-323640">
+              <a:lnSpc>
+                <a:spcPct val="100000"/>
+              </a:lnSpc>
               <a:buClr>
                 <a:srgbClr val="000000"/>
               </a:buClr>
               <a:buSzPct val="75000"/>
-              <a:buFont typeface="Symbol" charset="2"/>
+              <a:buFont typeface="Symbol"/>
               <a:buChar char=""/>
             </a:pPr>
             <a:r>
@@ -3365,25 +5154,28 @@
               </a:rPr>
               <a:t>Formatterek</a:t>
             </a:r>
-            <a:endParaRPr b="0" lang="hu-HU" sz="2800" spc="-1" strike="noStrike">
-              <a:solidFill>
-                <a:srgbClr val="000000"/>
-              </a:solidFill>
-              <a:uFill>
-                <a:solidFill>
-                  <a:srgbClr val="ffffff"/>
-                </a:solidFill>
-              </a:uFill>
-              <a:latin typeface="Arial"/>
-            </a:endParaRPr>
-          </a:p>
-          <a:p>
-            <a:pPr lvl="1" marL="864000" indent="-324000">
+            <a:endParaRPr b="0" lang="hu-HU" sz="1800" spc="-1" strike="noStrike">
+              <a:solidFill>
+                <a:srgbClr val="000000"/>
+              </a:solidFill>
+              <a:uFill>
+                <a:solidFill>
+                  <a:srgbClr val="ffffff"/>
+                </a:solidFill>
+              </a:uFill>
+              <a:latin typeface="Arial"/>
+            </a:endParaRPr>
+          </a:p>
+          <a:p>
+            <a:pPr lvl="1" marL="864000" indent="-323640">
+              <a:lnSpc>
+                <a:spcPct val="100000"/>
+              </a:lnSpc>
               <a:buClr>
                 <a:srgbClr val="000000"/>
               </a:buClr>
               <a:buSzPct val="75000"/>
-              <a:buFont typeface="Symbol" charset="2"/>
+              <a:buFont typeface="Symbol"/>
               <a:buChar char=""/>
             </a:pPr>
             <a:r>
@@ -3400,25 +5192,28 @@
               </a:rPr>
               <a:t>Belső modell</a:t>
             </a:r>
-            <a:endParaRPr b="0" lang="hu-HU" sz="2800" spc="-1" strike="noStrike">
-              <a:solidFill>
-                <a:srgbClr val="000000"/>
-              </a:solidFill>
-              <a:uFill>
-                <a:solidFill>
-                  <a:srgbClr val="ffffff"/>
-                </a:solidFill>
-              </a:uFill>
-              <a:latin typeface="Arial"/>
-            </a:endParaRPr>
-          </a:p>
-          <a:p>
-            <a:pPr lvl="1" marL="864000" indent="-324000">
+            <a:endParaRPr b="0" lang="hu-HU" sz="1800" spc="-1" strike="noStrike">
+              <a:solidFill>
+                <a:srgbClr val="000000"/>
+              </a:solidFill>
+              <a:uFill>
+                <a:solidFill>
+                  <a:srgbClr val="ffffff"/>
+                </a:solidFill>
+              </a:uFill>
+              <a:latin typeface="Arial"/>
+            </a:endParaRPr>
+          </a:p>
+          <a:p>
+            <a:pPr lvl="1" marL="864000" indent="-323640">
+              <a:lnSpc>
+                <a:spcPct val="100000"/>
+              </a:lnSpc>
               <a:buClr>
                 <a:srgbClr val="000000"/>
               </a:buClr>
               <a:buSzPct val="75000"/>
-              <a:buFont typeface="Symbol" charset="2"/>
+              <a:buFont typeface="Symbol"/>
               <a:buChar char=""/>
             </a:pPr>
             <a:r>
@@ -3435,7 +5230,7 @@
               </a:rPr>
               <a:t>Dátumok összehasonlítása</a:t>
             </a:r>
-            <a:endParaRPr b="0" lang="hu-HU" sz="2800" spc="-1" strike="noStrike">
+            <a:endParaRPr b="0" lang="hu-HU" sz="1800" spc="-1" strike="noStrike">
               <a:solidFill>
                 <a:srgbClr val="000000"/>
               </a:solidFill>
@@ -3500,14 +5295,14 @@
       </p:grpSpPr>
       <p:sp>
         <p:nvSpPr>
-          <p:cNvPr id="46" name="TextShape 1"/>
-          <p:cNvSpPr txBox="1"/>
+          <p:cNvPr id="79" name="CustomShape 1"/>
+          <p:cNvSpPr/>
           <p:nvPr/>
         </p:nvSpPr>
         <p:spPr>
           <a:xfrm>
             <a:off x="504000" y="301320"/>
-            <a:ext cx="9071640" cy="1262160"/>
+            <a:ext cx="9071280" cy="1261800"/>
           </a:xfrm>
           <a:prstGeom prst="rect">
             <a:avLst/>
@@ -3517,10 +5312,20 @@
             <a:noFill/>
           </a:ln>
         </p:spPr>
+        <p:style>
+          <a:lnRef idx="0"/>
+          <a:fillRef idx="0"/>
+          <a:effectRef idx="0"/>
+          <a:fontRef idx="minor"/>
+        </p:style>
         <p:txBody>
           <a:bodyPr lIns="0" rIns="0" tIns="0" bIns="0" anchor="ctr"/>
           <a:p>
-            <a:pPr algn="ctr"/>
+            <a:pPr algn="ctr">
+              <a:lnSpc>
+                <a:spcPct val="100000"/>
+              </a:lnSpc>
+            </a:pPr>
             <a:r>
               <a:rPr b="0" lang="hu-HU" sz="4400" spc="-1" strike="noStrike">
                 <a:solidFill>
@@ -3533,32 +5338,32 @@
                 </a:uFill>
                 <a:latin typeface="Arial"/>
               </a:rPr>
-              <a:t>Keret</a:t>
-            </a:r>
-            <a:endParaRPr b="0" lang="hu-HU" sz="4400" spc="-1" strike="noStrike">
-              <a:solidFill>
-                <a:srgbClr val="000000"/>
-              </a:solidFill>
-              <a:uFill>
-                <a:solidFill>
-                  <a:srgbClr val="ffffff"/>
-                </a:solidFill>
-              </a:uFill>
-              <a:latin typeface="Arial"/>
-            </a:endParaRPr>
-          </a:p>
-        </p:txBody>
-      </p:sp>
-      <p:sp>
-        <p:nvSpPr>
-          <p:cNvPr id="47" name="TextShape 2"/>
-          <p:cNvSpPr txBox="1"/>
+              <a:t>Komponens</a:t>
+            </a:r>
+            <a:endParaRPr b="0" lang="hu-HU" sz="1800" spc="-1" strike="noStrike">
+              <a:solidFill>
+                <a:srgbClr val="000000"/>
+              </a:solidFill>
+              <a:uFill>
+                <a:solidFill>
+                  <a:srgbClr val="ffffff"/>
+                </a:solidFill>
+              </a:uFill>
+              <a:latin typeface="Arial"/>
+            </a:endParaRPr>
+          </a:p>
+        </p:txBody>
+      </p:sp>
+      <p:sp>
+        <p:nvSpPr>
+          <p:cNvPr id="80" name="CustomShape 2"/>
+          <p:cNvSpPr/>
           <p:nvPr/>
         </p:nvSpPr>
         <p:spPr>
           <a:xfrm>
             <a:off x="504000" y="1769040"/>
-            <a:ext cx="9071640" cy="4384440"/>
+            <a:ext cx="9071280" cy="4384080"/>
           </a:xfrm>
           <a:prstGeom prst="rect">
             <a:avLst/>
@@ -3568,10 +5373,19 @@
             <a:noFill/>
           </a:ln>
         </p:spPr>
+        <p:style>
+          <a:lnRef idx="0"/>
+          <a:fillRef idx="0"/>
+          <a:effectRef idx="0"/>
+          <a:fontRef idx="minor"/>
+        </p:style>
         <p:txBody>
           <a:bodyPr lIns="0" rIns="0" tIns="0" bIns="0"/>
           <a:p>
-            <a:pPr marL="432000" indent="-324000">
+            <a:pPr marL="432000" indent="-323640">
+              <a:lnSpc>
+                <a:spcPct val="100000"/>
+              </a:lnSpc>
               <a:buClr>
                 <a:srgbClr val="000000"/>
               </a:buClr>
@@ -3593,25 +5407,28 @@
               </a:rPr>
               <a:t>Külső adatforrás, belső modell</a:t>
             </a:r>
-            <a:endParaRPr b="0" lang="hu-HU" sz="3200" spc="-1" strike="noStrike">
-              <a:solidFill>
-                <a:srgbClr val="000000"/>
-              </a:solidFill>
-              <a:uFill>
-                <a:solidFill>
-                  <a:srgbClr val="ffffff"/>
-                </a:solidFill>
-              </a:uFill>
-              <a:latin typeface="Arial"/>
-            </a:endParaRPr>
-          </a:p>
-          <a:p>
-            <a:pPr lvl="1" marL="864000" indent="-324000">
+            <a:endParaRPr b="0" lang="hu-HU" sz="1800" spc="-1" strike="noStrike">
+              <a:solidFill>
+                <a:srgbClr val="000000"/>
+              </a:solidFill>
+              <a:uFill>
+                <a:solidFill>
+                  <a:srgbClr val="ffffff"/>
+                </a:solidFill>
+              </a:uFill>
+              <a:latin typeface="Arial"/>
+            </a:endParaRPr>
+          </a:p>
+          <a:p>
+            <a:pPr lvl="1" marL="864000" indent="-323640">
+              <a:lnSpc>
+                <a:spcPct val="100000"/>
+              </a:lnSpc>
               <a:buClr>
                 <a:srgbClr val="000000"/>
               </a:buClr>
               <a:buSzPct val="75000"/>
-              <a:buFont typeface="Symbol" charset="2"/>
+              <a:buFont typeface="Symbol"/>
               <a:buChar char=""/>
             </a:pPr>
             <a:r>
@@ -3628,20 +5445,23 @@
               </a:rPr>
               <a:t>Parsing, formatting</a:t>
             </a:r>
-            <a:endParaRPr b="0" lang="hu-HU" sz="2800" spc="-1" strike="noStrike">
-              <a:solidFill>
-                <a:srgbClr val="000000"/>
-              </a:solidFill>
-              <a:uFill>
-                <a:solidFill>
-                  <a:srgbClr val="ffffff"/>
-                </a:solidFill>
-              </a:uFill>
-              <a:latin typeface="Arial"/>
-            </a:endParaRPr>
-          </a:p>
-          <a:p>
-            <a:pPr lvl="2" marL="1296000" indent="-288000">
+            <a:endParaRPr b="0" lang="hu-HU" sz="1800" spc="-1" strike="noStrike">
+              <a:solidFill>
+                <a:srgbClr val="000000"/>
+              </a:solidFill>
+              <a:uFill>
+                <a:solidFill>
+                  <a:srgbClr val="ffffff"/>
+                </a:solidFill>
+              </a:uFill>
+              <a:latin typeface="Arial"/>
+            </a:endParaRPr>
+          </a:p>
+          <a:p>
+            <a:pPr lvl="2" marL="1296000" indent="-287640">
+              <a:lnSpc>
+                <a:spcPct val="100000"/>
+              </a:lnSpc>
               <a:buClr>
                 <a:srgbClr val="000000"/>
               </a:buClr>
@@ -3663,20 +5483,23 @@
               </a:rPr>
               <a:t>Beépített (timestamp, Date, string format)</a:t>
             </a:r>
-            <a:endParaRPr b="0" lang="hu-HU" sz="2400" spc="-1" strike="noStrike">
-              <a:solidFill>
-                <a:srgbClr val="000000"/>
-              </a:solidFill>
-              <a:uFill>
-                <a:solidFill>
-                  <a:srgbClr val="ffffff"/>
-                </a:solidFill>
-              </a:uFill>
-              <a:latin typeface="Arial"/>
-            </a:endParaRPr>
-          </a:p>
-          <a:p>
-            <a:pPr lvl="2" marL="1296000" indent="-288000">
+            <a:endParaRPr b="0" lang="hu-HU" sz="1800" spc="-1" strike="noStrike">
+              <a:solidFill>
+                <a:srgbClr val="000000"/>
+              </a:solidFill>
+              <a:uFill>
+                <a:solidFill>
+                  <a:srgbClr val="ffffff"/>
+                </a:solidFill>
+              </a:uFill>
+              <a:latin typeface="Arial"/>
+            </a:endParaRPr>
+          </a:p>
+          <a:p>
+            <a:pPr lvl="2" marL="1296000" indent="-287640">
+              <a:lnSpc>
+                <a:spcPct val="100000"/>
+              </a:lnSpc>
               <a:buClr>
                 <a:srgbClr val="000000"/>
               </a:buClr>
@@ -3698,20 +5521,23 @@
               </a:rPr>
               <a:t>Custom</a:t>
             </a:r>
-            <a:endParaRPr b="0" lang="hu-HU" sz="2400" spc="-1" strike="noStrike">
-              <a:solidFill>
-                <a:srgbClr val="000000"/>
-              </a:solidFill>
-              <a:uFill>
-                <a:solidFill>
-                  <a:srgbClr val="ffffff"/>
-                </a:solidFill>
-              </a:uFill>
-              <a:latin typeface="Arial"/>
-            </a:endParaRPr>
-          </a:p>
-          <a:p>
-            <a:pPr marL="432000" indent="-324000">
+            <a:endParaRPr b="0" lang="hu-HU" sz="1800" spc="-1" strike="noStrike">
+              <a:solidFill>
+                <a:srgbClr val="000000"/>
+              </a:solidFill>
+              <a:uFill>
+                <a:solidFill>
+                  <a:srgbClr val="ffffff"/>
+                </a:solidFill>
+              </a:uFill>
+              <a:latin typeface="Arial"/>
+            </a:endParaRPr>
+          </a:p>
+          <a:p>
+            <a:pPr marL="432000" indent="-323640">
+              <a:lnSpc>
+                <a:spcPct val="100000"/>
+              </a:lnSpc>
               <a:buClr>
                 <a:srgbClr val="000000"/>
               </a:buClr>
@@ -3733,25 +5559,28 @@
               </a:rPr>
               <a:t>Validáció</a:t>
             </a:r>
-            <a:endParaRPr b="0" lang="hu-HU" sz="3200" spc="-1" strike="noStrike">
-              <a:solidFill>
-                <a:srgbClr val="000000"/>
-              </a:solidFill>
-              <a:uFill>
-                <a:solidFill>
-                  <a:srgbClr val="ffffff"/>
-                </a:solidFill>
-              </a:uFill>
-              <a:latin typeface="Arial"/>
-            </a:endParaRPr>
-          </a:p>
-          <a:p>
-            <a:pPr lvl="1" marL="864000" indent="-324000">
+            <a:endParaRPr b="0" lang="hu-HU" sz="1800" spc="-1" strike="noStrike">
+              <a:solidFill>
+                <a:srgbClr val="000000"/>
+              </a:solidFill>
+              <a:uFill>
+                <a:solidFill>
+                  <a:srgbClr val="ffffff"/>
+                </a:solidFill>
+              </a:uFill>
+              <a:latin typeface="Arial"/>
+            </a:endParaRPr>
+          </a:p>
+          <a:p>
+            <a:pPr lvl="1" marL="864000" indent="-323640">
+              <a:lnSpc>
+                <a:spcPct val="100000"/>
+              </a:lnSpc>
               <a:buClr>
                 <a:srgbClr val="000000"/>
               </a:buClr>
               <a:buSzPct val="75000"/>
-              <a:buFont typeface="Symbol" charset="2"/>
+              <a:buFont typeface="Symbol"/>
               <a:buChar char=""/>
             </a:pPr>
             <a:r>
@@ -3768,25 +5597,28 @@
               </a:rPr>
               <a:t>Min, max, custom</a:t>
             </a:r>
-            <a:endParaRPr b="0" lang="hu-HU" sz="2800" spc="-1" strike="noStrike">
-              <a:solidFill>
-                <a:srgbClr val="000000"/>
-              </a:solidFill>
-              <a:uFill>
-                <a:solidFill>
-                  <a:srgbClr val="ffffff"/>
-                </a:solidFill>
-              </a:uFill>
-              <a:latin typeface="Arial"/>
-            </a:endParaRPr>
-          </a:p>
-          <a:p>
-            <a:pPr lvl="1" marL="864000" indent="-324000">
+            <a:endParaRPr b="0" lang="hu-HU" sz="1800" spc="-1" strike="noStrike">
+              <a:solidFill>
+                <a:srgbClr val="000000"/>
+              </a:solidFill>
+              <a:uFill>
+                <a:solidFill>
+                  <a:srgbClr val="ffffff"/>
+                </a:solidFill>
+              </a:uFill>
+              <a:latin typeface="Arial"/>
+            </a:endParaRPr>
+          </a:p>
+          <a:p>
+            <a:pPr lvl="1" marL="864000" indent="-323640">
+              <a:lnSpc>
+                <a:spcPct val="100000"/>
+              </a:lnSpc>
               <a:buClr>
                 <a:srgbClr val="000000"/>
               </a:buClr>
               <a:buSzPct val="75000"/>
-              <a:buFont typeface="Symbol" charset="2"/>
+              <a:buFont typeface="Symbol"/>
               <a:buChar char=""/>
             </a:pPr>
             <a:r>
@@ -3803,20 +5635,23 @@
               </a:rPr>
               <a:t>Intervallum, csak itt lehet</a:t>
             </a:r>
-            <a:endParaRPr b="0" lang="hu-HU" sz="2800" spc="-1" strike="noStrike">
-              <a:solidFill>
-                <a:srgbClr val="000000"/>
-              </a:solidFill>
-              <a:uFill>
-                <a:solidFill>
-                  <a:srgbClr val="ffffff"/>
-                </a:solidFill>
-              </a:uFill>
-              <a:latin typeface="Arial"/>
-            </a:endParaRPr>
-          </a:p>
-          <a:p>
-            <a:pPr marL="432000" indent="-324000">
+            <a:endParaRPr b="0" lang="hu-HU" sz="1800" spc="-1" strike="noStrike">
+              <a:solidFill>
+                <a:srgbClr val="000000"/>
+              </a:solidFill>
+              <a:uFill>
+                <a:solidFill>
+                  <a:srgbClr val="ffffff"/>
+                </a:solidFill>
+              </a:uFill>
+              <a:latin typeface="Arial"/>
+            </a:endParaRPr>
+          </a:p>
+          <a:p>
+            <a:pPr marL="432000" indent="-323640">
+              <a:lnSpc>
+                <a:spcPct val="100000"/>
+              </a:lnSpc>
               <a:buClr>
                 <a:srgbClr val="000000"/>
               </a:buClr>
@@ -3838,60 +5673,66 @@
               </a:rPr>
               <a:t>Eventek</a:t>
             </a:r>
-            <a:endParaRPr b="0" lang="hu-HU" sz="3200" spc="-1" strike="noStrike">
-              <a:solidFill>
-                <a:srgbClr val="000000"/>
-              </a:solidFill>
-              <a:uFill>
-                <a:solidFill>
-                  <a:srgbClr val="ffffff"/>
-                </a:solidFill>
-              </a:uFill>
-              <a:latin typeface="Arial"/>
-            </a:endParaRPr>
-          </a:p>
-          <a:p>
-            <a:pPr lvl="1" marL="864000" indent="-324000">
+            <a:endParaRPr b="0" lang="hu-HU" sz="1800" spc="-1" strike="noStrike">
+              <a:solidFill>
+                <a:srgbClr val="000000"/>
+              </a:solidFill>
+              <a:uFill>
+                <a:solidFill>
+                  <a:srgbClr val="ffffff"/>
+                </a:solidFill>
+              </a:uFill>
+              <a:latin typeface="Arial"/>
+            </a:endParaRPr>
+          </a:p>
+          <a:p>
+            <a:pPr lvl="1" marL="864000" indent="-323640">
+              <a:lnSpc>
+                <a:spcPct val="100000"/>
+              </a:lnSpc>
               <a:buClr>
                 <a:srgbClr val="000000"/>
               </a:buClr>
               <a:buSzPct val="75000"/>
-              <a:buFont typeface="Symbol" charset="2"/>
+              <a:buFont typeface="Symbol"/>
               <a:buChar char=""/>
             </a:pPr>
             <a:r>
-              <a:rPr b="0" lang="hu-HU" sz="2800" spc="-1" strike="noStrike">
-                <a:solidFill>
-                  <a:srgbClr val="000000"/>
-                </a:solidFill>
-                <a:uFill>
-                  <a:solidFill>
-                    <a:srgbClr val="ffffff"/>
-                  </a:solidFill>
-                </a:uFill>
-                <a:latin typeface="Arial"/>
-              </a:rPr>
-              <a:t>Érték változott</a:t>
-            </a:r>
-            <a:endParaRPr b="0" lang="hu-HU" sz="2800" spc="-1" strike="noStrike">
-              <a:solidFill>
-                <a:srgbClr val="000000"/>
-              </a:solidFill>
-              <a:uFill>
-                <a:solidFill>
-                  <a:srgbClr val="ffffff"/>
-                </a:solidFill>
-              </a:uFill>
-              <a:latin typeface="Arial"/>
-            </a:endParaRPr>
-          </a:p>
-          <a:p>
-            <a:pPr lvl="1" marL="864000" indent="-324000">
+              <a:rPr b="0" lang="hu-HU" sz="3200" spc="-1" strike="noStrike">
+                <a:solidFill>
+                  <a:srgbClr val="000000"/>
+                </a:solidFill>
+                <a:uFill>
+                  <a:solidFill>
+                    <a:srgbClr val="ffffff"/>
+                  </a:solidFill>
+                </a:uFill>
+                <a:latin typeface="Arial"/>
+              </a:rPr>
+              <a:t>Adatkötés support</a:t>
+            </a:r>
+            <a:endParaRPr b="0" lang="hu-HU" sz="1800" spc="-1" strike="noStrike">
+              <a:solidFill>
+                <a:srgbClr val="000000"/>
+              </a:solidFill>
+              <a:uFill>
+                <a:solidFill>
+                  <a:srgbClr val="ffffff"/>
+                </a:solidFill>
+              </a:uFill>
+              <a:latin typeface="Arial"/>
+            </a:endParaRPr>
+          </a:p>
+          <a:p>
+            <a:pPr lvl="1" marL="864000" indent="-323640">
+              <a:lnSpc>
+                <a:spcPct val="100000"/>
+              </a:lnSpc>
               <a:buClr>
                 <a:srgbClr val="000000"/>
               </a:buClr>
               <a:buSzPct val="75000"/>
-              <a:buFont typeface="Symbol" charset="2"/>
+              <a:buFont typeface="Symbol"/>
               <a:buChar char=""/>
             </a:pPr>
             <a:r>
@@ -3906,9 +5747,47 @@
                 </a:uFill>
                 <a:latin typeface="Arial"/>
               </a:rPr>
+              <a:t>Érték változott</a:t>
+            </a:r>
+            <a:endParaRPr b="0" lang="hu-HU" sz="1800" spc="-1" strike="noStrike">
+              <a:solidFill>
+                <a:srgbClr val="000000"/>
+              </a:solidFill>
+              <a:uFill>
+                <a:solidFill>
+                  <a:srgbClr val="ffffff"/>
+                </a:solidFill>
+              </a:uFill>
+              <a:latin typeface="Arial"/>
+            </a:endParaRPr>
+          </a:p>
+          <a:p>
+            <a:pPr lvl="1" marL="864000" indent="-323640">
+              <a:lnSpc>
+                <a:spcPct val="100000"/>
+              </a:lnSpc>
+              <a:buClr>
+                <a:srgbClr val="000000"/>
+              </a:buClr>
+              <a:buSzPct val="75000"/>
+              <a:buFont typeface="Symbol"/>
+              <a:buChar char=""/>
+            </a:pPr>
+            <a:r>
+              <a:rPr b="0" lang="hu-HU" sz="2800" spc="-1" strike="noStrike">
+                <a:solidFill>
+                  <a:srgbClr val="000000"/>
+                </a:solidFill>
+                <a:uFill>
+                  <a:solidFill>
+                    <a:srgbClr val="ffffff"/>
+                  </a:solidFill>
+                </a:uFill>
+                <a:latin typeface="Arial"/>
+              </a:rPr>
               <a:t>Egy-egy csúszka saját eventjei</a:t>
             </a:r>
-            <a:endParaRPr b="0" lang="hu-HU" sz="2800" spc="-1" strike="noStrike">
+            <a:endParaRPr b="0" lang="hu-HU" sz="1800" spc="-1" strike="noStrike">
               <a:solidFill>
                 <a:srgbClr val="000000"/>
               </a:solidFill>
@@ -3973,14 +5852,14 @@
       </p:grpSpPr>
       <p:sp>
         <p:nvSpPr>
-          <p:cNvPr id="48" name="TextShape 1"/>
-          <p:cNvSpPr txBox="1"/>
+          <p:cNvPr id="81" name="CustomShape 1"/>
+          <p:cNvSpPr/>
           <p:nvPr/>
         </p:nvSpPr>
         <p:spPr>
           <a:xfrm>
             <a:off x="504000" y="301320"/>
-            <a:ext cx="9071640" cy="1262160"/>
+            <a:ext cx="9071280" cy="1261800"/>
           </a:xfrm>
           <a:prstGeom prst="rect">
             <a:avLst/>
@@ -3990,10 +5869,20 @@
             <a:noFill/>
           </a:ln>
         </p:spPr>
+        <p:style>
+          <a:lnRef idx="0"/>
+          <a:fillRef idx="0"/>
+          <a:effectRef idx="0"/>
+          <a:fontRef idx="minor"/>
+        </p:style>
         <p:txBody>
           <a:bodyPr lIns="0" rIns="0" tIns="0" bIns="0" anchor="ctr"/>
           <a:p>
-            <a:pPr algn="ctr"/>
+            <a:pPr algn="ctr">
+              <a:lnSpc>
+                <a:spcPct val="100000"/>
+              </a:lnSpc>
+            </a:pPr>
             <a:r>
               <a:rPr b="0" lang="hu-HU" sz="4400" spc="-1" strike="noStrike">
                 <a:solidFill>
@@ -4008,30 +5897,30 @@
               </a:rPr>
               <a:t>Csúszka</a:t>
             </a:r>
-            <a:endParaRPr b="0" lang="hu-HU" sz="4400" spc="-1" strike="noStrike">
-              <a:solidFill>
-                <a:srgbClr val="000000"/>
-              </a:solidFill>
-              <a:uFill>
-                <a:solidFill>
-                  <a:srgbClr val="ffffff"/>
-                </a:solidFill>
-              </a:uFill>
-              <a:latin typeface="Arial"/>
-            </a:endParaRPr>
-          </a:p>
-        </p:txBody>
-      </p:sp>
-      <p:sp>
-        <p:nvSpPr>
-          <p:cNvPr id="49" name="TextShape 2"/>
-          <p:cNvSpPr txBox="1"/>
+            <a:endParaRPr b="0" lang="hu-HU" sz="1800" spc="-1" strike="noStrike">
+              <a:solidFill>
+                <a:srgbClr val="000000"/>
+              </a:solidFill>
+              <a:uFill>
+                <a:solidFill>
+                  <a:srgbClr val="ffffff"/>
+                </a:solidFill>
+              </a:uFill>
+              <a:latin typeface="Arial"/>
+            </a:endParaRPr>
+          </a:p>
+        </p:txBody>
+      </p:sp>
+      <p:sp>
+        <p:nvSpPr>
+          <p:cNvPr id="82" name="CustomShape 2"/>
+          <p:cNvSpPr/>
           <p:nvPr/>
         </p:nvSpPr>
         <p:spPr>
           <a:xfrm>
             <a:off x="504000" y="1769040"/>
-            <a:ext cx="9071640" cy="4384440"/>
+            <a:ext cx="9071280" cy="4384080"/>
           </a:xfrm>
           <a:prstGeom prst="rect">
             <a:avLst/>
@@ -4041,10 +5930,19 @@
             <a:noFill/>
           </a:ln>
         </p:spPr>
+        <p:style>
+          <a:lnRef idx="0"/>
+          <a:fillRef idx="0"/>
+          <a:effectRef idx="0"/>
+          <a:fontRef idx="minor"/>
+        </p:style>
         <p:txBody>
           <a:bodyPr lIns="0" rIns="0" tIns="0" bIns="0"/>
           <a:p>
-            <a:pPr marL="432000" indent="-324000">
+            <a:pPr marL="432000" indent="-323640">
+              <a:lnSpc>
+                <a:spcPct val="100000"/>
+              </a:lnSpc>
               <a:buClr>
                 <a:srgbClr val="000000"/>
               </a:buClr>
@@ -4066,20 +5964,23 @@
               </a:rPr>
               <a:t>Különböző csúszka típusok</a:t>
             </a:r>
-            <a:endParaRPr b="0" lang="hu-HU" sz="3200" spc="-1" strike="noStrike">
-              <a:solidFill>
-                <a:srgbClr val="000000"/>
-              </a:solidFill>
-              <a:uFill>
-                <a:solidFill>
-                  <a:srgbClr val="ffffff"/>
-                </a:solidFill>
-              </a:uFill>
-              <a:latin typeface="Arial"/>
-            </a:endParaRPr>
-          </a:p>
-          <a:p>
-            <a:pPr marL="432000" indent="-324000">
+            <a:endParaRPr b="0" lang="hu-HU" sz="1800" spc="-1" strike="noStrike">
+              <a:solidFill>
+                <a:srgbClr val="000000"/>
+              </a:solidFill>
+              <a:uFill>
+                <a:solidFill>
+                  <a:srgbClr val="ffffff"/>
+                </a:solidFill>
+              </a:uFill>
+              <a:latin typeface="Arial"/>
+            </a:endParaRPr>
+          </a:p>
+          <a:p>
+            <a:pPr marL="432000" indent="-323640">
+              <a:lnSpc>
+                <a:spcPct val="100000"/>
+              </a:lnSpc>
               <a:buClr>
                 <a:srgbClr val="000000"/>
               </a:buClr>
@@ -4101,20 +6002,23 @@
               </a:rPr>
               <a:t>Akármennyi csúszka lehet egy példányban</a:t>
             </a:r>
-            <a:endParaRPr b="0" lang="hu-HU" sz="3200" spc="-1" strike="noStrike">
-              <a:solidFill>
-                <a:srgbClr val="000000"/>
-              </a:solidFill>
-              <a:uFill>
-                <a:solidFill>
-                  <a:srgbClr val="ffffff"/>
-                </a:solidFill>
-              </a:uFill>
-              <a:latin typeface="Arial"/>
-            </a:endParaRPr>
-          </a:p>
-          <a:p>
-            <a:pPr marL="432000" indent="-324000">
+            <a:endParaRPr b="0" lang="hu-HU" sz="1800" spc="-1" strike="noStrike">
+              <a:solidFill>
+                <a:srgbClr val="000000"/>
+              </a:solidFill>
+              <a:uFill>
+                <a:solidFill>
+                  <a:srgbClr val="ffffff"/>
+                </a:solidFill>
+              </a:uFill>
+              <a:latin typeface="Arial"/>
+            </a:endParaRPr>
+          </a:p>
+          <a:p>
+            <a:pPr marL="432000" indent="-323640">
+              <a:lnSpc>
+                <a:spcPct val="100000"/>
+              </a:lnSpc>
               <a:buClr>
                 <a:srgbClr val="000000"/>
               </a:buClr>
@@ -4136,20 +6040,23 @@
               </a:rPr>
               <a:t>Belső modell egy intevallum</a:t>
             </a:r>
-            <a:endParaRPr b="0" lang="hu-HU" sz="3200" spc="-1" strike="noStrike">
-              <a:solidFill>
-                <a:srgbClr val="000000"/>
-              </a:solidFill>
-              <a:uFill>
-                <a:solidFill>
-                  <a:srgbClr val="ffffff"/>
-                </a:solidFill>
-              </a:uFill>
-              <a:latin typeface="Arial"/>
-            </a:endParaRPr>
-          </a:p>
-          <a:p>
-            <a:pPr marL="432000" indent="-324000">
+            <a:endParaRPr b="0" lang="hu-HU" sz="1800" spc="-1" strike="noStrike">
+              <a:solidFill>
+                <a:srgbClr val="000000"/>
+              </a:solidFill>
+              <a:uFill>
+                <a:solidFill>
+                  <a:srgbClr val="ffffff"/>
+                </a:solidFill>
+              </a:uFill>
+              <a:latin typeface="Arial"/>
+            </a:endParaRPr>
+          </a:p>
+          <a:p>
+            <a:pPr marL="432000" indent="-323640">
+              <a:lnSpc>
+                <a:spcPct val="100000"/>
+              </a:lnSpc>
               <a:buClr>
                 <a:srgbClr val="000000"/>
               </a:buClr>
@@ -4171,7 +6078,7 @@
               </a:rPr>
               <a:t>TODO kép valami csúszkáról</a:t>
             </a:r>
-            <a:endParaRPr b="0" lang="hu-HU" sz="3200" spc="-1" strike="noStrike">
+            <a:endParaRPr b="0" lang="hu-HU" sz="1800" spc="-1" strike="noStrike">
               <a:solidFill>
                 <a:srgbClr val="000000"/>
               </a:solidFill>
@@ -4236,14 +6143,14 @@
       </p:grpSpPr>
       <p:sp>
         <p:nvSpPr>
-          <p:cNvPr id="50" name="TextShape 1"/>
-          <p:cNvSpPr txBox="1"/>
+          <p:cNvPr id="83" name="CustomShape 1"/>
+          <p:cNvSpPr/>
           <p:nvPr/>
         </p:nvSpPr>
         <p:spPr>
           <a:xfrm>
             <a:off x="504000" y="301320"/>
-            <a:ext cx="9071640" cy="1262160"/>
+            <a:ext cx="9071280" cy="1261800"/>
           </a:xfrm>
           <a:prstGeom prst="rect">
             <a:avLst/>
@@ -4253,10 +6160,20 @@
             <a:noFill/>
           </a:ln>
         </p:spPr>
+        <p:style>
+          <a:lnRef idx="0"/>
+          <a:fillRef idx="0"/>
+          <a:effectRef idx="0"/>
+          <a:fontRef idx="minor"/>
+        </p:style>
         <p:txBody>
           <a:bodyPr lIns="0" rIns="0" tIns="0" bIns="0" anchor="ctr"/>
           <a:p>
-            <a:pPr algn="ctr"/>
+            <a:pPr algn="ctr">
+              <a:lnSpc>
+                <a:spcPct val="100000"/>
+              </a:lnSpc>
+            </a:pPr>
             <a:r>
               <a:rPr b="0" lang="hu-HU" sz="4400" spc="-1" strike="noStrike">
                 <a:solidFill>
@@ -4271,30 +6188,30 @@
               </a:rPr>
               <a:t>Csúszka felépítés, templatezés</a:t>
             </a:r>
-            <a:endParaRPr b="0" lang="hu-HU" sz="4400" spc="-1" strike="noStrike">
-              <a:solidFill>
-                <a:srgbClr val="000000"/>
-              </a:solidFill>
-              <a:uFill>
-                <a:solidFill>
-                  <a:srgbClr val="ffffff"/>
-                </a:solidFill>
-              </a:uFill>
-              <a:latin typeface="Arial"/>
-            </a:endParaRPr>
-          </a:p>
-        </p:txBody>
-      </p:sp>
-      <p:sp>
-        <p:nvSpPr>
-          <p:cNvPr id="51" name="TextShape 2"/>
-          <p:cNvSpPr txBox="1"/>
+            <a:endParaRPr b="0" lang="hu-HU" sz="1800" spc="-1" strike="noStrike">
+              <a:solidFill>
+                <a:srgbClr val="000000"/>
+              </a:solidFill>
+              <a:uFill>
+                <a:solidFill>
+                  <a:srgbClr val="ffffff"/>
+                </a:solidFill>
+              </a:uFill>
+              <a:latin typeface="Arial"/>
+            </a:endParaRPr>
+          </a:p>
+        </p:txBody>
+      </p:sp>
+      <p:sp>
+        <p:nvSpPr>
+          <p:cNvPr id="84" name="CustomShape 2"/>
+          <p:cNvSpPr/>
           <p:nvPr/>
         </p:nvSpPr>
         <p:spPr>
           <a:xfrm>
             <a:off x="504000" y="1769040"/>
-            <a:ext cx="9071640" cy="4384440"/>
+            <a:ext cx="9071280" cy="4384080"/>
           </a:xfrm>
           <a:prstGeom prst="rect">
             <a:avLst/>
@@ -4304,10 +6221,19 @@
             <a:noFill/>
           </a:ln>
         </p:spPr>
+        <p:style>
+          <a:lnRef idx="0"/>
+          <a:fillRef idx="0"/>
+          <a:effectRef idx="0"/>
+          <a:fontRef idx="minor"/>
+        </p:style>
         <p:txBody>
           <a:bodyPr lIns="0" rIns="0" tIns="0" bIns="0"/>
           <a:p>
-            <a:pPr marL="432000" indent="-324000">
+            <a:pPr marL="432000" indent="-323640">
+              <a:lnSpc>
+                <a:spcPct val="100000"/>
+              </a:lnSpc>
               <a:buClr>
                 <a:srgbClr val="000000"/>
               </a:buClr>
@@ -4329,25 +6255,28 @@
               </a:rPr>
               <a:t>Kezdő- és végpont</a:t>
             </a:r>
-            <a:endParaRPr b="0" lang="hu-HU" sz="3200" spc="-1" strike="noStrike">
-              <a:solidFill>
-                <a:srgbClr val="000000"/>
-              </a:solidFill>
-              <a:uFill>
-                <a:solidFill>
-                  <a:srgbClr val="ffffff"/>
-                </a:solidFill>
-              </a:uFill>
-              <a:latin typeface="Arial"/>
-            </a:endParaRPr>
-          </a:p>
-          <a:p>
-            <a:pPr lvl="1" marL="864000" indent="-324000">
+            <a:endParaRPr b="0" lang="hu-HU" sz="1800" spc="-1" strike="noStrike">
+              <a:solidFill>
+                <a:srgbClr val="000000"/>
+              </a:solidFill>
+              <a:uFill>
+                <a:solidFill>
+                  <a:srgbClr val="ffffff"/>
+                </a:solidFill>
+              </a:uFill>
+              <a:latin typeface="Arial"/>
+            </a:endParaRPr>
+          </a:p>
+          <a:p>
+            <a:pPr lvl="1" marL="864000" indent="-323640">
+              <a:lnSpc>
+                <a:spcPct val="100000"/>
+              </a:lnSpc>
               <a:buClr>
                 <a:srgbClr val="000000"/>
               </a:buClr>
               <a:buSzPct val="75000"/>
-              <a:buFont typeface="Symbol" charset="2"/>
+              <a:buFont typeface="Symbol"/>
               <a:buChar char=""/>
             </a:pPr>
             <a:r>
@@ -4364,25 +6293,28 @@
               </a:rPr>
               <a:t>Köztük kifeszített szakasz</a:t>
             </a:r>
-            <a:endParaRPr b="0" lang="hu-HU" sz="2800" spc="-1" strike="noStrike">
-              <a:solidFill>
-                <a:srgbClr val="000000"/>
-              </a:solidFill>
-              <a:uFill>
-                <a:solidFill>
-                  <a:srgbClr val="ffffff"/>
-                </a:solidFill>
-              </a:uFill>
-              <a:latin typeface="Arial"/>
-            </a:endParaRPr>
-          </a:p>
-          <a:p>
-            <a:pPr lvl="1" marL="864000" indent="-324000">
+            <a:endParaRPr b="0" lang="hu-HU" sz="1800" spc="-1" strike="noStrike">
+              <a:solidFill>
+                <a:srgbClr val="000000"/>
+              </a:solidFill>
+              <a:uFill>
+                <a:solidFill>
+                  <a:srgbClr val="ffffff"/>
+                </a:solidFill>
+              </a:uFill>
+              <a:latin typeface="Arial"/>
+            </a:endParaRPr>
+          </a:p>
+          <a:p>
+            <a:pPr lvl="1" marL="864000" indent="-323640">
+              <a:lnSpc>
+                <a:spcPct val="100000"/>
+              </a:lnSpc>
               <a:buClr>
                 <a:srgbClr val="000000"/>
               </a:buClr>
               <a:buSzPct val="75000"/>
-              <a:buFont typeface="Symbol" charset="2"/>
+              <a:buFont typeface="Symbol"/>
               <a:buChar char=""/>
             </a:pPr>
             <a:r>
@@ -4399,25 +6331,28 @@
               </a:rPr>
               <a:t>Fogantyú az érték változtatására</a:t>
             </a:r>
-            <a:endParaRPr b="0" lang="hu-HU" sz="2800" spc="-1" strike="noStrike">
-              <a:solidFill>
-                <a:srgbClr val="000000"/>
-              </a:solidFill>
-              <a:uFill>
-                <a:solidFill>
-                  <a:srgbClr val="ffffff"/>
-                </a:solidFill>
-              </a:uFill>
-              <a:latin typeface="Arial"/>
-            </a:endParaRPr>
-          </a:p>
-          <a:p>
-            <a:pPr lvl="1" marL="864000" indent="-324000">
+            <a:endParaRPr b="0" lang="hu-HU" sz="1800" spc="-1" strike="noStrike">
+              <a:solidFill>
+                <a:srgbClr val="000000"/>
+              </a:solidFill>
+              <a:uFill>
+                <a:solidFill>
+                  <a:srgbClr val="ffffff"/>
+                </a:solidFill>
+              </a:uFill>
+              <a:latin typeface="Arial"/>
+            </a:endParaRPr>
+          </a:p>
+          <a:p>
+            <a:pPr lvl="1" marL="864000" indent="-323640">
+              <a:lnSpc>
+                <a:spcPct val="100000"/>
+              </a:lnSpc>
               <a:buClr>
                 <a:srgbClr val="000000"/>
               </a:buClr>
               <a:buSzPct val="75000"/>
-              <a:buFont typeface="Symbol" charset="2"/>
+              <a:buFont typeface="Symbol"/>
               <a:buChar char=""/>
             </a:pPr>
             <a:r>
@@ -4434,20 +6369,23 @@
               </a:rPr>
               <a:t>Bármilyen szögben álló csúszka supportált</a:t>
             </a:r>
-            <a:endParaRPr b="0" lang="hu-HU" sz="2800" spc="-1" strike="noStrike">
-              <a:solidFill>
-                <a:srgbClr val="000000"/>
-              </a:solidFill>
-              <a:uFill>
-                <a:solidFill>
-                  <a:srgbClr val="ffffff"/>
-                </a:solidFill>
-              </a:uFill>
-              <a:latin typeface="Arial"/>
-            </a:endParaRPr>
-          </a:p>
-          <a:p>
-            <a:pPr marL="432000" indent="-324000">
+            <a:endParaRPr b="0" lang="hu-HU" sz="1800" spc="-1" strike="noStrike">
+              <a:solidFill>
+                <a:srgbClr val="000000"/>
+              </a:solidFill>
+              <a:uFill>
+                <a:solidFill>
+                  <a:srgbClr val="ffffff"/>
+                </a:solidFill>
+              </a:uFill>
+              <a:latin typeface="Arial"/>
+            </a:endParaRPr>
+          </a:p>
+          <a:p>
+            <a:pPr marL="432000" indent="-323640">
+              <a:lnSpc>
+                <a:spcPct val="100000"/>
+              </a:lnSpc>
               <a:buClr>
                 <a:srgbClr val="000000"/>
               </a:buClr>
@@ -4469,25 +6407,28 @@
               </a:rPr>
               <a:t>Templatezés</a:t>
             </a:r>
-            <a:endParaRPr b="0" lang="hu-HU" sz="3200" spc="-1" strike="noStrike">
-              <a:solidFill>
-                <a:srgbClr val="000000"/>
-              </a:solidFill>
-              <a:uFill>
-                <a:solidFill>
-                  <a:srgbClr val="ffffff"/>
-                </a:solidFill>
-              </a:uFill>
-              <a:latin typeface="Arial"/>
-            </a:endParaRPr>
-          </a:p>
-          <a:p>
-            <a:pPr lvl="1" marL="864000" indent="-324000">
+            <a:endParaRPr b="0" lang="hu-HU" sz="1800" spc="-1" strike="noStrike">
+              <a:solidFill>
+                <a:srgbClr val="000000"/>
+              </a:solidFill>
+              <a:uFill>
+                <a:solidFill>
+                  <a:srgbClr val="ffffff"/>
+                </a:solidFill>
+              </a:uFill>
+              <a:latin typeface="Arial"/>
+            </a:endParaRPr>
+          </a:p>
+          <a:p>
+            <a:pPr lvl="1" marL="864000" indent="-323640">
+              <a:lnSpc>
+                <a:spcPct val="100000"/>
+              </a:lnSpc>
               <a:buClr>
                 <a:srgbClr val="000000"/>
               </a:buClr>
               <a:buSzPct val="75000"/>
-              <a:buFont typeface="Symbol" charset="2"/>
+              <a:buFont typeface="Symbol"/>
               <a:buChar char=""/>
             </a:pPr>
             <a:r>
@@ -4504,20 +6445,23 @@
               </a:rPr>
               <a:t>Egész csúszka lecserélhető</a:t>
             </a:r>
-            <a:endParaRPr b="0" lang="hu-HU" sz="2800" spc="-1" strike="noStrike">
-              <a:solidFill>
-                <a:srgbClr val="000000"/>
-              </a:solidFill>
-              <a:uFill>
-                <a:solidFill>
-                  <a:srgbClr val="ffffff"/>
-                </a:solidFill>
-              </a:uFill>
-              <a:latin typeface="Arial"/>
-            </a:endParaRPr>
-          </a:p>
-          <a:p>
-            <a:pPr lvl="2" marL="1296000" indent="-288000">
+            <a:endParaRPr b="0" lang="hu-HU" sz="1800" spc="-1" strike="noStrike">
+              <a:solidFill>
+                <a:srgbClr val="000000"/>
+              </a:solidFill>
+              <a:uFill>
+                <a:solidFill>
+                  <a:srgbClr val="ffffff"/>
+                </a:solidFill>
+              </a:uFill>
+              <a:latin typeface="Arial"/>
+            </a:endParaRPr>
+          </a:p>
+          <a:p>
+            <a:pPr lvl="2" marL="1296000" indent="-287640">
+              <a:lnSpc>
+                <a:spcPct val="100000"/>
+              </a:lnSpc>
               <a:buClr>
                 <a:srgbClr val="000000"/>
               </a:buClr>
@@ -4539,20 +6483,23 @@
               </a:rPr>
               <a:t>HTML elem megadása</a:t>
             </a:r>
-            <a:endParaRPr b="0" lang="hu-HU" sz="2400" spc="-1" strike="noStrike">
-              <a:solidFill>
-                <a:srgbClr val="000000"/>
-              </a:solidFill>
-              <a:uFill>
-                <a:solidFill>
-                  <a:srgbClr val="ffffff"/>
-                </a:solidFill>
-              </a:uFill>
-              <a:latin typeface="Arial"/>
-            </a:endParaRPr>
-          </a:p>
-          <a:p>
-            <a:pPr lvl="2" marL="1296000" indent="-288000">
+            <a:endParaRPr b="0" lang="hu-HU" sz="1800" spc="-1" strike="noStrike">
+              <a:solidFill>
+                <a:srgbClr val="000000"/>
+              </a:solidFill>
+              <a:uFill>
+                <a:solidFill>
+                  <a:srgbClr val="ffffff"/>
+                </a:solidFill>
+              </a:uFill>
+              <a:latin typeface="Arial"/>
+            </a:endParaRPr>
+          </a:p>
+          <a:p>
+            <a:pPr lvl="2" marL="1296000" indent="-287640">
+              <a:lnSpc>
+                <a:spcPct val="100000"/>
+              </a:lnSpc>
               <a:buClr>
                 <a:srgbClr val="000000"/>
               </a:buClr>
@@ -4574,7 +6521,7 @@
               </a:rPr>
               <a:t>Kötelező elemek, opcionális elemek</a:t>
             </a:r>
-            <a:endParaRPr b="0" lang="hu-HU" sz="2400" spc="-1" strike="noStrike">
+            <a:endParaRPr b="0" lang="hu-HU" sz="1800" spc="-1" strike="noStrike">
               <a:solidFill>
                 <a:srgbClr val="000000"/>
               </a:solidFill>
@@ -4639,14 +6586,14 @@
       </p:grpSpPr>
       <p:sp>
         <p:nvSpPr>
-          <p:cNvPr id="52" name="TextShape 1"/>
-          <p:cNvSpPr txBox="1"/>
+          <p:cNvPr id="85" name="CustomShape 1"/>
+          <p:cNvSpPr/>
           <p:nvPr/>
         </p:nvSpPr>
         <p:spPr>
           <a:xfrm>
             <a:off x="504000" y="301320"/>
-            <a:ext cx="9071640" cy="1262160"/>
+            <a:ext cx="9071280" cy="1261800"/>
           </a:xfrm>
           <a:prstGeom prst="rect">
             <a:avLst/>
@@ -4656,10 +6603,20 @@
             <a:noFill/>
           </a:ln>
         </p:spPr>
+        <p:style>
+          <a:lnRef idx="0"/>
+          <a:fillRef idx="0"/>
+          <a:effectRef idx="0"/>
+          <a:fontRef idx="minor"/>
+        </p:style>
         <p:txBody>
           <a:bodyPr lIns="0" rIns="0" tIns="0" bIns="0" anchor="ctr"/>
           <a:p>
-            <a:pPr algn="ctr"/>
+            <a:pPr algn="ctr">
+              <a:lnSpc>
+                <a:spcPct val="100000"/>
+              </a:lnSpc>
+            </a:pPr>
             <a:r>
               <a:rPr b="0" lang="hu-HU" sz="4400" spc="-1" strike="noStrike">
                 <a:solidFill>
@@ -4672,32 +6629,32 @@
                 </a:uFill>
                 <a:latin typeface="Arial"/>
               </a:rPr>
-              <a:t>Fogantyú mozgatása</a:t>
-            </a:r>
-            <a:endParaRPr b="0" lang="hu-HU" sz="4400" spc="-1" strike="noStrike">
-              <a:solidFill>
-                <a:srgbClr val="000000"/>
-              </a:solidFill>
-              <a:uFill>
-                <a:solidFill>
-                  <a:srgbClr val="ffffff"/>
-                </a:solidFill>
-              </a:uFill>
-              <a:latin typeface="Arial"/>
-            </a:endParaRPr>
-          </a:p>
-        </p:txBody>
-      </p:sp>
-      <p:sp>
-        <p:nvSpPr>
-          <p:cNvPr id="53" name="TextShape 2"/>
-          <p:cNvSpPr txBox="1"/>
+              <a:t>KUKA: Fogantyú mozgatása</a:t>
+            </a:r>
+            <a:endParaRPr b="0" lang="hu-HU" sz="1800" spc="-1" strike="noStrike">
+              <a:solidFill>
+                <a:srgbClr val="000000"/>
+              </a:solidFill>
+              <a:uFill>
+                <a:solidFill>
+                  <a:srgbClr val="ffffff"/>
+                </a:solidFill>
+              </a:uFill>
+              <a:latin typeface="Arial"/>
+            </a:endParaRPr>
+          </a:p>
+        </p:txBody>
+      </p:sp>
+      <p:sp>
+        <p:nvSpPr>
+          <p:cNvPr id="86" name="CustomShape 2"/>
+          <p:cNvSpPr/>
           <p:nvPr/>
         </p:nvSpPr>
         <p:spPr>
           <a:xfrm>
             <a:off x="504000" y="1769040"/>
-            <a:ext cx="9071640" cy="4384440"/>
+            <a:ext cx="9071280" cy="4384080"/>
           </a:xfrm>
           <a:prstGeom prst="rect">
             <a:avLst/>
@@ -4707,10 +6664,19 @@
             <a:noFill/>
           </a:ln>
         </p:spPr>
+        <p:style>
+          <a:lnRef idx="0"/>
+          <a:fillRef idx="0"/>
+          <a:effectRef idx="0"/>
+          <a:fontRef idx="minor"/>
+        </p:style>
         <p:txBody>
           <a:bodyPr lIns="0" rIns="0" tIns="0" bIns="0"/>
           <a:p>
-            <a:pPr marL="432000" indent="-324000">
+            <a:pPr marL="432000" indent="-323640">
+              <a:lnSpc>
+                <a:spcPct val="100000"/>
+              </a:lnSpc>
               <a:buClr>
                 <a:srgbClr val="000000"/>
               </a:buClr>
@@ -4732,20 +6698,23 @@
               </a:rPr>
               <a:t>Egér és érintés események kezelése</a:t>
             </a:r>
-            <a:endParaRPr b="0" lang="hu-HU" sz="3200" spc="-1" strike="noStrike">
-              <a:solidFill>
-                <a:srgbClr val="000000"/>
-              </a:solidFill>
-              <a:uFill>
-                <a:solidFill>
-                  <a:srgbClr val="ffffff"/>
-                </a:solidFill>
-              </a:uFill>
-              <a:latin typeface="Arial"/>
-            </a:endParaRPr>
-          </a:p>
-          <a:p>
-            <a:pPr marL="432000" indent="-324000">
+            <a:endParaRPr b="0" lang="hu-HU" sz="1800" spc="-1" strike="noStrike">
+              <a:solidFill>
+                <a:srgbClr val="000000"/>
+              </a:solidFill>
+              <a:uFill>
+                <a:solidFill>
+                  <a:srgbClr val="ffffff"/>
+                </a:solidFill>
+              </a:uFill>
+              <a:latin typeface="Arial"/>
+            </a:endParaRPr>
+          </a:p>
+          <a:p>
+            <a:pPr marL="432000" indent="-323640">
+              <a:lnSpc>
+                <a:spcPct val="100000"/>
+              </a:lnSpc>
               <a:buClr>
                 <a:srgbClr val="000000"/>
               </a:buClr>
@@ -4767,20 +6736,23 @@
               </a:rPr>
               <a:t>Kezdő-, végpont, fogantyú abszolút poícionált</a:t>
             </a:r>
-            <a:endParaRPr b="0" lang="hu-HU" sz="3200" spc="-1" strike="noStrike">
-              <a:solidFill>
-                <a:srgbClr val="000000"/>
-              </a:solidFill>
-              <a:uFill>
-                <a:solidFill>
-                  <a:srgbClr val="ffffff"/>
-                </a:solidFill>
-              </a:uFill>
-              <a:latin typeface="Arial"/>
-            </a:endParaRPr>
-          </a:p>
-          <a:p>
-            <a:pPr marL="432000" indent="-324000">
+            <a:endParaRPr b="0" lang="hu-HU" sz="1800" spc="-1" strike="noStrike">
+              <a:solidFill>
+                <a:srgbClr val="000000"/>
+              </a:solidFill>
+              <a:uFill>
+                <a:solidFill>
+                  <a:srgbClr val="ffffff"/>
+                </a:solidFill>
+              </a:uFill>
+              <a:latin typeface="Arial"/>
+            </a:endParaRPr>
+          </a:p>
+          <a:p>
+            <a:pPr marL="432000" indent="-323640">
+              <a:lnSpc>
+                <a:spcPct val="100000"/>
+              </a:lnSpc>
               <a:buClr>
                 <a:srgbClr val="000000"/>
               </a:buClr>
@@ -4802,25 +6774,28 @@
               </a:rPr>
               <a:t>Koordináták szerinti merőleges vetület</a:t>
             </a:r>
-            <a:endParaRPr b="0" lang="hu-HU" sz="3200" spc="-1" strike="noStrike">
-              <a:solidFill>
-                <a:srgbClr val="000000"/>
-              </a:solidFill>
-              <a:uFill>
-                <a:solidFill>
-                  <a:srgbClr val="ffffff"/>
-                </a:solidFill>
-              </a:uFill>
-              <a:latin typeface="Arial"/>
-            </a:endParaRPr>
-          </a:p>
-          <a:p>
-            <a:pPr lvl="1" marL="864000" indent="-324000">
+            <a:endParaRPr b="0" lang="hu-HU" sz="1800" spc="-1" strike="noStrike">
+              <a:solidFill>
+                <a:srgbClr val="000000"/>
+              </a:solidFill>
+              <a:uFill>
+                <a:solidFill>
+                  <a:srgbClr val="ffffff"/>
+                </a:solidFill>
+              </a:uFill>
+              <a:latin typeface="Arial"/>
+            </a:endParaRPr>
+          </a:p>
+          <a:p>
+            <a:pPr lvl="1" marL="864000" indent="-323640">
+              <a:lnSpc>
+                <a:spcPct val="100000"/>
+              </a:lnSpc>
               <a:buClr>
                 <a:srgbClr val="000000"/>
               </a:buClr>
               <a:buSzPct val="75000"/>
-              <a:buFont typeface="Symbol" charset="2"/>
+              <a:buFont typeface="Symbol"/>
               <a:buChar char=""/>
             </a:pPr>
             <a:r>
@@ -4837,25 +6812,28 @@
               </a:rPr>
               <a:t>Értékszámítás ez alapján</a:t>
             </a:r>
-            <a:endParaRPr b="0" lang="hu-HU" sz="2800" spc="-1" strike="noStrike">
-              <a:solidFill>
-                <a:srgbClr val="000000"/>
-              </a:solidFill>
-              <a:uFill>
-                <a:solidFill>
-                  <a:srgbClr val="ffffff"/>
-                </a:solidFill>
-              </a:uFill>
-              <a:latin typeface="Arial"/>
-            </a:endParaRPr>
-          </a:p>
-          <a:p>
-            <a:pPr lvl="1" marL="864000" indent="-324000">
+            <a:endParaRPr b="0" lang="hu-HU" sz="1800" spc="-1" strike="noStrike">
+              <a:solidFill>
+                <a:srgbClr val="000000"/>
+              </a:solidFill>
+              <a:uFill>
+                <a:solidFill>
+                  <a:srgbClr val="ffffff"/>
+                </a:solidFill>
+              </a:uFill>
+              <a:latin typeface="Arial"/>
+            </a:endParaRPr>
+          </a:p>
+          <a:p>
+            <a:pPr lvl="1" marL="864000" indent="-323640">
+              <a:lnSpc>
+                <a:spcPct val="100000"/>
+              </a:lnSpc>
               <a:buClr>
                 <a:srgbClr val="000000"/>
               </a:buClr>
               <a:buSzPct val="75000"/>
-              <a:buFont typeface="Symbol" charset="2"/>
+              <a:buFont typeface="Symbol"/>
               <a:buChar char=""/>
             </a:pPr>
             <a:r>
@@ -4872,25 +6850,28 @@
               </a:rPr>
               <a:t>Mindenfajta szögű és irányú csúszka support</a:t>
             </a:r>
-            <a:endParaRPr b="0" lang="hu-HU" sz="2800" spc="-1" strike="noStrike">
-              <a:solidFill>
-                <a:srgbClr val="000000"/>
-              </a:solidFill>
-              <a:uFill>
-                <a:solidFill>
-                  <a:srgbClr val="ffffff"/>
-                </a:solidFill>
-              </a:uFill>
-              <a:latin typeface="Arial"/>
-            </a:endParaRPr>
-          </a:p>
-          <a:p>
-            <a:pPr lvl="1" marL="864000" indent="-324000">
+            <a:endParaRPr b="0" lang="hu-HU" sz="1800" spc="-1" strike="noStrike">
+              <a:solidFill>
+                <a:srgbClr val="000000"/>
+              </a:solidFill>
+              <a:uFill>
+                <a:solidFill>
+                  <a:srgbClr val="ffffff"/>
+                </a:solidFill>
+              </a:uFill>
+              <a:latin typeface="Arial"/>
+            </a:endParaRPr>
+          </a:p>
+          <a:p>
+            <a:pPr lvl="1" marL="864000" indent="-323640">
+              <a:lnSpc>
+                <a:spcPct val="100000"/>
+              </a:lnSpc>
               <a:buClr>
                 <a:srgbClr val="000000"/>
               </a:buClr>
               <a:buSzPct val="75000"/>
-              <a:buFont typeface="Symbol" charset="2"/>
+              <a:buFont typeface="Symbol"/>
               <a:buChar char=""/>
             </a:pPr>
             <a:r>
@@ -4907,7 +6888,7 @@
               </a:rPr>
               <a:t>De csak egyenes (szakasz) lehet</a:t>
             </a:r>
-            <a:endParaRPr b="0" lang="hu-HU" sz="2800" spc="-1" strike="noStrike">
+            <a:endParaRPr b="0" lang="hu-HU" sz="1800" spc="-1" strike="noStrike">
               <a:solidFill>
                 <a:srgbClr val="000000"/>
               </a:solidFill>
@@ -4972,14 +6953,14 @@
       </p:grpSpPr>
       <p:sp>
         <p:nvSpPr>
-          <p:cNvPr id="54" name="TextShape 1"/>
-          <p:cNvSpPr txBox="1"/>
+          <p:cNvPr id="87" name="CustomShape 1"/>
+          <p:cNvSpPr/>
           <p:nvPr/>
         </p:nvSpPr>
         <p:spPr>
           <a:xfrm>
             <a:off x="504000" y="301320"/>
-            <a:ext cx="9071640" cy="1262160"/>
+            <a:ext cx="9071280" cy="1261800"/>
           </a:xfrm>
           <a:prstGeom prst="rect">
             <a:avLst/>
@@ -4989,10 +6970,20 @@
             <a:noFill/>
           </a:ln>
         </p:spPr>
+        <p:style>
+          <a:lnRef idx="0"/>
+          <a:fillRef idx="0"/>
+          <a:effectRef idx="0"/>
+          <a:fontRef idx="minor"/>
+        </p:style>
         <p:txBody>
           <a:bodyPr lIns="0" rIns="0" tIns="0" bIns="0" anchor="ctr"/>
           <a:p>
-            <a:pPr algn="ctr"/>
+            <a:pPr algn="ctr">
+              <a:lnSpc>
+                <a:spcPct val="100000"/>
+              </a:lnSpc>
+            </a:pPr>
             <a:r>
               <a:rPr b="0" lang="hu-HU" sz="4400" spc="-1" strike="noStrike">
                 <a:solidFill>
@@ -5007,30 +6998,30 @@
               </a:rPr>
               <a:t>Fogantyú mozgatása</a:t>
             </a:r>
-            <a:endParaRPr b="0" lang="hu-HU" sz="4400" spc="-1" strike="noStrike">
-              <a:solidFill>
-                <a:srgbClr val="000000"/>
-              </a:solidFill>
-              <a:uFill>
-                <a:solidFill>
-                  <a:srgbClr val="ffffff"/>
-                </a:solidFill>
-              </a:uFill>
-              <a:latin typeface="Arial"/>
-            </a:endParaRPr>
-          </a:p>
-        </p:txBody>
-      </p:sp>
-      <p:sp>
-        <p:nvSpPr>
-          <p:cNvPr id="55" name="TextShape 2"/>
-          <p:cNvSpPr txBox="1"/>
+            <a:endParaRPr b="0" lang="hu-HU" sz="1800" spc="-1" strike="noStrike">
+              <a:solidFill>
+                <a:srgbClr val="000000"/>
+              </a:solidFill>
+              <a:uFill>
+                <a:solidFill>
+                  <a:srgbClr val="ffffff"/>
+                </a:solidFill>
+              </a:uFill>
+              <a:latin typeface="Arial"/>
+            </a:endParaRPr>
+          </a:p>
+        </p:txBody>
+      </p:sp>
+      <p:sp>
+        <p:nvSpPr>
+          <p:cNvPr id="88" name="CustomShape 2"/>
+          <p:cNvSpPr/>
           <p:nvPr/>
         </p:nvSpPr>
         <p:spPr>
           <a:xfrm>
             <a:off x="504000" y="1769040"/>
-            <a:ext cx="9071640" cy="4384440"/>
+            <a:ext cx="9071280" cy="4384080"/>
           </a:xfrm>
           <a:prstGeom prst="rect">
             <a:avLst/>
@@ -5040,10 +7031,19 @@
             <a:noFill/>
           </a:ln>
         </p:spPr>
+        <p:style>
+          <a:lnRef idx="0"/>
+          <a:fillRef idx="0"/>
+          <a:effectRef idx="0"/>
+          <a:fontRef idx="minor"/>
+        </p:style>
         <p:txBody>
           <a:bodyPr lIns="0" rIns="0" tIns="0" bIns="0"/>
           <a:p>
-            <a:pPr marL="432000" indent="-324000">
+            <a:pPr marL="432000" indent="-323640">
+              <a:lnSpc>
+                <a:spcPct val="100000"/>
+              </a:lnSpc>
               <a:buClr>
                 <a:srgbClr val="000000"/>
               </a:buClr>
@@ -5065,25 +7065,28 @@
               </a:rPr>
               <a:t>Csúszka szélein interakció</a:t>
             </a:r>
-            <a:endParaRPr b="0" lang="hu-HU" sz="3200" spc="-1" strike="noStrike">
-              <a:solidFill>
-                <a:srgbClr val="000000"/>
-              </a:solidFill>
-              <a:uFill>
-                <a:solidFill>
-                  <a:srgbClr val="ffffff"/>
-                </a:solidFill>
-              </a:uFill>
-              <a:latin typeface="Arial"/>
-            </a:endParaRPr>
-          </a:p>
-          <a:p>
-            <a:pPr lvl="1" marL="864000" indent="-324000">
+            <a:endParaRPr b="0" lang="hu-HU" sz="1800" spc="-1" strike="noStrike">
+              <a:solidFill>
+                <a:srgbClr val="000000"/>
+              </a:solidFill>
+              <a:uFill>
+                <a:solidFill>
+                  <a:srgbClr val="ffffff"/>
+                </a:solidFill>
+              </a:uFill>
+              <a:latin typeface="Arial"/>
+            </a:endParaRPr>
+          </a:p>
+          <a:p>
+            <a:pPr lvl="1" marL="864000" indent="-323640">
+              <a:lnSpc>
+                <a:spcPct val="100000"/>
+              </a:lnSpc>
               <a:buClr>
                 <a:srgbClr val="000000"/>
               </a:buClr>
               <a:buSzPct val="75000"/>
-              <a:buFont typeface="Symbol" charset="2"/>
+              <a:buFont typeface="Symbol"/>
               <a:buChar char=""/>
             </a:pPr>
             <a:r>
@@ -5100,25 +7103,28 @@
               </a:rPr>
               <a:t>Nincs</a:t>
             </a:r>
-            <a:endParaRPr b="0" lang="hu-HU" sz="2800" spc="-1" strike="noStrike">
-              <a:solidFill>
-                <a:srgbClr val="000000"/>
-              </a:solidFill>
-              <a:uFill>
-                <a:solidFill>
-                  <a:srgbClr val="ffffff"/>
-                </a:solidFill>
-              </a:uFill>
-              <a:latin typeface="Arial"/>
-            </a:endParaRPr>
-          </a:p>
-          <a:p>
-            <a:pPr lvl="1" marL="864000" indent="-324000">
+            <a:endParaRPr b="0" lang="hu-HU" sz="1800" spc="-1" strike="noStrike">
+              <a:solidFill>
+                <a:srgbClr val="000000"/>
+              </a:solidFill>
+              <a:uFill>
+                <a:solidFill>
+                  <a:srgbClr val="ffffff"/>
+                </a:solidFill>
+              </a:uFill>
+              <a:latin typeface="Arial"/>
+            </a:endParaRPr>
+          </a:p>
+          <a:p>
+            <a:pPr lvl="1" marL="864000" indent="-323640">
+              <a:lnSpc>
+                <a:spcPct val="100000"/>
+              </a:lnSpc>
               <a:buClr>
                 <a:srgbClr val="000000"/>
               </a:buClr>
               <a:buSzPct val="75000"/>
-              <a:buFont typeface="Symbol" charset="2"/>
+              <a:buFont typeface="Symbol"/>
               <a:buChar char=""/>
             </a:pPr>
             <a:r>
@@ -5135,20 +7141,23 @@
               </a:rPr>
               <a:t>Expand</a:t>
             </a:r>
-            <a:endParaRPr b="0" lang="hu-HU" sz="2800" spc="-1" strike="noStrike">
-              <a:solidFill>
-                <a:srgbClr val="000000"/>
-              </a:solidFill>
-              <a:uFill>
-                <a:solidFill>
-                  <a:srgbClr val="ffffff"/>
-                </a:solidFill>
-              </a:uFill>
-              <a:latin typeface="Arial"/>
-            </a:endParaRPr>
-          </a:p>
-          <a:p>
-            <a:pPr lvl="2" marL="1296000" indent="-288000">
+            <a:endParaRPr b="0" lang="hu-HU" sz="1800" spc="-1" strike="noStrike">
+              <a:solidFill>
+                <a:srgbClr val="000000"/>
+              </a:solidFill>
+              <a:uFill>
+                <a:solidFill>
+                  <a:srgbClr val="ffffff"/>
+                </a:solidFill>
+              </a:uFill>
+              <a:latin typeface="Arial"/>
+            </a:endParaRPr>
+          </a:p>
+          <a:p>
+            <a:pPr lvl="2" marL="1296000" indent="-287640">
+              <a:lnSpc>
+                <a:spcPct val="100000"/>
+              </a:lnSpc>
               <a:buClr>
                 <a:srgbClr val="000000"/>
               </a:buClr>
@@ -5170,25 +7179,28 @@
               </a:rPr>
               <a:t>Intervallum hossza nő</a:t>
             </a:r>
-            <a:endParaRPr b="0" lang="hu-HU" sz="2400" spc="-1" strike="noStrike">
-              <a:solidFill>
-                <a:srgbClr val="000000"/>
-              </a:solidFill>
-              <a:uFill>
-                <a:solidFill>
-                  <a:srgbClr val="ffffff"/>
-                </a:solidFill>
-              </a:uFill>
-              <a:latin typeface="Arial"/>
-            </a:endParaRPr>
-          </a:p>
-          <a:p>
-            <a:pPr lvl="1" marL="864000" indent="-324000">
+            <a:endParaRPr b="0" lang="hu-HU" sz="1800" spc="-1" strike="noStrike">
+              <a:solidFill>
+                <a:srgbClr val="000000"/>
+              </a:solidFill>
+              <a:uFill>
+                <a:solidFill>
+                  <a:srgbClr val="ffffff"/>
+                </a:solidFill>
+              </a:uFill>
+              <a:latin typeface="Arial"/>
+            </a:endParaRPr>
+          </a:p>
+          <a:p>
+            <a:pPr lvl="1" marL="864000" indent="-323640">
+              <a:lnSpc>
+                <a:spcPct val="100000"/>
+              </a:lnSpc>
               <a:buClr>
                 <a:srgbClr val="000000"/>
               </a:buClr>
               <a:buSzPct val="75000"/>
-              <a:buFont typeface="Symbol" charset="2"/>
+              <a:buFont typeface="Symbol"/>
               <a:buChar char=""/>
             </a:pPr>
             <a:r>
@@ -5205,20 +7217,23 @@
               </a:rPr>
               <a:t>Slide</a:t>
             </a:r>
-            <a:endParaRPr b="0" lang="hu-HU" sz="2800" spc="-1" strike="noStrike">
-              <a:solidFill>
-                <a:srgbClr val="000000"/>
-              </a:solidFill>
-              <a:uFill>
-                <a:solidFill>
-                  <a:srgbClr val="ffffff"/>
-                </a:solidFill>
-              </a:uFill>
-              <a:latin typeface="Arial"/>
-            </a:endParaRPr>
-          </a:p>
-          <a:p>
-            <a:pPr lvl="2" marL="1296000" indent="-288000">
+            <a:endParaRPr b="0" lang="hu-HU" sz="1800" spc="-1" strike="noStrike">
+              <a:solidFill>
+                <a:srgbClr val="000000"/>
+              </a:solidFill>
+              <a:uFill>
+                <a:solidFill>
+                  <a:srgbClr val="ffffff"/>
+                </a:solidFill>
+              </a:uFill>
+              <a:latin typeface="Arial"/>
+            </a:endParaRPr>
+          </a:p>
+          <a:p>
+            <a:pPr lvl="2" marL="1296000" indent="-287640">
+              <a:lnSpc>
+                <a:spcPct val="100000"/>
+              </a:lnSpc>
               <a:buClr>
                 <a:srgbClr val="000000"/>
               </a:buClr>
@@ -5240,25 +7255,28 @@
               </a:rPr>
               <a:t>Az intervallum mozog az adott irányba</a:t>
             </a:r>
-            <a:endParaRPr b="0" lang="hu-HU" sz="2400" spc="-1" strike="noStrike">
-              <a:solidFill>
-                <a:srgbClr val="000000"/>
-              </a:solidFill>
-              <a:uFill>
-                <a:solidFill>
-                  <a:srgbClr val="ffffff"/>
-                </a:solidFill>
-              </a:uFill>
-              <a:latin typeface="Arial"/>
-            </a:endParaRPr>
-          </a:p>
-          <a:p>
-            <a:pPr lvl="1" marL="864000" indent="-324000">
+            <a:endParaRPr b="0" lang="hu-HU" sz="1800" spc="-1" strike="noStrike">
+              <a:solidFill>
+                <a:srgbClr val="000000"/>
+              </a:solidFill>
+              <a:uFill>
+                <a:solidFill>
+                  <a:srgbClr val="ffffff"/>
+                </a:solidFill>
+              </a:uFill>
+              <a:latin typeface="Arial"/>
+            </a:endParaRPr>
+          </a:p>
+          <a:p>
+            <a:pPr lvl="1" marL="864000" indent="-323640">
+              <a:lnSpc>
+                <a:spcPct val="100000"/>
+              </a:lnSpc>
               <a:buClr>
                 <a:srgbClr val="000000"/>
               </a:buClr>
               <a:buSzPct val="75000"/>
-              <a:buFont typeface="Symbol" charset="2"/>
+              <a:buFont typeface="Symbol"/>
               <a:buChar char=""/>
             </a:pPr>
             <a:r>
@@ -5275,20 +7293,23 @@
               </a:rPr>
               <a:t>Expand Slide</a:t>
             </a:r>
-            <a:endParaRPr b="0" lang="hu-HU" sz="2800" spc="-1" strike="noStrike">
-              <a:solidFill>
-                <a:srgbClr val="000000"/>
-              </a:solidFill>
-              <a:uFill>
-                <a:solidFill>
-                  <a:srgbClr val="ffffff"/>
-                </a:solidFill>
-              </a:uFill>
-              <a:latin typeface="Arial"/>
-            </a:endParaRPr>
-          </a:p>
-          <a:p>
-            <a:pPr lvl="2" marL="1296000" indent="-288000">
+            <a:endParaRPr b="0" lang="hu-HU" sz="1800" spc="-1" strike="noStrike">
+              <a:solidFill>
+                <a:srgbClr val="000000"/>
+              </a:solidFill>
+              <a:uFill>
+                <a:solidFill>
+                  <a:srgbClr val="ffffff"/>
+                </a:solidFill>
+              </a:uFill>
+              <a:latin typeface="Arial"/>
+            </a:endParaRPr>
+          </a:p>
+          <a:p>
+            <a:pPr lvl="2" marL="1296000" indent="-287640">
+              <a:lnSpc>
+                <a:spcPct val="100000"/>
+              </a:lnSpc>
               <a:buClr>
                 <a:srgbClr val="000000"/>
               </a:buClr>
@@ -5310,20 +7331,23 @@
               </a:rPr>
               <a:t>Egy adott hosszig mő, de utána már csak mozog</a:t>
             </a:r>
-            <a:endParaRPr b="0" lang="hu-HU" sz="2400" spc="-1" strike="noStrike">
-              <a:solidFill>
-                <a:srgbClr val="000000"/>
-              </a:solidFill>
-              <a:uFill>
-                <a:solidFill>
-                  <a:srgbClr val="ffffff"/>
-                </a:solidFill>
-              </a:uFill>
-              <a:latin typeface="Arial"/>
-            </a:endParaRPr>
-          </a:p>
-          <a:p>
-            <a:pPr marL="432000" indent="-324000">
+            <a:endParaRPr b="0" lang="hu-HU" sz="1800" spc="-1" strike="noStrike">
+              <a:solidFill>
+                <a:srgbClr val="000000"/>
+              </a:solidFill>
+              <a:uFill>
+                <a:solidFill>
+                  <a:srgbClr val="ffffff"/>
+                </a:solidFill>
+              </a:uFill>
+              <a:latin typeface="Arial"/>
+            </a:endParaRPr>
+          </a:p>
+          <a:p>
+            <a:pPr marL="432000" indent="-323640">
+              <a:lnSpc>
+                <a:spcPct val="100000"/>
+              </a:lnSpc>
               <a:buClr>
                 <a:srgbClr val="000000"/>
               </a:buClr>
@@ -5345,20 +7369,23 @@
               </a:rPr>
               <a:t>TODO: kép</a:t>
             </a:r>
-            <a:endParaRPr b="0" lang="hu-HU" sz="3200" spc="-1" strike="noStrike">
-              <a:solidFill>
-                <a:srgbClr val="000000"/>
-              </a:solidFill>
-              <a:uFill>
-                <a:solidFill>
-                  <a:srgbClr val="ffffff"/>
-                </a:solidFill>
-              </a:uFill>
-              <a:latin typeface="Arial"/>
-            </a:endParaRPr>
-          </a:p>
-          <a:p>
-            <a:pPr lvl="2" marL="1296000" indent="-288000">
+            <a:endParaRPr b="0" lang="hu-HU" sz="1800" spc="-1" strike="noStrike">
+              <a:solidFill>
+                <a:srgbClr val="000000"/>
+              </a:solidFill>
+              <a:uFill>
+                <a:solidFill>
+                  <a:srgbClr val="ffffff"/>
+                </a:solidFill>
+              </a:uFill>
+              <a:latin typeface="Arial"/>
+            </a:endParaRPr>
+          </a:p>
+          <a:p>
+            <a:pPr lvl="2" marL="1296000" indent="-287640">
+              <a:lnSpc>
+                <a:spcPct val="100000"/>
+              </a:lnSpc>
               <a:buClr>
                 <a:srgbClr val="000000"/>
               </a:buClr>
@@ -5380,7 +7407,7 @@
               </a:rPr>
               <a:t> </a:t>
             </a:r>
-            <a:endParaRPr b="0" lang="hu-HU" sz="2400" spc="-1" strike="noStrike">
+            <a:endParaRPr b="0" lang="hu-HU" sz="1800" spc="-1" strike="noStrike">
               <a:solidFill>
                 <a:srgbClr val="000000"/>
               </a:solidFill>
@@ -5445,14 +7472,14 @@
       </p:grpSpPr>
       <p:sp>
         <p:nvSpPr>
-          <p:cNvPr id="56" name="TextShape 1"/>
-          <p:cNvSpPr txBox="1"/>
+          <p:cNvPr id="89" name="CustomShape 1"/>
+          <p:cNvSpPr/>
           <p:nvPr/>
         </p:nvSpPr>
         <p:spPr>
           <a:xfrm>
             <a:off x="504000" y="301320"/>
-            <a:ext cx="9071640" cy="1262160"/>
+            <a:ext cx="9071280" cy="1261800"/>
           </a:xfrm>
           <a:prstGeom prst="rect">
             <a:avLst/>
@@ -5462,10 +7489,20 @@
             <a:noFill/>
           </a:ln>
         </p:spPr>
+        <p:style>
+          <a:lnRef idx="0"/>
+          <a:fillRef idx="0"/>
+          <a:effectRef idx="0"/>
+          <a:fontRef idx="minor"/>
+        </p:style>
         <p:txBody>
           <a:bodyPr lIns="0" rIns="0" tIns="0" bIns="0" anchor="ctr"/>
           <a:p>
-            <a:pPr algn="ctr"/>
+            <a:pPr algn="ctr">
+              <a:lnSpc>
+                <a:spcPct val="100000"/>
+              </a:lnSpc>
+            </a:pPr>
             <a:r>
               <a:rPr b="0" lang="hu-HU" sz="4400" spc="-1" strike="noStrike">
                 <a:solidFill>
@@ -5480,30 +7517,30 @@
               </a:rPr>
               <a:t>Csúszka jelölők</a:t>
             </a:r>
-            <a:endParaRPr b="0" lang="hu-HU" sz="4400" spc="-1" strike="noStrike">
-              <a:solidFill>
-                <a:srgbClr val="000000"/>
-              </a:solidFill>
-              <a:uFill>
-                <a:solidFill>
-                  <a:srgbClr val="ffffff"/>
-                </a:solidFill>
-              </a:uFill>
-              <a:latin typeface="Arial"/>
-            </a:endParaRPr>
-          </a:p>
-        </p:txBody>
-      </p:sp>
-      <p:sp>
-        <p:nvSpPr>
-          <p:cNvPr id="57" name="TextShape 2"/>
-          <p:cNvSpPr txBox="1"/>
+            <a:endParaRPr b="0" lang="hu-HU" sz="1800" spc="-1" strike="noStrike">
+              <a:solidFill>
+                <a:srgbClr val="000000"/>
+              </a:solidFill>
+              <a:uFill>
+                <a:solidFill>
+                  <a:srgbClr val="ffffff"/>
+                </a:solidFill>
+              </a:uFill>
+              <a:latin typeface="Arial"/>
+            </a:endParaRPr>
+          </a:p>
+        </p:txBody>
+      </p:sp>
+      <p:sp>
+        <p:nvSpPr>
+          <p:cNvPr id="90" name="CustomShape 2"/>
+          <p:cNvSpPr/>
           <p:nvPr/>
         </p:nvSpPr>
         <p:spPr>
           <a:xfrm>
             <a:off x="504000" y="1769040"/>
-            <a:ext cx="9071640" cy="4384440"/>
+            <a:ext cx="9071280" cy="4384080"/>
           </a:xfrm>
           <a:prstGeom prst="rect">
             <a:avLst/>
@@ -5513,10 +7550,19 @@
             <a:noFill/>
           </a:ln>
         </p:spPr>
+        <p:style>
+          <a:lnRef idx="0"/>
+          <a:fillRef idx="0"/>
+          <a:effectRef idx="0"/>
+          <a:fontRef idx="minor"/>
+        </p:style>
         <p:txBody>
           <a:bodyPr lIns="0" rIns="0" tIns="0" bIns="0"/>
           <a:p>
-            <a:pPr marL="432000" indent="-324000">
+            <a:pPr marL="432000" indent="-323640">
+              <a:lnSpc>
+                <a:spcPct val="100000"/>
+              </a:lnSpc>
               <a:buClr>
                 <a:srgbClr val="000000"/>
               </a:buClr>
@@ -5538,25 +7584,28 @@
               </a:rPr>
               <a:t>Adott értékeken jelölő</a:t>
             </a:r>
-            <a:endParaRPr b="0" lang="hu-HU" sz="3200" spc="-1" strike="noStrike">
-              <a:solidFill>
-                <a:srgbClr val="000000"/>
-              </a:solidFill>
-              <a:uFill>
-                <a:solidFill>
-                  <a:srgbClr val="ffffff"/>
-                </a:solidFill>
-              </a:uFill>
-              <a:latin typeface="Arial"/>
-            </a:endParaRPr>
-          </a:p>
-          <a:p>
-            <a:pPr lvl="1" marL="864000" indent="-324000">
+            <a:endParaRPr b="0" lang="hu-HU" sz="1800" spc="-1" strike="noStrike">
+              <a:solidFill>
+                <a:srgbClr val="000000"/>
+              </a:solidFill>
+              <a:uFill>
+                <a:solidFill>
+                  <a:srgbClr val="ffffff"/>
+                </a:solidFill>
+              </a:uFill>
+              <a:latin typeface="Arial"/>
+            </a:endParaRPr>
+          </a:p>
+          <a:p>
+            <a:pPr lvl="1" marL="864000" indent="-323640">
+              <a:lnSpc>
+                <a:spcPct val="100000"/>
+              </a:lnSpc>
               <a:buClr>
                 <a:srgbClr val="000000"/>
               </a:buClr>
               <a:buSzPct val="75000"/>
-              <a:buFont typeface="Symbol" charset="2"/>
+              <a:buFont typeface="Symbol"/>
               <a:buChar char=""/>
             </a:pPr>
             <a:r>
@@ -5573,25 +7622,28 @@
               </a:rPr>
               <a:t>Pozícionálás: jelölő középpontja a jelölt érték a csúszkán</a:t>
             </a:r>
-            <a:endParaRPr b="0" lang="hu-HU" sz="2800" spc="-1" strike="noStrike">
-              <a:solidFill>
-                <a:srgbClr val="000000"/>
-              </a:solidFill>
-              <a:uFill>
-                <a:solidFill>
-                  <a:srgbClr val="ffffff"/>
-                </a:solidFill>
-              </a:uFill>
-              <a:latin typeface="Arial"/>
-            </a:endParaRPr>
-          </a:p>
-          <a:p>
-            <a:pPr lvl="1" marL="864000" indent="-324000">
+            <a:endParaRPr b="0" lang="hu-HU" sz="1800" spc="-1" strike="noStrike">
+              <a:solidFill>
+                <a:srgbClr val="000000"/>
+              </a:solidFill>
+              <a:uFill>
+                <a:solidFill>
+                  <a:srgbClr val="ffffff"/>
+                </a:solidFill>
+              </a:uFill>
+              <a:latin typeface="Arial"/>
+            </a:endParaRPr>
+          </a:p>
+          <a:p>
+            <a:pPr lvl="1" marL="864000" indent="-323640">
+              <a:lnSpc>
+                <a:spcPct val="100000"/>
+              </a:lnSpc>
               <a:buClr>
                 <a:srgbClr val="000000"/>
               </a:buClr>
               <a:buSzPct val="75000"/>
-              <a:buFont typeface="Symbol" charset="2"/>
+              <a:buFont typeface="Symbol"/>
               <a:buChar char=""/>
             </a:pPr>
             <a:r>
@@ -5608,20 +7660,23 @@
               </a:rPr>
               <a:t>Érték szerint custom CSS osztályok rárakása</a:t>
             </a:r>
-            <a:endParaRPr b="0" lang="hu-HU" sz="2800" spc="-1" strike="noStrike">
-              <a:solidFill>
-                <a:srgbClr val="000000"/>
-              </a:solidFill>
-              <a:uFill>
-                <a:solidFill>
-                  <a:srgbClr val="ffffff"/>
-                </a:solidFill>
-              </a:uFill>
-              <a:latin typeface="Arial"/>
-            </a:endParaRPr>
-          </a:p>
-          <a:p>
-            <a:pPr marL="432000" indent="-324000">
+            <a:endParaRPr b="0" lang="hu-HU" sz="1800" spc="-1" strike="noStrike">
+              <a:solidFill>
+                <a:srgbClr val="000000"/>
+              </a:solidFill>
+              <a:uFill>
+                <a:solidFill>
+                  <a:srgbClr val="ffffff"/>
+                </a:solidFill>
+              </a:uFill>
+              <a:latin typeface="Arial"/>
+            </a:endParaRPr>
+          </a:p>
+          <a:p>
+            <a:pPr marL="432000" indent="-323640">
+              <a:lnSpc>
+                <a:spcPct val="100000"/>
+              </a:lnSpc>
               <a:buClr>
                 <a:srgbClr val="000000"/>
               </a:buClr>
@@ -5643,20 +7698,23 @@
               </a:rPr>
               <a:t>Jelölő értékének formázása</a:t>
             </a:r>
-            <a:endParaRPr b="0" lang="hu-HU" sz="3200" spc="-1" strike="noStrike">
-              <a:solidFill>
-                <a:srgbClr val="000000"/>
-              </a:solidFill>
-              <a:uFill>
-                <a:solidFill>
-                  <a:srgbClr val="ffffff"/>
-                </a:solidFill>
-              </a:uFill>
-              <a:latin typeface="Arial"/>
-            </a:endParaRPr>
-          </a:p>
-          <a:p>
-            <a:pPr marL="432000" indent="-324000">
+            <a:endParaRPr b="0" lang="hu-HU" sz="1800" spc="-1" strike="noStrike">
+              <a:solidFill>
+                <a:srgbClr val="000000"/>
+              </a:solidFill>
+              <a:uFill>
+                <a:solidFill>
+                  <a:srgbClr val="ffffff"/>
+                </a:solidFill>
+              </a:uFill>
+              <a:latin typeface="Arial"/>
+            </a:endParaRPr>
+          </a:p>
+          <a:p>
+            <a:pPr marL="432000" indent="-323640">
+              <a:lnSpc>
+                <a:spcPct val="100000"/>
+              </a:lnSpc>
               <a:buClr>
                 <a:srgbClr val="000000"/>
               </a:buClr>
@@ -5678,20 +7736,23 @@
               </a:rPr>
               <a:t> </a:t>
             </a:r>
-            <a:endParaRPr b="0" lang="hu-HU" sz="3200" spc="-1" strike="noStrike">
-              <a:solidFill>
-                <a:srgbClr val="000000"/>
-              </a:solidFill>
-              <a:uFill>
-                <a:solidFill>
-                  <a:srgbClr val="ffffff"/>
-                </a:solidFill>
-              </a:uFill>
-              <a:latin typeface="Arial"/>
-            </a:endParaRPr>
-          </a:p>
-          <a:p>
-            <a:pPr marL="432000" indent="-324000">
+            <a:endParaRPr b="0" lang="hu-HU" sz="1800" spc="-1" strike="noStrike">
+              <a:solidFill>
+                <a:srgbClr val="000000"/>
+              </a:solidFill>
+              <a:uFill>
+                <a:solidFill>
+                  <a:srgbClr val="ffffff"/>
+                </a:solidFill>
+              </a:uFill>
+              <a:latin typeface="Arial"/>
+            </a:endParaRPr>
+          </a:p>
+          <a:p>
+            <a:pPr marL="432000" indent="-323640">
+              <a:lnSpc>
+                <a:spcPct val="100000"/>
+              </a:lnSpc>
               <a:buClr>
                 <a:srgbClr val="000000"/>
               </a:buClr>
@@ -5713,7 +7774,7 @@
               </a:rPr>
               <a:t>TODO: kép jelölővel</a:t>
             </a:r>
-            <a:endParaRPr b="0" lang="hu-HU" sz="3200" spc="-1" strike="noStrike">
+            <a:endParaRPr b="0" lang="hu-HU" sz="1800" spc="-1" strike="noStrike">
               <a:solidFill>
                 <a:srgbClr val="000000"/>
               </a:solidFill>
@@ -5980,4 +8041,227 @@
     </a:fmtScheme>
   </a:themeElements>
 </a:theme>
+</file>
+
+<file path=ppt/theme/theme2.xml><?xml version="1.0" encoding="utf-8"?>
+<a:theme xmlns:a="http://schemas.openxmlformats.org/drawingml/2006/main" name="Office Theme">
+  <a:themeElements>
+    <a:clrScheme name="Office">
+      <a:dk1>
+        <a:sysClr val="windowText" lastClr="000000"/>
+      </a:dk1>
+      <a:lt1>
+        <a:sysClr val="window" lastClr="FFFFFF"/>
+      </a:lt1>
+      <a:dk2>
+        <a:srgbClr val="1F497D"/>
+      </a:dk2>
+      <a:lt2>
+        <a:srgbClr val="EEECE1"/>
+      </a:lt2>
+      <a:accent1>
+        <a:srgbClr val="4F81BD"/>
+      </a:accent1>
+      <a:accent2>
+        <a:srgbClr val="C0504D"/>
+      </a:accent2>
+      <a:accent3>
+        <a:srgbClr val="9BBB59"/>
+      </a:accent3>
+      <a:accent4>
+        <a:srgbClr val="8064A2"/>
+      </a:accent4>
+      <a:accent5>
+        <a:srgbClr val="4BACC6"/>
+      </a:accent5>
+      <a:accent6>
+        <a:srgbClr val="F79646"/>
+      </a:accent6>
+      <a:hlink>
+        <a:srgbClr val="0000FF"/>
+      </a:hlink>
+      <a:folHlink>
+        <a:srgbClr val="800080"/>
+      </a:folHlink>
+    </a:clrScheme>
+    <a:fontScheme name="Office">
+      <a:majorFont>
+        <a:latin typeface="Arial"/>
+        <a:ea typeface="DejaVu Sans"/>
+        <a:cs typeface="DejaVu Sans"/>
+      </a:majorFont>
+      <a:minorFont>
+        <a:latin typeface="Arial"/>
+        <a:ea typeface="DejaVu Sans"/>
+        <a:cs typeface="DejaVu Sans"/>
+      </a:minorFont>
+    </a:fontScheme>
+    <a:fmtScheme name="Office">
+      <a:fillStyleLst>
+        <a:solidFill>
+          <a:schemeClr val="phClr"/>
+        </a:solidFill>
+        <a:gradFill rotWithShape="1">
+          <a:gsLst>
+            <a:gs pos="0">
+              <a:schemeClr val="phClr">
+                <a:tint val="50000"/>
+                <a:satMod val="300000"/>
+              </a:schemeClr>
+            </a:gs>
+            <a:gs pos="35000">
+              <a:schemeClr val="phClr">
+                <a:tint val="37000"/>
+                <a:satMod val="300000"/>
+              </a:schemeClr>
+            </a:gs>
+            <a:gs pos="100000">
+              <a:schemeClr val="phClr">
+                <a:tint val="15000"/>
+                <a:satMod val="350000"/>
+              </a:schemeClr>
+            </a:gs>
+          </a:gsLst>
+          <a:lin ang="16200000" scaled="1"/>
+        </a:gradFill>
+        <a:gradFill rotWithShape="1">
+          <a:gsLst>
+            <a:gs pos="0">
+              <a:schemeClr val="phClr">
+                <a:shade val="51000"/>
+                <a:satMod val="130000"/>
+              </a:schemeClr>
+            </a:gs>
+            <a:gs pos="80000">
+              <a:schemeClr val="phClr">
+                <a:shade val="93000"/>
+                <a:satMod val="130000"/>
+              </a:schemeClr>
+            </a:gs>
+            <a:gs pos="100000">
+              <a:schemeClr val="phClr">
+                <a:shade val="94000"/>
+                <a:satMod val="135000"/>
+              </a:schemeClr>
+            </a:gs>
+          </a:gsLst>
+          <a:lin ang="16200000" scaled="0"/>
+        </a:gradFill>
+      </a:fillStyleLst>
+      <a:lnStyleLst>
+        <a:ln w="9525" cap="flat" cmpd="sng" algn="ctr">
+          <a:solidFill>
+            <a:schemeClr val="phClr">
+              <a:shade val="95000"/>
+              <a:satMod val="105000"/>
+            </a:schemeClr>
+          </a:solidFill>
+          <a:prstDash val="solid"/>
+        </a:ln>
+        <a:ln w="25400" cap="flat" cmpd="sng" algn="ctr">
+          <a:solidFill>
+            <a:schemeClr val="phClr"/>
+          </a:solidFill>
+          <a:prstDash val="solid"/>
+        </a:ln>
+        <a:ln w="38100" cap="flat" cmpd="sng" algn="ctr">
+          <a:solidFill>
+            <a:schemeClr val="phClr"/>
+          </a:solidFill>
+          <a:prstDash val="solid"/>
+        </a:ln>
+      </a:lnStyleLst>
+      <a:effectStyleLst>
+        <a:effectStyle>
+          <a:effectLst>
+            <a:outerShdw blurRad="40000" dist="20000" dir="5400000" rotWithShape="0">
+              <a:srgbClr val="000000">
+                <a:alpha val="38000"/>
+              </a:srgbClr>
+            </a:outerShdw>
+          </a:effectLst>
+        </a:effectStyle>
+        <a:effectStyle>
+          <a:effectLst>
+            <a:outerShdw blurRad="40000" dist="23000" dir="5400000" rotWithShape="0">
+              <a:srgbClr val="000000">
+                <a:alpha val="35000"/>
+              </a:srgbClr>
+            </a:outerShdw>
+          </a:effectLst>
+        </a:effectStyle>
+        <a:effectStyle>
+          <a:effectLst>
+            <a:outerShdw blurRad="40000" dist="23000" dir="5400000" rotWithShape="0">
+              <a:srgbClr val="000000">
+                <a:alpha val="35000"/>
+              </a:srgbClr>
+            </a:outerShdw>
+          </a:effectLst>
+          <a:scene3d>
+            <a:camera prst="orthographicFront">
+              <a:rot lat="0" lon="0" rev="0"/>
+            </a:camera>
+            <a:lightRig rig="threePt" dir="t">
+              <a:rot lat="0" lon="0" rev="1200000"/>
+            </a:lightRig>
+          </a:scene3d>
+          <a:sp3d>
+            <a:bevelT w="63500" h="25400"/>
+          </a:sp3d>
+        </a:effectStyle>
+      </a:effectStyleLst>
+      <a:bgFillStyleLst>
+        <a:solidFill>
+          <a:schemeClr val="phClr"/>
+        </a:solidFill>
+        <a:gradFill rotWithShape="1">
+          <a:gsLst>
+            <a:gs pos="0">
+              <a:schemeClr val="phClr">
+                <a:tint val="40000"/>
+                <a:satMod val="350000"/>
+              </a:schemeClr>
+            </a:gs>
+            <a:gs pos="40000">
+              <a:schemeClr val="phClr">
+                <a:tint val="45000"/>
+                <a:shade val="99000"/>
+                <a:satMod val="350000"/>
+              </a:schemeClr>
+            </a:gs>
+            <a:gs pos="100000">
+              <a:schemeClr val="phClr">
+                <a:shade val="20000"/>
+                <a:satMod val="255000"/>
+              </a:schemeClr>
+            </a:gs>
+          </a:gsLst>
+          <a:path path="circle">
+            <a:fillToRect l="50000" t="-80000" r="50000" b="180000"/>
+          </a:path>
+        </a:gradFill>
+        <a:gradFill rotWithShape="1">
+          <a:gsLst>
+            <a:gs pos="0">
+              <a:schemeClr val="phClr">
+                <a:tint val="80000"/>
+                <a:satMod val="300000"/>
+              </a:schemeClr>
+            </a:gs>
+            <a:gs pos="100000">
+              <a:schemeClr val="phClr">
+                <a:shade val="30000"/>
+                <a:satMod val="200000"/>
+              </a:schemeClr>
+            </a:gs>
+          </a:gsLst>
+          <a:path path="circle">
+            <a:fillToRect l="50000" t="50000" r="50000" b="50000"/>
+          </a:path>
+        </a:gradFill>
+      </a:bgFillStyleLst>
+    </a:fmtScheme>
+  </a:themeElements>
+</a:theme>
 </file>
--- a/Presentation.pptx
+++ b/Presentation.pptx
@@ -116,6 +116,11 @@
       </a:defRPr>
     </a:lvl9pPr>
   </p:defaultTextStyle>
+  <p:extLst>
+    <p:ext uri="{EFAFB233-063F-42B5-8137-9DF3F51BA10A}">
+      <p15:sldGuideLst xmlns:p15="http://schemas.microsoft.com/office/powerpoint/2012/main"/>
+    </p:ext>
+  </p:extLst>
 </p:presentation>
 </file>
 
@@ -296,7 +301,6 @@
               <a:rPr lang="hu-HU"/>
               <a:t>Ötödik szint</a:t>
             </a:r>
-            <a:endParaRPr lang="hu-HU"/>
           </a:p>
         </p:txBody>
       </p:sp>
@@ -4378,7 +4382,6 @@
               <a:rPr lang="hu-HU" sz="6000" dirty="0"/>
               <a:t>Dátumválasztó komponens készítése natív JavaScript alkalmazásokhoz</a:t>
             </a:r>
-            <a:endParaRPr lang="hu-HU" sz="6000" dirty="0"/>
           </a:p>
         </p:txBody>
       </p:sp>
@@ -4770,6 +4773,21 @@
               <a:rPr lang="hu-HU" sz="2800" dirty="0"/>
               <a:t>TDD alapokon</a:t>
             </a:r>
+          </a:p>
+          <a:p>
+            <a:r>
+              <a:rPr lang="hu-HU" sz="2800" dirty="0"/>
+              <a:t>Karma + </a:t>
+            </a:r>
+            <a:r>
+              <a:rPr lang="hu-HU" sz="2800" dirty="0" err="1"/>
+              <a:t>Jasmine</a:t>
+            </a:r>
+            <a:r>
+              <a:rPr lang="hu-HU" sz="2800"/>
+              <a:t> tesztelőkörnyezet</a:t>
+            </a:r>
+            <a:endParaRPr lang="hu-HU" sz="2800" dirty="0"/>
           </a:p>
           <a:p>
             <a:r>

--- a/Presentation.pptx
+++ b/Presentation.pptx
@@ -206,7 +206,7 @@
           <a:p>
             <a:fld id="{E9FD884D-869F-4BFC-B41C-BAC7E5E0A100}" type="datetimeFigureOut">
               <a:rPr lang="hu-HU" smtClean="0"/>
-              <a:t>2017. 05. 10.</a:t>
+              <a:t>2017. 05. 12.</a:t>
             </a:fld>
             <a:endParaRPr lang="hu-HU"/>
           </a:p>
@@ -893,7 +893,7 @@
           <a:p>
             <a:fld id="{96DFF08F-DC6B-4601-B491-B0F83F6DD2DA}" type="datetimeFigureOut">
               <a:rPr lang="en-US" smtClean="0"/>
-              <a:t>5/10/2017</a:t>
+              <a:t>5/12/2017</a:t>
             </a:fld>
             <a:endParaRPr lang="en-US" dirty="0"/>
           </a:p>
@@ -1101,7 +1101,7 @@
           <a:p>
             <a:fld id="{96DFF08F-DC6B-4601-B491-B0F83F6DD2DA}" type="datetimeFigureOut">
               <a:rPr lang="en-US" smtClean="0"/>
-              <a:t>5/10/2017</a:t>
+              <a:t>5/12/2017</a:t>
             </a:fld>
             <a:endParaRPr lang="en-US" dirty="0"/>
           </a:p>
@@ -1357,7 +1357,7 @@
           <a:p>
             <a:fld id="{96DFF08F-DC6B-4601-B491-B0F83F6DD2DA}" type="datetimeFigureOut">
               <a:rPr lang="en-US" smtClean="0"/>
-              <a:t>5/10/2017</a:t>
+              <a:t>5/12/2017</a:t>
             </a:fld>
             <a:endParaRPr lang="en-US" dirty="0"/>
           </a:p>
@@ -1527,7 +1527,7 @@
           <a:p>
             <a:fld id="{A3E28D29-1ECB-41DF-951B-2A23F95AD026}" type="datetimeFigureOut">
               <a:rPr lang="en-US" smtClean="0"/>
-              <a:t>5/10/2017</a:t>
+              <a:t>5/12/2017</a:t>
             </a:fld>
             <a:endParaRPr lang="en-US" dirty="0"/>
           </a:p>
@@ -1870,7 +1870,7 @@
           <a:p>
             <a:fld id="{96DFF08F-DC6B-4601-B491-B0F83F6DD2DA}" type="datetimeFigureOut">
               <a:rPr lang="en-US" smtClean="0"/>
-              <a:t>5/10/2017</a:t>
+              <a:t>5/12/2017</a:t>
             </a:fld>
             <a:endParaRPr lang="en-US" dirty="0"/>
           </a:p>
@@ -2145,7 +2145,7 @@
           <a:p>
             <a:fld id="{96DFF08F-DC6B-4601-B491-B0F83F6DD2DA}" type="datetimeFigureOut">
               <a:rPr lang="en-US" smtClean="0"/>
-              <a:t>5/10/2017</a:t>
+              <a:t>5/12/2017</a:t>
             </a:fld>
             <a:endParaRPr lang="en-US" dirty="0"/>
           </a:p>
@@ -2524,7 +2524,7 @@
           <a:p>
             <a:fld id="{96DFF08F-DC6B-4601-B491-B0F83F6DD2DA}" type="datetimeFigureOut">
               <a:rPr lang="en-US" smtClean="0"/>
-              <a:t>5/10/2017</a:t>
+              <a:t>5/12/2017</a:t>
             </a:fld>
             <a:endParaRPr lang="en-US" dirty="0"/>
           </a:p>
@@ -2642,7 +2642,7 @@
           <a:p>
             <a:fld id="{96DFF08F-DC6B-4601-B491-B0F83F6DD2DA}" type="datetimeFigureOut">
               <a:rPr lang="en-US" smtClean="0"/>
-              <a:t>5/10/2017</a:t>
+              <a:t>5/12/2017</a:t>
             </a:fld>
             <a:endParaRPr lang="en-US" dirty="0"/>
           </a:p>
@@ -2814,7 +2814,7 @@
             <a:fld id="{96DFF08F-DC6B-4601-B491-B0F83F6DD2DA}" type="datetimeFigureOut">
               <a:rPr lang="en-US" smtClean="0"/>
               <a:pPr/>
-              <a:t>5/10/2017</a:t>
+              <a:t>5/12/2017</a:t>
             </a:fld>
             <a:endParaRPr lang="en-US" dirty="0"/>
           </a:p>
@@ -3170,7 +3170,7 @@
             <a:fld id="{96DFF08F-DC6B-4601-B491-B0F83F6DD2DA}" type="datetimeFigureOut">
               <a:rPr lang="en-US" smtClean="0"/>
               <a:pPr/>
-              <a:t>5/10/2017</a:t>
+              <a:t>5/12/2017</a:t>
             </a:fld>
             <a:endParaRPr lang="en-US" dirty="0"/>
           </a:p>
@@ -3548,7 +3548,7 @@
           <a:p>
             <a:fld id="{96DFF08F-DC6B-4601-B491-B0F83F6DD2DA}" type="datetimeFigureOut">
               <a:rPr lang="en-US" smtClean="0"/>
-              <a:t>5/10/2017</a:t>
+              <a:t>5/12/2017</a:t>
             </a:fld>
             <a:endParaRPr lang="en-US" dirty="0"/>
           </a:p>
@@ -3836,7 +3836,7 @@
             <a:fld id="{96DFF08F-DC6B-4601-B491-B0F83F6DD2DA}" type="datetimeFigureOut">
               <a:rPr lang="en-US" dirty="0"/>
               <a:pPr/>
-              <a:t>5/10/2017</a:t>
+              <a:t>5/12/2017</a:t>
             </a:fld>
             <a:endParaRPr lang="en-US" dirty="0"/>
           </a:p>
@@ -5348,9 +5348,6 @@
               <a:rPr lang="hu-HU" sz="2400" dirty="0"/>
               <a:t>Nincs</a:t>
             </a:r>
-          </a:p>
-          <a:p>
-            <a:pPr lvl="2"/>
             <a:endParaRPr lang="hu-HU" sz="1959" dirty="0"/>
           </a:p>
           <a:p>
@@ -5369,8 +5366,7 @@
             </a:r>
           </a:p>
           <a:p>
-            <a:pPr lvl="2"/>
-            <a:endParaRPr lang="hu-HU" sz="1800" dirty="0"/>
+            <a:endParaRPr lang="hu-HU" sz="2462" dirty="0"/>
           </a:p>
           <a:p>
             <a:pPr lvl="1"/>
@@ -5388,8 +5384,7 @@
             </a:r>
           </a:p>
           <a:p>
-            <a:pPr lvl="2"/>
-            <a:endParaRPr lang="hu-HU" sz="1800" dirty="0"/>
+            <a:endParaRPr lang="hu-HU" sz="3124" dirty="0"/>
           </a:p>
           <a:p>
             <a:pPr lvl="1"/>
@@ -5438,7 +5433,7 @@
         </p:blipFill>
         <p:spPr>
           <a:xfrm>
-            <a:off x="3650195" y="4136697"/>
+            <a:off x="3650195" y="3966334"/>
             <a:ext cx="5572125" cy="571500"/>
           </a:xfrm>
           <a:prstGeom prst="rect">
@@ -5468,7 +5463,7 @@
         </p:blipFill>
         <p:spPr>
           <a:xfrm>
-            <a:off x="4135970" y="3036607"/>
+            <a:off x="4135970" y="2898295"/>
             <a:ext cx="5086350" cy="542925"/>
           </a:xfrm>
           <a:prstGeom prst="rect">
@@ -5498,7 +5493,7 @@
         </p:blipFill>
         <p:spPr>
           <a:xfrm>
-            <a:off x="4040720" y="5265363"/>
+            <a:off x="4040720" y="5401550"/>
             <a:ext cx="5181600" cy="542925"/>
           </a:xfrm>
           <a:prstGeom prst="rect">
